--- a/Temporal.pptx
+++ b/Temporal.pptx
@@ -10,6 +10,9 @@
     <p:sldId id="258" r:id="rId4"/>
     <p:sldId id="259" r:id="rId5"/>
     <p:sldId id="260" r:id="rId6"/>
+    <p:sldId id="263" r:id="rId7"/>
+    <p:sldId id="261" r:id="rId8"/>
+    <p:sldId id="262" r:id="rId9"/>
   </p:sldIdLst>
   <p:sldSz cx="9144000" cy="6858000" type="screen4x3"/>
   <p:notesSz cx="6858000" cy="9144000"/>
@@ -3099,10 +3102,15 @@
             <p:ph idx="1"/>
           </p:nvPr>
         </p:nvSpPr>
-        <p:spPr/>
+        <p:spPr>
+          <a:xfrm>
+            <a:off x="628650" y="1520890"/>
+            <a:ext cx="7886700" cy="5047861"/>
+          </a:xfrm>
+        </p:spPr>
         <p:txBody>
           <a:bodyPr>
-            <a:normAutofit fontScale="92500" lnSpcReduction="20000"/>
+            <a:normAutofit fontScale="77500" lnSpcReduction="20000"/>
           </a:bodyPr>
           <a:lstStyle/>
           <a:p>
@@ -3127,15 +3135,7 @@
             </a:r>
             <a:r>
               <a:rPr lang="en-US" dirty="0"/>
-              <a:t> tenet is that data passing between </a:t>
-            </a:r>
-            <a:r>
-              <a:rPr lang="en-US" dirty="0" err="1"/>
-              <a:t>proceses</a:t>
-            </a:r>
-            <a:r>
-              <a:rPr lang="en-US" dirty="0"/>
-              <a:t> is developers jobs</a:t>
+              <a:t> tenet is that data passing between processes is developers responsibility</a:t>
             </a:r>
           </a:p>
           <a:p>
@@ -3146,7 +3146,7 @@
             </a:r>
             <a:r>
               <a:rPr lang="en-US" dirty="0"/>
-              <a:t> is essentially triggered by process exit code</a:t>
+              <a:t> jobs are triggered by process exit codes</a:t>
             </a:r>
           </a:p>
           <a:p>
@@ -3163,10 +3163,31 @@
           <a:p>
             <a:r>
               <a:rPr lang="en-US" dirty="0"/>
-              <a:t>We expect that multiple monolithic Slang applications will be split into a multi-language smaller sub-processes that need to exchange data</a:t>
-            </a:r>
-          </a:p>
-          <a:p>
+              <a:t>Many of our applications (current and future) can be thought of as multi-process entities…</a:t>
+            </a:r>
+          </a:p>
+          <a:p>
+            <a:r>
+              <a:rPr lang="en-US" dirty="0"/>
+              <a:t>… and we expect that exiting monolithic Slang scripts will be refactored into orchestrated multi-language processes exchanging data</a:t>
+            </a:r>
+          </a:p>
+          <a:p>
+            <a:r>
+              <a:rPr lang="en-US" dirty="0"/>
+              <a:t>We propose to make a clear distinction between top-level application-like entries and </a:t>
+            </a:r>
+            <a:r>
+              <a:rPr lang="en-US" dirty="0" err="1"/>
+              <a:t>procmon</a:t>
+            </a:r>
+            <a:r>
+              <a:rPr lang="en-US" dirty="0"/>
+              <a:t>, and application internal mechanics/orchestration.</a:t>
+            </a:r>
+          </a:p>
+          <a:p>
+            <a:pPr lvl="1"/>
             <a:r>
               <a:rPr lang="en-US" dirty="0"/>
               <a:t>Splitting a single </a:t>
@@ -3294,7 +3315,7 @@
           <a:p>
             <a:r>
               <a:rPr lang="en-US" dirty="0"/>
-              <a:t>Replacement to Kubernetes (complementary)</a:t>
+              <a:t>Replacement to Kubernetes (complements it)</a:t>
             </a:r>
           </a:p>
         </p:txBody>
@@ -3345,14 +3366,19 @@
             <p:ph type="title"/>
           </p:nvPr>
         </p:nvSpPr>
-        <p:spPr/>
-        <p:txBody>
-          <a:bodyPr/>
-          <a:lstStyle/>
-          <a:p>
-            <a:r>
-              <a:rPr lang="en-US" dirty="0"/>
-              <a:t>What temporal offers</a:t>
+        <p:spPr>
+          <a:xfrm>
+            <a:off x="628650" y="365126"/>
+            <a:ext cx="7886700" cy="997143"/>
+          </a:xfrm>
+        </p:spPr>
+        <p:txBody>
+          <a:bodyPr/>
+          <a:lstStyle/>
+          <a:p>
+            <a:r>
+              <a:rPr lang="en-US" dirty="0"/>
+              <a:t>What do you get</a:t>
             </a:r>
           </a:p>
         </p:txBody>
@@ -3373,10 +3399,15 @@
             <p:ph idx="1"/>
           </p:nvPr>
         </p:nvSpPr>
-        <p:spPr/>
+        <p:spPr>
+          <a:xfrm>
+            <a:off x="628650" y="1436914"/>
+            <a:ext cx="7886700" cy="4740049"/>
+          </a:xfrm>
+        </p:spPr>
         <p:txBody>
           <a:bodyPr>
-            <a:normAutofit/>
+            <a:normAutofit lnSpcReduction="10000"/>
           </a:bodyPr>
           <a:lstStyle/>
           <a:p>
@@ -3388,7 +3419,7 @@
           <a:p>
             <a:r>
               <a:rPr lang="en-US" dirty="0"/>
-              <a:t>Robust execution</a:t>
+              <a:t>Durable execution ™</a:t>
             </a:r>
           </a:p>
           <a:p>
@@ -3402,13 +3433,15 @@
             <a:pPr lvl="1"/>
             <a:r>
               <a:rPr lang="en-US" dirty="0"/>
-              <a:t>“Checkpoints” of calculation </a:t>
-            </a:r>
-            <a:r>
-              <a:rPr lang="en-US"/>
-              <a:t>for fast reruns</a:t>
-            </a:r>
-            <a:endParaRPr lang="en-US" dirty="0"/>
+              <a:t>“Checkpoints” of calculation for fast reruns</a:t>
+            </a:r>
+          </a:p>
+          <a:p>
+            <a:pPr lvl="1"/>
+            <a:r>
+              <a:rPr lang="en-US" dirty="0"/>
+              <a:t>Transactional maintenance of the state of execution</a:t>
+            </a:r>
           </a:p>
           <a:p>
             <a:r>
@@ -3419,20 +3452,19 @@
           <a:p>
             <a:r>
               <a:rPr lang="en-US" dirty="0"/>
+              <a:t>no waiting for a sub-process to finish to launch the next</a:t>
+            </a:r>
+          </a:p>
+          <a:p>
+            <a:r>
+              <a:rPr lang="en-US" dirty="0"/>
               <a:t>Heartbeats and signaling</a:t>
             </a:r>
           </a:p>
           <a:p>
-            <a:pPr lvl="1"/>
-            <a:r>
-              <a:rPr lang="en-US" dirty="0"/>
-              <a:t>no waiting for a sub-process to die to launch the next</a:t>
-            </a:r>
-          </a:p>
-          <a:p>
-            <a:r>
-              <a:rPr lang="en-US" dirty="0"/>
-              <a:t>Multi-language (python, java, </a:t>
+            <a:r>
+              <a:rPr lang="en-US" dirty="0"/>
+              <a:t>Multi-language (Python, Java, Go, </a:t>
             </a:r>
             <a:r>
               <a:rPr lang="en-US" dirty="0" err="1"/>
@@ -3504,7 +3536,7 @@
           <a:p>
             <a:r>
               <a:rPr lang="en-US" dirty="0"/>
-              <a:t>What price do you pay</a:t>
+              <a:t>Prerequisites</a:t>
             </a:r>
           </a:p>
         </p:txBody>
@@ -3525,57 +3557,81 @@
             <p:ph idx="1"/>
           </p:nvPr>
         </p:nvSpPr>
-        <p:spPr/>
+        <p:spPr>
+          <a:xfrm>
+            <a:off x="628650" y="1825625"/>
+            <a:ext cx="8123464" cy="4351338"/>
+          </a:xfrm>
+        </p:spPr>
         <p:txBody>
           <a:bodyPr>
-            <a:normAutofit/>
+            <a:normAutofit fontScale="92500" lnSpcReduction="20000"/>
           </a:bodyPr>
           <a:lstStyle/>
           <a:p>
             <a:r>
               <a:rPr lang="en-US" dirty="0"/>
-              <a:t>Organizing logic into </a:t>
+              <a:t>Organize logic into </a:t>
             </a:r>
           </a:p>
           <a:p>
             <a:pPr lvl="1"/>
             <a:r>
               <a:rPr lang="en-US" dirty="0"/>
-              <a:t>“workflow” - definition of the order and and dependency of subprocesses</a:t>
+              <a:t>“workflow” – definition of the order and and dependency of subprocesses (‘activities’)</a:t>
+            </a:r>
+          </a:p>
+          <a:p>
+            <a:pPr lvl="2"/>
+            <a:r>
+              <a:rPr lang="en-US" dirty="0"/>
+              <a:t>Workflows can be nested</a:t>
             </a:r>
           </a:p>
           <a:p>
             <a:pPr lvl="1"/>
             <a:r>
               <a:rPr lang="en-US" dirty="0"/>
-              <a:t>“activities” – subprocesses launched by “workflow” that can be running on different machines/languages </a:t>
+              <a:t>“activities” – services handling “workflow” requests</a:t>
+            </a:r>
+          </a:p>
+          <a:p>
+            <a:pPr lvl="1"/>
+            <a:r>
+              <a:rPr lang="en-US" dirty="0"/>
+              <a:t>Activities and workflows can be running on different machines and implemented in different languages</a:t>
+            </a:r>
+          </a:p>
+          <a:p>
+            <a:r>
+              <a:rPr lang="en-US" dirty="0"/>
+              <a:t>Workflow </a:t>
             </a:r>
             <a:r>
               <a:rPr lang="en-US" dirty="0" err="1"/>
-              <a:t>etc</a:t>
-            </a:r>
-            <a:endParaRPr lang="en-US" dirty="0"/>
-          </a:p>
-          <a:p>
-            <a:r>
-              <a:rPr lang="en-US" dirty="0"/>
-              <a:t>Reproducibility of “</a:t>
-            </a:r>
-            <a:r>
-              <a:rPr lang="en-US" dirty="0" err="1"/>
-              <a:t>activities”jobs</a:t>
-            </a:r>
-            <a:endParaRPr lang="en-US" dirty="0"/>
+              <a:t>implemenetion</a:t>
+            </a:r>
+            <a:r>
+              <a:rPr lang="en-US" dirty="0"/>
+              <a:t> must satisfy certain rules</a:t>
+            </a:r>
           </a:p>
           <a:p>
             <a:pPr lvl="1"/>
             <a:r>
               <a:rPr lang="en-US" dirty="0"/>
+              <a:t>Reproducibility of “workflow” jobs</a:t>
+            </a:r>
+          </a:p>
+          <a:p>
+            <a:pPr lvl="2"/>
+            <a:r>
+              <a:rPr lang="en-US" dirty="0"/>
               <a:t>No “random” (fixed seed)</a:t>
             </a:r>
           </a:p>
           <a:p>
-            <a:pPr lvl="1"/>
+            <a:pPr lvl="2"/>
             <a:r>
               <a:rPr lang="en-US" dirty="0"/>
               <a:t>No real time </a:t>
@@ -3613,6 +3669,379 @@
     <p:extLst>
       <p:ext uri="{BB962C8B-B14F-4D97-AF65-F5344CB8AC3E}">
         <p14:creationId xmlns:p14="http://schemas.microsoft.com/office/powerpoint/2010/main" val="2374780000"/>
+      </p:ext>
+    </p:extLst>
+  </p:cSld>
+  <p:clrMapOvr>
+    <a:masterClrMapping/>
+  </p:clrMapOvr>
+</p:sld>
+</file>
+
+<file path=ppt/slides/slide6.xml><?xml version="1.0" encoding="utf-8"?>
+<p:sld xmlns:a="http://schemas.openxmlformats.org/drawingml/2006/main" xmlns:r="http://schemas.openxmlformats.org/officeDocument/2006/relationships" xmlns:p="http://schemas.openxmlformats.org/presentationml/2006/main">
+  <p:cSld>
+    <p:spTree>
+      <p:nvGrpSpPr>
+        <p:cNvPr id="1" name=""/>
+        <p:cNvGrpSpPr/>
+        <p:nvPr/>
+      </p:nvGrpSpPr>
+      <p:grpSpPr>
+        <a:xfrm>
+          <a:off x="0" y="0"/>
+          <a:ext cx="0" cy="0"/>
+          <a:chOff x="0" y="0"/>
+          <a:chExt cx="0" cy="0"/>
+        </a:xfrm>
+      </p:grpSpPr>
+      <p:sp>
+        <p:nvSpPr>
+          <p:cNvPr id="2" name="Title 1">
+            <a:extLst>
+              <a:ext uri="{FF2B5EF4-FFF2-40B4-BE49-F238E27FC236}">
+                <a16:creationId xmlns:a16="http://schemas.microsoft.com/office/drawing/2014/main" id="{9DB620B6-64EC-EBBB-62A6-B5E0DB94EDCB}"/>
+              </a:ext>
+            </a:extLst>
+          </p:cNvPr>
+          <p:cNvSpPr>
+            <a:spLocks noGrp="1"/>
+          </p:cNvSpPr>
+          <p:nvPr>
+            <p:ph type="title"/>
+          </p:nvPr>
+        </p:nvSpPr>
+        <p:spPr>
+          <a:xfrm>
+            <a:off x="470030" y="159852"/>
+            <a:ext cx="7886700" cy="1325563"/>
+          </a:xfrm>
+        </p:spPr>
+        <p:txBody>
+          <a:bodyPr/>
+          <a:lstStyle/>
+          <a:p>
+            <a:r>
+              <a:rPr lang="en-US" dirty="0"/>
+              <a:t>Roles and players</a:t>
+            </a:r>
+          </a:p>
+        </p:txBody>
+      </p:sp>
+      <p:pic>
+        <p:nvPicPr>
+          <p:cNvPr id="7" name="Picture 6">
+            <a:extLst>
+              <a:ext uri="{FF2B5EF4-FFF2-40B4-BE49-F238E27FC236}">
+                <a16:creationId xmlns:a16="http://schemas.microsoft.com/office/drawing/2014/main" id="{E494799B-6EA4-B52C-D555-727E74FD022B}"/>
+              </a:ext>
+            </a:extLst>
+          </p:cNvPr>
+          <p:cNvPicPr>
+            <a:picLocks noChangeAspect="1"/>
+          </p:cNvPicPr>
+          <p:nvPr/>
+        </p:nvPicPr>
+        <p:blipFill>
+          <a:blip r:embed="rId2"/>
+          <a:stretch>
+            <a:fillRect/>
+          </a:stretch>
+        </p:blipFill>
+        <p:spPr>
+          <a:xfrm>
+            <a:off x="343969" y="1608461"/>
+            <a:ext cx="6067425" cy="4219575"/>
+          </a:xfrm>
+          <a:prstGeom prst="rect">
+            <a:avLst/>
+          </a:prstGeom>
+        </p:spPr>
+      </p:pic>
+      <p:sp>
+        <p:nvSpPr>
+          <p:cNvPr id="8" name="TextBox 7">
+            <a:extLst>
+              <a:ext uri="{FF2B5EF4-FFF2-40B4-BE49-F238E27FC236}">
+                <a16:creationId xmlns:a16="http://schemas.microsoft.com/office/drawing/2014/main" id="{4D2D65F2-9F48-CADF-E2CE-05ACCD322907}"/>
+              </a:ext>
+            </a:extLst>
+          </p:cNvPr>
+          <p:cNvSpPr txBox="1"/>
+          <p:nvPr/>
+        </p:nvSpPr>
+        <p:spPr>
+          <a:xfrm>
+            <a:off x="6811347" y="1315616"/>
+            <a:ext cx="2080726" cy="2308324"/>
+          </a:xfrm>
+          <a:prstGeom prst="rect">
+            <a:avLst/>
+          </a:prstGeom>
+          <a:noFill/>
+        </p:spPr>
+        <p:txBody>
+          <a:bodyPr wrap="square" rtlCol="0">
+            <a:spAutoFit/>
+          </a:bodyPr>
+          <a:lstStyle/>
+          <a:p>
+            <a:r>
+              <a:rPr lang="en-US" dirty="0"/>
+              <a:t>Worklow.py</a:t>
+            </a:r>
+          </a:p>
+          <a:p>
+            <a:endParaRPr lang="en-US" dirty="0"/>
+          </a:p>
+          <a:p>
+            <a:r>
+              <a:rPr lang="en-US" dirty="0"/>
+              <a:t>import temporal</a:t>
+            </a:r>
+          </a:p>
+          <a:p>
+            <a:endParaRPr lang="en-US" dirty="0"/>
+          </a:p>
+          <a:p>
+            <a:r>
+              <a:rPr lang="en-US" dirty="0"/>
+              <a:t>@workflow</a:t>
+            </a:r>
+          </a:p>
+          <a:p>
+            <a:r>
+              <a:rPr lang="en-US" dirty="0"/>
+              <a:t>def LCx2(filename):</a:t>
+            </a:r>
+          </a:p>
+          <a:p>
+            <a:r>
+              <a:rPr lang="en-US" dirty="0"/>
+              <a:t>	@activity</a:t>
+            </a:r>
+          </a:p>
+          <a:p>
+            <a:r>
+              <a:rPr lang="en-US" dirty="0"/>
+              <a:t>	 </a:t>
+            </a:r>
+          </a:p>
+        </p:txBody>
+      </p:sp>
+    </p:spTree>
+    <p:extLst>
+      <p:ext uri="{BB962C8B-B14F-4D97-AF65-F5344CB8AC3E}">
+        <p14:creationId xmlns:p14="http://schemas.microsoft.com/office/powerpoint/2010/main" val="1583517284"/>
+      </p:ext>
+    </p:extLst>
+  </p:cSld>
+  <p:clrMapOvr>
+    <a:masterClrMapping/>
+  </p:clrMapOvr>
+</p:sld>
+</file>
+
+<file path=ppt/slides/slide7.xml><?xml version="1.0" encoding="utf-8"?>
+<p:sld xmlns:a="http://schemas.openxmlformats.org/drawingml/2006/main" xmlns:r="http://schemas.openxmlformats.org/officeDocument/2006/relationships" xmlns:p="http://schemas.openxmlformats.org/presentationml/2006/main">
+  <p:cSld>
+    <p:spTree>
+      <p:nvGrpSpPr>
+        <p:cNvPr id="1" name=""/>
+        <p:cNvGrpSpPr/>
+        <p:nvPr/>
+      </p:nvGrpSpPr>
+      <p:grpSpPr>
+        <a:xfrm>
+          <a:off x="0" y="0"/>
+          <a:ext cx="0" cy="0"/>
+          <a:chOff x="0" y="0"/>
+          <a:chExt cx="0" cy="0"/>
+        </a:xfrm>
+      </p:grpSpPr>
+      <p:sp>
+        <p:nvSpPr>
+          <p:cNvPr id="2" name="Title 1">
+            <a:extLst>
+              <a:ext uri="{FF2B5EF4-FFF2-40B4-BE49-F238E27FC236}">
+                <a16:creationId xmlns:a16="http://schemas.microsoft.com/office/drawing/2014/main" id="{95D1709A-ADC6-6A1D-F29C-CA82588292E2}"/>
+              </a:ext>
+            </a:extLst>
+          </p:cNvPr>
+          <p:cNvSpPr>
+            <a:spLocks noGrp="1"/>
+          </p:cNvSpPr>
+          <p:nvPr>
+            <p:ph type="title"/>
+          </p:nvPr>
+        </p:nvSpPr>
+        <p:spPr/>
+        <p:txBody>
+          <a:bodyPr/>
+          <a:lstStyle/>
+          <a:p>
+            <a:r>
+              <a:rPr lang="en-US" dirty="0"/>
+              <a:t>Our demo</a:t>
+            </a:r>
+          </a:p>
+        </p:txBody>
+      </p:sp>
+      <p:sp>
+        <p:nvSpPr>
+          <p:cNvPr id="3" name="Content Placeholder 2">
+            <a:extLst>
+              <a:ext uri="{FF2B5EF4-FFF2-40B4-BE49-F238E27FC236}">
+                <a16:creationId xmlns:a16="http://schemas.microsoft.com/office/drawing/2014/main" id="{4675A55F-7949-5136-E6FB-CBBD60C24685}"/>
+              </a:ext>
+            </a:extLst>
+          </p:cNvPr>
+          <p:cNvSpPr>
+            <a:spLocks noGrp="1"/>
+          </p:cNvSpPr>
+          <p:nvPr>
+            <p:ph idx="1"/>
+          </p:nvPr>
+        </p:nvSpPr>
+        <p:spPr/>
+        <p:txBody>
+          <a:bodyPr/>
+          <a:lstStyle/>
+          <a:p>
+            <a:r>
+              <a:rPr lang="en-US" dirty="0"/>
+              <a:t>mockup of </a:t>
+            </a:r>
+            <a:r>
+              <a:rPr lang="en-US" dirty="0" err="1"/>
+              <a:t>backtester</a:t>
+            </a:r>
+            <a:r>
+              <a:rPr lang="en-US" dirty="0"/>
+              <a:t>.</a:t>
+            </a:r>
+          </a:p>
+          <a:p>
+            <a:pPr lvl="1"/>
+            <a:r>
+              <a:rPr lang="en-US" dirty="0"/>
+              <a:t>Load universe</a:t>
+            </a:r>
+          </a:p>
+          <a:p>
+            <a:pPr lvl="1"/>
+            <a:r>
+              <a:rPr lang="en-US" dirty="0"/>
+              <a:t>Load pricing data</a:t>
+            </a:r>
+          </a:p>
+          <a:p>
+            <a:pPr lvl="1"/>
+            <a:r>
+              <a:rPr lang="en-US" dirty="0"/>
+              <a:t>Compute returns</a:t>
+            </a:r>
+          </a:p>
+          <a:p>
+            <a:pPr lvl="1"/>
+            <a:r>
+              <a:rPr lang="en-US" dirty="0"/>
+              <a:t>Load risk matrix</a:t>
+            </a:r>
+          </a:p>
+          <a:p>
+            <a:pPr lvl="1"/>
+            <a:r>
+              <a:rPr lang="en-US" dirty="0"/>
+              <a:t>Run multiple flavors of </a:t>
+            </a:r>
+            <a:r>
+              <a:rPr lang="en-US" dirty="0" err="1"/>
+              <a:t>backtests</a:t>
+            </a:r>
+            <a:r>
+              <a:rPr lang="en-US" dirty="0"/>
+              <a:t> over multiple days</a:t>
+            </a:r>
+          </a:p>
+          <a:p>
+            <a:pPr lvl="1"/>
+            <a:r>
+              <a:rPr lang="en-US" dirty="0"/>
+              <a:t>Run multiple attribution reports on results.</a:t>
+            </a:r>
+          </a:p>
+          <a:p>
+            <a:r>
+              <a:rPr lang="en-US" dirty="0"/>
+              <a:t>Anyone can probably think of his processes in similar terms.</a:t>
+            </a:r>
+          </a:p>
+          <a:p>
+            <a:pPr lvl="1"/>
+            <a:endParaRPr lang="en-US" dirty="0"/>
+          </a:p>
+        </p:txBody>
+      </p:sp>
+    </p:spTree>
+    <p:extLst>
+      <p:ext uri="{BB962C8B-B14F-4D97-AF65-F5344CB8AC3E}">
+        <p14:creationId xmlns:p14="http://schemas.microsoft.com/office/powerpoint/2010/main" val="2643189474"/>
+      </p:ext>
+    </p:extLst>
+  </p:cSld>
+  <p:clrMapOvr>
+    <a:masterClrMapping/>
+  </p:clrMapOvr>
+</p:sld>
+</file>
+
+<file path=ppt/slides/slide8.xml><?xml version="1.0" encoding="utf-8"?>
+<p:sld xmlns:a="http://schemas.openxmlformats.org/drawingml/2006/main" xmlns:r="http://schemas.openxmlformats.org/officeDocument/2006/relationships" xmlns:p="http://schemas.openxmlformats.org/presentationml/2006/main">
+  <p:cSld>
+    <p:spTree>
+      <p:nvGrpSpPr>
+        <p:cNvPr id="1" name=""/>
+        <p:cNvGrpSpPr/>
+        <p:nvPr/>
+      </p:nvGrpSpPr>
+      <p:grpSpPr>
+        <a:xfrm>
+          <a:off x="0" y="0"/>
+          <a:ext cx="0" cy="0"/>
+          <a:chOff x="0" y="0"/>
+          <a:chExt cx="0" cy="0"/>
+        </a:xfrm>
+      </p:grpSpPr>
+      <p:sp>
+        <p:nvSpPr>
+          <p:cNvPr id="5" name="Title 4">
+            <a:extLst>
+              <a:ext uri="{FF2B5EF4-FFF2-40B4-BE49-F238E27FC236}">
+                <a16:creationId xmlns:a16="http://schemas.microsoft.com/office/drawing/2014/main" id="{B5A58A4C-3743-869B-9289-4E2FF112EA00}"/>
+              </a:ext>
+            </a:extLst>
+          </p:cNvPr>
+          <p:cNvSpPr>
+            <a:spLocks noGrp="1"/>
+          </p:cNvSpPr>
+          <p:nvPr>
+            <p:ph type="title"/>
+          </p:nvPr>
+        </p:nvSpPr>
+        <p:spPr/>
+        <p:txBody>
+          <a:bodyPr/>
+          <a:lstStyle/>
+          <a:p>
+            <a:endParaRPr lang="en-US"/>
+          </a:p>
+        </p:txBody>
+      </p:sp>
+    </p:spTree>
+    <p:extLst>
+      <p:ext uri="{BB962C8B-B14F-4D97-AF65-F5344CB8AC3E}">
+        <p14:creationId xmlns:p14="http://schemas.microsoft.com/office/powerpoint/2010/main" val="2158445793"/>
       </p:ext>
     </p:extLst>
   </p:cSld>

--- a/Temporal.pptx
+++ b/Temporal.pptx
@@ -10,9 +10,12 @@
     <p:sldId id="258" r:id="rId4"/>
     <p:sldId id="259" r:id="rId5"/>
     <p:sldId id="260" r:id="rId6"/>
-    <p:sldId id="263" r:id="rId7"/>
-    <p:sldId id="261" r:id="rId8"/>
-    <p:sldId id="262" r:id="rId9"/>
+    <p:sldId id="266" r:id="rId7"/>
+    <p:sldId id="264" r:id="rId8"/>
+    <p:sldId id="265" r:id="rId9"/>
+    <p:sldId id="263" r:id="rId10"/>
+    <p:sldId id="261" r:id="rId11"/>
+    <p:sldId id="262" r:id="rId12"/>
   </p:sldIdLst>
   <p:sldSz cx="9144000" cy="6858000" type="screen4x3"/>
   <p:notesSz cx="6858000" cy="9144000"/>
@@ -3041,6 +3044,215 @@
 </p:sld>
 </file>
 
+<file path=ppt/slides/slide10.xml><?xml version="1.0" encoding="utf-8"?>
+<p:sld xmlns:a="http://schemas.openxmlformats.org/drawingml/2006/main" xmlns:r="http://schemas.openxmlformats.org/officeDocument/2006/relationships" xmlns:p="http://schemas.openxmlformats.org/presentationml/2006/main">
+  <p:cSld>
+    <p:spTree>
+      <p:nvGrpSpPr>
+        <p:cNvPr id="1" name=""/>
+        <p:cNvGrpSpPr/>
+        <p:nvPr/>
+      </p:nvGrpSpPr>
+      <p:grpSpPr>
+        <a:xfrm>
+          <a:off x="0" y="0"/>
+          <a:ext cx="0" cy="0"/>
+          <a:chOff x="0" y="0"/>
+          <a:chExt cx="0" cy="0"/>
+        </a:xfrm>
+      </p:grpSpPr>
+      <p:sp>
+        <p:nvSpPr>
+          <p:cNvPr id="2" name="Title 1">
+            <a:extLst>
+              <a:ext uri="{FF2B5EF4-FFF2-40B4-BE49-F238E27FC236}">
+                <a16:creationId xmlns:a16="http://schemas.microsoft.com/office/drawing/2014/main" id="{95D1709A-ADC6-6A1D-F29C-CA82588292E2}"/>
+              </a:ext>
+            </a:extLst>
+          </p:cNvPr>
+          <p:cNvSpPr>
+            <a:spLocks noGrp="1"/>
+          </p:cNvSpPr>
+          <p:nvPr>
+            <p:ph type="title"/>
+          </p:nvPr>
+        </p:nvSpPr>
+        <p:spPr/>
+        <p:txBody>
+          <a:bodyPr/>
+          <a:lstStyle/>
+          <a:p>
+            <a:r>
+              <a:rPr lang="en-US" dirty="0"/>
+              <a:t>Our demo</a:t>
+            </a:r>
+          </a:p>
+        </p:txBody>
+      </p:sp>
+      <p:sp>
+        <p:nvSpPr>
+          <p:cNvPr id="3" name="Content Placeholder 2">
+            <a:extLst>
+              <a:ext uri="{FF2B5EF4-FFF2-40B4-BE49-F238E27FC236}">
+                <a16:creationId xmlns:a16="http://schemas.microsoft.com/office/drawing/2014/main" id="{4675A55F-7949-5136-E6FB-CBBD60C24685}"/>
+              </a:ext>
+            </a:extLst>
+          </p:cNvPr>
+          <p:cNvSpPr>
+            <a:spLocks noGrp="1"/>
+          </p:cNvSpPr>
+          <p:nvPr>
+            <p:ph idx="1"/>
+          </p:nvPr>
+        </p:nvSpPr>
+        <p:spPr/>
+        <p:txBody>
+          <a:bodyPr/>
+          <a:lstStyle/>
+          <a:p>
+            <a:r>
+              <a:rPr lang="en-US" dirty="0"/>
+              <a:t>mockup of </a:t>
+            </a:r>
+            <a:r>
+              <a:rPr lang="en-US" dirty="0" err="1"/>
+              <a:t>backtester</a:t>
+            </a:r>
+            <a:r>
+              <a:rPr lang="en-US" dirty="0"/>
+              <a:t>.</a:t>
+            </a:r>
+          </a:p>
+          <a:p>
+            <a:pPr lvl="1"/>
+            <a:r>
+              <a:rPr lang="en-US" dirty="0"/>
+              <a:t>Load universe</a:t>
+            </a:r>
+          </a:p>
+          <a:p>
+            <a:pPr lvl="1"/>
+            <a:r>
+              <a:rPr lang="en-US" dirty="0"/>
+              <a:t>Load pricing data</a:t>
+            </a:r>
+          </a:p>
+          <a:p>
+            <a:pPr lvl="1"/>
+            <a:r>
+              <a:rPr lang="en-US" dirty="0"/>
+              <a:t>Compute returns</a:t>
+            </a:r>
+          </a:p>
+          <a:p>
+            <a:pPr lvl="1"/>
+            <a:r>
+              <a:rPr lang="en-US" dirty="0"/>
+              <a:t>Load risk matrix</a:t>
+            </a:r>
+          </a:p>
+          <a:p>
+            <a:pPr lvl="1"/>
+            <a:r>
+              <a:rPr lang="en-US" dirty="0"/>
+              <a:t>Run multiple flavors of </a:t>
+            </a:r>
+            <a:r>
+              <a:rPr lang="en-US" dirty="0" err="1"/>
+              <a:t>backtests</a:t>
+            </a:r>
+            <a:r>
+              <a:rPr lang="en-US" dirty="0"/>
+              <a:t> over multiple days</a:t>
+            </a:r>
+          </a:p>
+          <a:p>
+            <a:pPr lvl="1"/>
+            <a:r>
+              <a:rPr lang="en-US" dirty="0"/>
+              <a:t>Run multiple attribution reports on results.</a:t>
+            </a:r>
+          </a:p>
+          <a:p>
+            <a:r>
+              <a:rPr lang="en-US" dirty="0"/>
+              <a:t>Anyone can probably think of his processes in similar terms.</a:t>
+            </a:r>
+          </a:p>
+          <a:p>
+            <a:pPr lvl="1"/>
+            <a:endParaRPr lang="en-US" dirty="0"/>
+          </a:p>
+        </p:txBody>
+      </p:sp>
+    </p:spTree>
+    <p:extLst>
+      <p:ext uri="{BB962C8B-B14F-4D97-AF65-F5344CB8AC3E}">
+        <p14:creationId xmlns:p14="http://schemas.microsoft.com/office/powerpoint/2010/main" val="2643189474"/>
+      </p:ext>
+    </p:extLst>
+  </p:cSld>
+  <p:clrMapOvr>
+    <a:masterClrMapping/>
+  </p:clrMapOvr>
+</p:sld>
+</file>
+
+<file path=ppt/slides/slide11.xml><?xml version="1.0" encoding="utf-8"?>
+<p:sld xmlns:a="http://schemas.openxmlformats.org/drawingml/2006/main" xmlns:r="http://schemas.openxmlformats.org/officeDocument/2006/relationships" xmlns:p="http://schemas.openxmlformats.org/presentationml/2006/main">
+  <p:cSld>
+    <p:spTree>
+      <p:nvGrpSpPr>
+        <p:cNvPr id="1" name=""/>
+        <p:cNvGrpSpPr/>
+        <p:nvPr/>
+      </p:nvGrpSpPr>
+      <p:grpSpPr>
+        <a:xfrm>
+          <a:off x="0" y="0"/>
+          <a:ext cx="0" cy="0"/>
+          <a:chOff x="0" y="0"/>
+          <a:chExt cx="0" cy="0"/>
+        </a:xfrm>
+      </p:grpSpPr>
+      <p:sp>
+        <p:nvSpPr>
+          <p:cNvPr id="5" name="Title 4">
+            <a:extLst>
+              <a:ext uri="{FF2B5EF4-FFF2-40B4-BE49-F238E27FC236}">
+                <a16:creationId xmlns:a16="http://schemas.microsoft.com/office/drawing/2014/main" id="{B5A58A4C-3743-869B-9289-4E2FF112EA00}"/>
+              </a:ext>
+            </a:extLst>
+          </p:cNvPr>
+          <p:cNvSpPr>
+            <a:spLocks noGrp="1"/>
+          </p:cNvSpPr>
+          <p:nvPr>
+            <p:ph type="title"/>
+          </p:nvPr>
+        </p:nvSpPr>
+        <p:spPr/>
+        <p:txBody>
+          <a:bodyPr/>
+          <a:lstStyle/>
+          <a:p>
+            <a:endParaRPr lang="en-US"/>
+          </a:p>
+        </p:txBody>
+      </p:sp>
+    </p:spTree>
+    <p:extLst>
+      <p:ext uri="{BB962C8B-B14F-4D97-AF65-F5344CB8AC3E}">
+        <p14:creationId xmlns:p14="http://schemas.microsoft.com/office/powerpoint/2010/main" val="2158445793"/>
+      </p:ext>
+    </p:extLst>
+  </p:cSld>
+  <p:clrMapOvr>
+    <a:masterClrMapping/>
+  </p:clrMapOvr>
+</p:sld>
+</file>
+
 <file path=ppt/slides/slide2.xml><?xml version="1.0" encoding="utf-8"?>
 <p:sld xmlns:a="http://schemas.openxmlformats.org/drawingml/2006/main" xmlns:r="http://schemas.openxmlformats.org/officeDocument/2006/relationships" xmlns:p="http://schemas.openxmlformats.org/presentationml/2006/main">
   <p:cSld>
@@ -3559,8 +3771,8 @@
         </p:nvSpPr>
         <p:spPr>
           <a:xfrm>
-            <a:off x="628650" y="1825625"/>
-            <a:ext cx="8123464" cy="4351338"/>
+            <a:off x="628650" y="1331102"/>
+            <a:ext cx="8123464" cy="5161772"/>
           </a:xfrm>
         </p:spPr>
         <p:txBody>
@@ -3647,7 +3859,22 @@
             <a:pPr lvl="1"/>
             <a:r>
               <a:rPr lang="en-US" dirty="0"/>
-              <a:t>Similar to runners in </a:t>
+              <a:t>Temporal server(s)</a:t>
+            </a:r>
+          </a:p>
+          <a:p>
+            <a:pPr lvl="2"/>
+            <a:r>
+              <a:rPr lang="en-US" dirty="0"/>
+              <a:t>Similar to </a:t>
+            </a:r>
+            <a:r>
+              <a:rPr lang="en-US" dirty="0" err="1"/>
+              <a:t>kafka</a:t>
+            </a:r>
+            <a:r>
+              <a:rPr lang="en-US" dirty="0"/>
+              <a:t> broker or </a:t>
             </a:r>
             <a:r>
               <a:rPr lang="en-US" dirty="0" err="1"/>
@@ -3655,13 +3882,37 @@
             </a:r>
             <a:r>
               <a:rPr lang="en-US" dirty="0"/>
-              <a:t> or brokers in </a:t>
+              <a:t> runner</a:t>
+            </a:r>
+          </a:p>
+          <a:p>
+            <a:pPr lvl="1"/>
+            <a:r>
+              <a:rPr lang="en-US" dirty="0"/>
+              <a:t>Workflow worker – process ready to run a workflow (your code)</a:t>
+            </a:r>
+          </a:p>
+          <a:p>
+            <a:pPr lvl="1"/>
+            <a:r>
+              <a:rPr lang="en-US" dirty="0"/>
+              <a:t>Activity workers – processes ready to run an activity (your code)</a:t>
+            </a:r>
+          </a:p>
+          <a:p>
+            <a:pPr lvl="2"/>
+            <a:r>
+              <a:rPr lang="en-US" dirty="0"/>
+              <a:t>Similar to  </a:t>
             </a:r>
             <a:r>
               <a:rPr lang="en-US" dirty="0" err="1"/>
               <a:t>kafka</a:t>
             </a:r>
-            <a:endParaRPr lang="en-US" dirty="0"/>
+            <a:r>
+              <a:rPr lang="en-US" dirty="0"/>
+              <a:t> consumers/producers</a:t>
+            </a:r>
           </a:p>
         </p:txBody>
       </p:sp>
@@ -3700,7 +3951,7 @@
           <p:cNvPr id="2" name="Title 1">
             <a:extLst>
               <a:ext uri="{FF2B5EF4-FFF2-40B4-BE49-F238E27FC236}">
-                <a16:creationId xmlns:a16="http://schemas.microsoft.com/office/drawing/2014/main" id="{9DB620B6-64EC-EBBB-62A6-B5E0DB94EDCB}"/>
+                <a16:creationId xmlns:a16="http://schemas.microsoft.com/office/drawing/2014/main" id="{0DB8C445-ECAD-6DE0-DE05-AD74E136F417}"/>
               </a:ext>
             </a:extLst>
           </p:cNvPr>
@@ -3713,8 +3964,8 @@
         </p:nvSpPr>
         <p:spPr>
           <a:xfrm>
-            <a:off x="470030" y="159852"/>
-            <a:ext cx="7886700" cy="1325563"/>
+            <a:off x="703295" y="133576"/>
+            <a:ext cx="7886700" cy="885176"/>
           </a:xfrm>
         </p:spPr>
         <p:txBody>
@@ -3723,47 +3974,604 @@
           <a:p>
             <a:r>
               <a:rPr lang="en-US" dirty="0"/>
-              <a:t>Roles and players</a:t>
-            </a:r>
-          </a:p>
-        </p:txBody>
-      </p:sp>
-      <p:pic>
-        <p:nvPicPr>
-          <p:cNvPr id="7" name="Picture 6">
+              <a:t>Processes involved [simplified]</a:t>
+            </a:r>
+          </a:p>
+        </p:txBody>
+      </p:sp>
+      <p:sp>
+        <p:nvSpPr>
+          <p:cNvPr id="5" name="Rectangle 4">
             <a:extLst>
               <a:ext uri="{FF2B5EF4-FFF2-40B4-BE49-F238E27FC236}">
-                <a16:creationId xmlns:a16="http://schemas.microsoft.com/office/drawing/2014/main" id="{E494799B-6EA4-B52C-D555-727E74FD022B}"/>
+                <a16:creationId xmlns:a16="http://schemas.microsoft.com/office/drawing/2014/main" id="{05316CDF-D59E-A214-F2BE-10407F62C54E}"/>
               </a:ext>
             </a:extLst>
           </p:cNvPr>
-          <p:cNvPicPr>
-            <a:picLocks noChangeAspect="1"/>
-          </p:cNvPicPr>
+          <p:cNvSpPr/>
           <p:nvPr/>
-        </p:nvPicPr>
-        <p:blipFill>
-          <a:blip r:embed="rId2"/>
-          <a:stretch>
-            <a:fillRect/>
-          </a:stretch>
-        </p:blipFill>
+        </p:nvSpPr>
         <p:spPr>
           <a:xfrm>
-            <a:off x="343969" y="1608461"/>
-            <a:ext cx="6067425" cy="4219575"/>
+            <a:off x="3575960" y="2775857"/>
+            <a:ext cx="1840462" cy="1138336"/>
           </a:xfrm>
           <a:prstGeom prst="rect">
             <a:avLst/>
           </a:prstGeom>
-        </p:spPr>
-      </p:pic>
-      <p:sp>
-        <p:nvSpPr>
-          <p:cNvPr id="8" name="TextBox 7">
+          <a:solidFill>
+            <a:schemeClr val="accent5">
+              <a:lumMod val="20000"/>
+              <a:lumOff val="80000"/>
+            </a:schemeClr>
+          </a:solidFill>
+        </p:spPr>
+        <p:style>
+          <a:lnRef idx="2">
+            <a:schemeClr val="accent1">
+              <a:shade val="15000"/>
+            </a:schemeClr>
+          </a:lnRef>
+          <a:fillRef idx="1">
+            <a:schemeClr val="accent1"/>
+          </a:fillRef>
+          <a:effectRef idx="0">
+            <a:schemeClr val="accent1"/>
+          </a:effectRef>
+          <a:fontRef idx="minor">
+            <a:schemeClr val="lt1"/>
+          </a:fontRef>
+        </p:style>
+        <p:txBody>
+          <a:bodyPr rtlCol="0" anchor="ctr"/>
+          <a:lstStyle/>
+          <a:p>
+            <a:pPr algn="ctr"/>
+            <a:r>
+              <a:rPr lang="en-US" sz="2400" dirty="0">
+                <a:solidFill>
+                  <a:schemeClr val="tx1"/>
+                </a:solidFill>
+              </a:rPr>
+              <a:t>Workflow1 </a:t>
+            </a:r>
+          </a:p>
+          <a:p>
+            <a:pPr algn="ctr"/>
+            <a:r>
+              <a:rPr lang="en-US" sz="2400" dirty="0">
+                <a:solidFill>
+                  <a:schemeClr val="tx1"/>
+                </a:solidFill>
+              </a:rPr>
+              <a:t>(</a:t>
+            </a:r>
+            <a:r>
+              <a:rPr lang="en-US" sz="2400" dirty="0" err="1">
+                <a:solidFill>
+                  <a:schemeClr val="tx1"/>
+                </a:solidFill>
+              </a:rPr>
+              <a:t>backtest</a:t>
+            </a:r>
+            <a:r>
+              <a:rPr lang="en-US" sz="2400" dirty="0">
+                <a:solidFill>
+                  <a:schemeClr val="tx1"/>
+                </a:solidFill>
+              </a:rPr>
+              <a:t>) Worker</a:t>
+            </a:r>
+          </a:p>
+        </p:txBody>
+      </p:sp>
+      <p:sp>
+        <p:nvSpPr>
+          <p:cNvPr id="8" name="Rectangle 7">
             <a:extLst>
               <a:ext uri="{FF2B5EF4-FFF2-40B4-BE49-F238E27FC236}">
-                <a16:creationId xmlns:a16="http://schemas.microsoft.com/office/drawing/2014/main" id="{4D2D65F2-9F48-CADF-E2CE-05ACCD322907}"/>
+                <a16:creationId xmlns:a16="http://schemas.microsoft.com/office/drawing/2014/main" id="{73883DA8-6D86-7CF6-1135-D703293FA60F}"/>
+              </a:ext>
+            </a:extLst>
+          </p:cNvPr>
+          <p:cNvSpPr/>
+          <p:nvPr/>
+        </p:nvSpPr>
+        <p:spPr>
+          <a:xfrm>
+            <a:off x="541178" y="5281127"/>
+            <a:ext cx="2400299" cy="1090448"/>
+          </a:xfrm>
+          <a:prstGeom prst="rect">
+            <a:avLst/>
+          </a:prstGeom>
+          <a:solidFill>
+            <a:schemeClr val="accent4">
+              <a:lumMod val="20000"/>
+              <a:lumOff val="80000"/>
+            </a:schemeClr>
+          </a:solidFill>
+        </p:spPr>
+        <p:style>
+          <a:lnRef idx="2">
+            <a:schemeClr val="accent1">
+              <a:shade val="15000"/>
+            </a:schemeClr>
+          </a:lnRef>
+          <a:fillRef idx="1">
+            <a:schemeClr val="accent1"/>
+          </a:fillRef>
+          <a:effectRef idx="0">
+            <a:schemeClr val="accent1"/>
+          </a:effectRef>
+          <a:fontRef idx="minor">
+            <a:schemeClr val="lt1"/>
+          </a:fontRef>
+        </p:style>
+        <p:txBody>
+          <a:bodyPr rtlCol="0" anchor="ctr"/>
+          <a:lstStyle/>
+          <a:p>
+            <a:pPr algn="ctr"/>
+            <a:r>
+              <a:rPr lang="en-US" sz="2400" dirty="0">
+                <a:solidFill>
+                  <a:schemeClr val="tx1"/>
+                </a:solidFill>
+              </a:rPr>
+              <a:t>Activity1</a:t>
+            </a:r>
+            <a:br>
+              <a:rPr lang="en-US" sz="2400" dirty="0">
+                <a:solidFill>
+                  <a:schemeClr val="tx1"/>
+                </a:solidFill>
+              </a:rPr>
+            </a:br>
+            <a:r>
+              <a:rPr lang="en-US" sz="2400" dirty="0">
+                <a:solidFill>
+                  <a:schemeClr val="tx1"/>
+                </a:solidFill>
+              </a:rPr>
+              <a:t>(return) </a:t>
+            </a:r>
+          </a:p>
+          <a:p>
+            <a:pPr algn="ctr"/>
+            <a:r>
+              <a:rPr lang="en-US" sz="2400" dirty="0">
+                <a:solidFill>
+                  <a:schemeClr val="tx1"/>
+                </a:solidFill>
+              </a:rPr>
+              <a:t>Worker 1</a:t>
+            </a:r>
+          </a:p>
+        </p:txBody>
+      </p:sp>
+      <p:sp>
+        <p:nvSpPr>
+          <p:cNvPr id="9" name="Rectangle 8">
+            <a:extLst>
+              <a:ext uri="{FF2B5EF4-FFF2-40B4-BE49-F238E27FC236}">
+                <a16:creationId xmlns:a16="http://schemas.microsoft.com/office/drawing/2014/main" id="{C5B96672-50B9-9B16-9BA3-658FEE658BBB}"/>
+              </a:ext>
+            </a:extLst>
+          </p:cNvPr>
+          <p:cNvSpPr/>
+          <p:nvPr/>
+        </p:nvSpPr>
+        <p:spPr>
+          <a:xfrm>
+            <a:off x="5663684" y="5292172"/>
+            <a:ext cx="2400299" cy="1090448"/>
+          </a:xfrm>
+          <a:prstGeom prst="rect">
+            <a:avLst/>
+          </a:prstGeom>
+          <a:solidFill>
+            <a:schemeClr val="accent4">
+              <a:lumMod val="20000"/>
+              <a:lumOff val="80000"/>
+            </a:schemeClr>
+          </a:solidFill>
+        </p:spPr>
+        <p:style>
+          <a:lnRef idx="2">
+            <a:schemeClr val="accent1">
+              <a:shade val="15000"/>
+            </a:schemeClr>
+          </a:lnRef>
+          <a:fillRef idx="1">
+            <a:schemeClr val="accent1"/>
+          </a:fillRef>
+          <a:effectRef idx="0">
+            <a:schemeClr val="accent1"/>
+          </a:effectRef>
+          <a:fontRef idx="minor">
+            <a:schemeClr val="lt1"/>
+          </a:fontRef>
+        </p:style>
+        <p:txBody>
+          <a:bodyPr rtlCol="0" anchor="ctr"/>
+          <a:lstStyle/>
+          <a:p>
+            <a:pPr algn="ctr"/>
+            <a:r>
+              <a:rPr lang="en-US" sz="2400" dirty="0">
+                <a:solidFill>
+                  <a:schemeClr val="tx1"/>
+                </a:solidFill>
+              </a:rPr>
+              <a:t>Activity2</a:t>
+            </a:r>
+          </a:p>
+          <a:p>
+            <a:pPr algn="ctr"/>
+            <a:r>
+              <a:rPr lang="en-US" sz="2400" dirty="0">
+                <a:solidFill>
+                  <a:schemeClr val="tx1"/>
+                </a:solidFill>
+              </a:rPr>
+              <a:t>(universe)</a:t>
+            </a:r>
+            <a:br>
+              <a:rPr lang="en-US" sz="2400" dirty="0">
+                <a:solidFill>
+                  <a:schemeClr val="tx1"/>
+                </a:solidFill>
+              </a:rPr>
+            </a:br>
+            <a:r>
+              <a:rPr lang="en-US" sz="2400" dirty="0">
+                <a:solidFill>
+                  <a:schemeClr val="tx1"/>
+                </a:solidFill>
+              </a:rPr>
+              <a:t>worker</a:t>
+            </a:r>
+          </a:p>
+        </p:txBody>
+      </p:sp>
+      <p:sp>
+        <p:nvSpPr>
+          <p:cNvPr id="11" name="Rectangle 10">
+            <a:extLst>
+              <a:ext uri="{FF2B5EF4-FFF2-40B4-BE49-F238E27FC236}">
+                <a16:creationId xmlns:a16="http://schemas.microsoft.com/office/drawing/2014/main" id="{A0D89128-8412-8DD9-6990-D207DAD6CF5C}"/>
+              </a:ext>
+            </a:extLst>
+          </p:cNvPr>
+          <p:cNvSpPr/>
+          <p:nvPr/>
+        </p:nvSpPr>
+        <p:spPr>
+          <a:xfrm>
+            <a:off x="3575960" y="1184987"/>
+            <a:ext cx="1840462" cy="783772"/>
+          </a:xfrm>
+          <a:prstGeom prst="rect">
+            <a:avLst/>
+          </a:prstGeom>
+          <a:solidFill>
+            <a:schemeClr val="accent2">
+              <a:lumMod val="20000"/>
+              <a:lumOff val="80000"/>
+            </a:schemeClr>
+          </a:solidFill>
+        </p:spPr>
+        <p:style>
+          <a:lnRef idx="2">
+            <a:schemeClr val="accent1">
+              <a:shade val="15000"/>
+            </a:schemeClr>
+          </a:lnRef>
+          <a:fillRef idx="1">
+            <a:schemeClr val="accent1"/>
+          </a:fillRef>
+          <a:effectRef idx="0">
+            <a:schemeClr val="accent1"/>
+          </a:effectRef>
+          <a:fontRef idx="minor">
+            <a:schemeClr val="lt1"/>
+          </a:fontRef>
+        </p:style>
+        <p:txBody>
+          <a:bodyPr rtlCol="0" anchor="ctr"/>
+          <a:lstStyle/>
+          <a:p>
+            <a:pPr algn="ctr"/>
+            <a:r>
+              <a:rPr lang="en-US" sz="2400" dirty="0">
+                <a:solidFill>
+                  <a:schemeClr val="tx1"/>
+                </a:solidFill>
+              </a:rPr>
+              <a:t>Launcher1</a:t>
+            </a:r>
+          </a:p>
+          <a:p>
+            <a:pPr algn="ctr"/>
+            <a:r>
+              <a:rPr lang="en-US" sz="2400" dirty="0">
+                <a:solidFill>
+                  <a:schemeClr val="tx1"/>
+                </a:solidFill>
+              </a:rPr>
+              <a:t>(</a:t>
+            </a:r>
+            <a:r>
+              <a:rPr lang="en-US" sz="2400" dirty="0" err="1">
+                <a:solidFill>
+                  <a:schemeClr val="tx1"/>
+                </a:solidFill>
+              </a:rPr>
+              <a:t>backtest</a:t>
+            </a:r>
+            <a:r>
+              <a:rPr lang="en-US" sz="2400" dirty="0">
+                <a:solidFill>
+                  <a:schemeClr val="tx1"/>
+                </a:solidFill>
+              </a:rPr>
+              <a:t>)</a:t>
+            </a:r>
+          </a:p>
+        </p:txBody>
+      </p:sp>
+      <p:cxnSp>
+        <p:nvCxnSpPr>
+          <p:cNvPr id="7" name="Straight Arrow Connector 6">
+            <a:extLst>
+              <a:ext uri="{FF2B5EF4-FFF2-40B4-BE49-F238E27FC236}">
+                <a16:creationId xmlns:a16="http://schemas.microsoft.com/office/drawing/2014/main" id="{98C400AB-5B38-932A-DD5F-49A7F7D4B5AA}"/>
+              </a:ext>
+            </a:extLst>
+          </p:cNvPr>
+          <p:cNvCxnSpPr/>
+          <p:nvPr/>
+        </p:nvCxnSpPr>
+        <p:spPr>
+          <a:xfrm>
+            <a:off x="4460037" y="1968759"/>
+            <a:ext cx="0" cy="811763"/>
+          </a:xfrm>
+          <a:prstGeom prst="straightConnector1">
+            <a:avLst/>
+          </a:prstGeom>
+          <a:ln>
+            <a:tailEnd type="triangle"/>
+          </a:ln>
+        </p:spPr>
+        <p:style>
+          <a:lnRef idx="1">
+            <a:schemeClr val="accent1"/>
+          </a:lnRef>
+          <a:fillRef idx="0">
+            <a:schemeClr val="accent1"/>
+          </a:fillRef>
+          <a:effectRef idx="0">
+            <a:schemeClr val="accent1"/>
+          </a:effectRef>
+          <a:fontRef idx="minor">
+            <a:schemeClr val="tx1"/>
+          </a:fontRef>
+        </p:style>
+      </p:cxnSp>
+      <p:cxnSp>
+        <p:nvCxnSpPr>
+          <p:cNvPr id="15" name="Straight Arrow Connector 14">
+            <a:extLst>
+              <a:ext uri="{FF2B5EF4-FFF2-40B4-BE49-F238E27FC236}">
+                <a16:creationId xmlns:a16="http://schemas.microsoft.com/office/drawing/2014/main" id="{6DAC5D96-EBC4-84FA-4C6C-E39572B7BAFB}"/>
+              </a:ext>
+            </a:extLst>
+          </p:cNvPr>
+          <p:cNvCxnSpPr>
+            <a:cxnSpLocks/>
+          </p:cNvCxnSpPr>
+          <p:nvPr/>
+        </p:nvCxnSpPr>
+        <p:spPr>
+          <a:xfrm flipH="1">
+            <a:off x="1530220" y="3914193"/>
+            <a:ext cx="2401078" cy="1366934"/>
+          </a:xfrm>
+          <a:prstGeom prst="straightConnector1">
+            <a:avLst/>
+          </a:prstGeom>
+          <a:ln>
+            <a:tailEnd type="triangle"/>
+          </a:ln>
+        </p:spPr>
+        <p:style>
+          <a:lnRef idx="1">
+            <a:schemeClr val="accent1"/>
+          </a:lnRef>
+          <a:fillRef idx="0">
+            <a:schemeClr val="accent1"/>
+          </a:fillRef>
+          <a:effectRef idx="0">
+            <a:schemeClr val="accent1"/>
+          </a:effectRef>
+          <a:fontRef idx="minor">
+            <a:schemeClr val="tx1"/>
+          </a:fontRef>
+        </p:style>
+      </p:cxnSp>
+      <p:cxnSp>
+        <p:nvCxnSpPr>
+          <p:cNvPr id="17" name="Straight Arrow Connector 16">
+            <a:extLst>
+              <a:ext uri="{FF2B5EF4-FFF2-40B4-BE49-F238E27FC236}">
+                <a16:creationId xmlns:a16="http://schemas.microsoft.com/office/drawing/2014/main" id="{B8A6ECCF-E42F-A6FC-3C84-282E84621099}"/>
+              </a:ext>
+            </a:extLst>
+          </p:cNvPr>
+          <p:cNvCxnSpPr>
+            <a:cxnSpLocks/>
+          </p:cNvCxnSpPr>
+          <p:nvPr/>
+        </p:nvCxnSpPr>
+        <p:spPr>
+          <a:xfrm flipH="1" flipV="1">
+            <a:off x="4654421" y="1970473"/>
+            <a:ext cx="0" cy="811763"/>
+          </a:xfrm>
+          <a:prstGeom prst="straightConnector1">
+            <a:avLst/>
+          </a:prstGeom>
+          <a:ln>
+            <a:tailEnd type="triangle"/>
+          </a:ln>
+        </p:spPr>
+        <p:style>
+          <a:lnRef idx="1">
+            <a:schemeClr val="accent1"/>
+          </a:lnRef>
+          <a:fillRef idx="0">
+            <a:schemeClr val="accent1"/>
+          </a:fillRef>
+          <a:effectRef idx="0">
+            <a:schemeClr val="accent1"/>
+          </a:effectRef>
+          <a:fontRef idx="minor">
+            <a:schemeClr val="tx1"/>
+          </a:fontRef>
+        </p:style>
+      </p:cxnSp>
+      <p:cxnSp>
+        <p:nvCxnSpPr>
+          <p:cNvPr id="18" name="Straight Arrow Connector 17">
+            <a:extLst>
+              <a:ext uri="{FF2B5EF4-FFF2-40B4-BE49-F238E27FC236}">
+                <a16:creationId xmlns:a16="http://schemas.microsoft.com/office/drawing/2014/main" id="{9FB3520C-6F8B-DB73-0EDC-61DE69DC19B0}"/>
+              </a:ext>
+            </a:extLst>
+          </p:cNvPr>
+          <p:cNvCxnSpPr>
+            <a:cxnSpLocks/>
+          </p:cNvCxnSpPr>
+          <p:nvPr/>
+        </p:nvCxnSpPr>
+        <p:spPr>
+          <a:xfrm flipV="1">
+            <a:off x="1901892" y="3925238"/>
+            <a:ext cx="2401078" cy="1366934"/>
+          </a:xfrm>
+          <a:prstGeom prst="straightConnector1">
+            <a:avLst/>
+          </a:prstGeom>
+          <a:ln>
+            <a:tailEnd type="triangle"/>
+          </a:ln>
+        </p:spPr>
+        <p:style>
+          <a:lnRef idx="1">
+            <a:schemeClr val="accent1"/>
+          </a:lnRef>
+          <a:fillRef idx="0">
+            <a:schemeClr val="accent1"/>
+          </a:fillRef>
+          <a:effectRef idx="0">
+            <a:schemeClr val="accent1"/>
+          </a:effectRef>
+          <a:fontRef idx="minor">
+            <a:schemeClr val="tx1"/>
+          </a:fontRef>
+        </p:style>
+      </p:cxnSp>
+      <p:cxnSp>
+        <p:nvCxnSpPr>
+          <p:cNvPr id="21" name="Straight Arrow Connector 20">
+            <a:extLst>
+              <a:ext uri="{FF2B5EF4-FFF2-40B4-BE49-F238E27FC236}">
+                <a16:creationId xmlns:a16="http://schemas.microsoft.com/office/drawing/2014/main" id="{97623AD3-EB38-3105-8747-E23C2FF341B1}"/>
+              </a:ext>
+            </a:extLst>
+          </p:cNvPr>
+          <p:cNvCxnSpPr>
+            <a:cxnSpLocks/>
+            <a:endCxn id="9" idx="0"/>
+          </p:cNvCxnSpPr>
+          <p:nvPr/>
+        </p:nvCxnSpPr>
+        <p:spPr>
+          <a:xfrm>
+            <a:off x="4474025" y="3907970"/>
+            <a:ext cx="2389809" cy="1384202"/>
+          </a:xfrm>
+          <a:prstGeom prst="straightConnector1">
+            <a:avLst/>
+          </a:prstGeom>
+          <a:ln>
+            <a:tailEnd type="triangle"/>
+          </a:ln>
+        </p:spPr>
+        <p:style>
+          <a:lnRef idx="1">
+            <a:schemeClr val="accent1"/>
+          </a:lnRef>
+          <a:fillRef idx="0">
+            <a:schemeClr val="accent1"/>
+          </a:fillRef>
+          <a:effectRef idx="0">
+            <a:schemeClr val="accent1"/>
+          </a:effectRef>
+          <a:fontRef idx="minor">
+            <a:schemeClr val="tx1"/>
+          </a:fontRef>
+        </p:style>
+      </p:cxnSp>
+      <p:cxnSp>
+        <p:nvCxnSpPr>
+          <p:cNvPr id="22" name="Straight Arrow Connector 21">
+            <a:extLst>
+              <a:ext uri="{FF2B5EF4-FFF2-40B4-BE49-F238E27FC236}">
+                <a16:creationId xmlns:a16="http://schemas.microsoft.com/office/drawing/2014/main" id="{0DC15A2A-9C93-A4C7-6068-684173F676ED}"/>
+              </a:ext>
+            </a:extLst>
+          </p:cNvPr>
+          <p:cNvCxnSpPr>
+            <a:cxnSpLocks/>
+          </p:cNvCxnSpPr>
+          <p:nvPr/>
+        </p:nvCxnSpPr>
+        <p:spPr>
+          <a:xfrm flipH="1" flipV="1">
+            <a:off x="4687071" y="3900353"/>
+            <a:ext cx="2432186" cy="1374551"/>
+          </a:xfrm>
+          <a:prstGeom prst="straightConnector1">
+            <a:avLst/>
+          </a:prstGeom>
+          <a:ln>
+            <a:tailEnd type="triangle"/>
+          </a:ln>
+        </p:spPr>
+        <p:style>
+          <a:lnRef idx="1">
+            <a:schemeClr val="accent1"/>
+          </a:lnRef>
+          <a:fillRef idx="0">
+            <a:schemeClr val="accent1"/>
+          </a:fillRef>
+          <a:effectRef idx="0">
+            <a:schemeClr val="accent1"/>
+          </a:effectRef>
+          <a:fontRef idx="minor">
+            <a:schemeClr val="tx1"/>
+          </a:fontRef>
+        </p:style>
+      </p:cxnSp>
+      <p:sp>
+        <p:nvSpPr>
+          <p:cNvPr id="27" name="TextBox 26">
+            <a:extLst>
+              <a:ext uri="{FF2B5EF4-FFF2-40B4-BE49-F238E27FC236}">
+                <a16:creationId xmlns:a16="http://schemas.microsoft.com/office/drawing/2014/main" id="{AB1E1DEF-5DF2-7F18-5A19-4FB9E937AAE6}"/>
               </a:ext>
             </a:extLst>
           </p:cNvPr>
@@ -3772,8 +4580,8 @@
         </p:nvSpPr>
         <p:spPr>
           <a:xfrm>
-            <a:off x="6811347" y="1315616"/>
-            <a:ext cx="2080726" cy="2308324"/>
+            <a:off x="4152127" y="2098228"/>
+            <a:ext cx="301686" cy="369332"/>
           </a:xfrm>
           <a:prstGeom prst="rect">
             <a:avLst/>
@@ -3781,50 +4589,189 @@
           <a:noFill/>
         </p:spPr>
         <p:txBody>
-          <a:bodyPr wrap="square" rtlCol="0">
+          <a:bodyPr wrap="none" rtlCol="0">
             <a:spAutoFit/>
           </a:bodyPr>
           <a:lstStyle/>
           <a:p>
             <a:r>
               <a:rPr lang="en-US" dirty="0"/>
-              <a:t>Worklow.py</a:t>
-            </a:r>
-          </a:p>
-          <a:p>
-            <a:endParaRPr lang="en-US" dirty="0"/>
-          </a:p>
-          <a:p>
-            <a:r>
-              <a:rPr lang="en-US" dirty="0"/>
-              <a:t>import temporal</a:t>
-            </a:r>
-          </a:p>
-          <a:p>
-            <a:endParaRPr lang="en-US" dirty="0"/>
-          </a:p>
-          <a:p>
-            <a:r>
-              <a:rPr lang="en-US" dirty="0"/>
-              <a:t>@workflow</a:t>
-            </a:r>
-          </a:p>
-          <a:p>
-            <a:r>
-              <a:rPr lang="en-US" dirty="0"/>
-              <a:t>def LCx2(filename):</a:t>
-            </a:r>
-          </a:p>
-          <a:p>
-            <a:r>
-              <a:rPr lang="en-US" dirty="0"/>
-              <a:t>	@activity</a:t>
-            </a:r>
-          </a:p>
-          <a:p>
-            <a:r>
-              <a:rPr lang="en-US" dirty="0"/>
-              <a:t>	 </a:t>
+              <a:t>1</a:t>
+            </a:r>
+          </a:p>
+        </p:txBody>
+      </p:sp>
+      <p:sp>
+        <p:nvSpPr>
+          <p:cNvPr id="30" name="TextBox 29">
+            <a:extLst>
+              <a:ext uri="{FF2B5EF4-FFF2-40B4-BE49-F238E27FC236}">
+                <a16:creationId xmlns:a16="http://schemas.microsoft.com/office/drawing/2014/main" id="{D0AD021A-BDFE-25DE-9D25-C6777433430A}"/>
+              </a:ext>
+            </a:extLst>
+          </p:cNvPr>
+          <p:cNvSpPr txBox="1"/>
+          <p:nvPr/>
+        </p:nvSpPr>
+        <p:spPr>
+          <a:xfrm>
+            <a:off x="2468733" y="4233150"/>
+            <a:ext cx="301686" cy="369332"/>
+          </a:xfrm>
+          <a:prstGeom prst="rect">
+            <a:avLst/>
+          </a:prstGeom>
+          <a:noFill/>
+        </p:spPr>
+        <p:txBody>
+          <a:bodyPr wrap="none" rtlCol="0">
+            <a:spAutoFit/>
+          </a:bodyPr>
+          <a:lstStyle/>
+          <a:p>
+            <a:r>
+              <a:rPr lang="en-US" dirty="0"/>
+              <a:t>2</a:t>
+            </a:r>
+          </a:p>
+        </p:txBody>
+      </p:sp>
+      <p:sp>
+        <p:nvSpPr>
+          <p:cNvPr id="31" name="TextBox 30">
+            <a:extLst>
+              <a:ext uri="{FF2B5EF4-FFF2-40B4-BE49-F238E27FC236}">
+                <a16:creationId xmlns:a16="http://schemas.microsoft.com/office/drawing/2014/main" id="{5D7B29BD-7685-B542-E15C-8A03DB89C887}"/>
+              </a:ext>
+            </a:extLst>
+          </p:cNvPr>
+          <p:cNvSpPr txBox="1"/>
+          <p:nvPr/>
+        </p:nvSpPr>
+        <p:spPr>
+          <a:xfrm>
+            <a:off x="2951588" y="4583820"/>
+            <a:ext cx="301686" cy="369332"/>
+          </a:xfrm>
+          <a:prstGeom prst="rect">
+            <a:avLst/>
+          </a:prstGeom>
+          <a:noFill/>
+        </p:spPr>
+        <p:txBody>
+          <a:bodyPr wrap="none" rtlCol="0">
+            <a:spAutoFit/>
+          </a:bodyPr>
+          <a:lstStyle/>
+          <a:p>
+            <a:r>
+              <a:rPr lang="en-US" dirty="0"/>
+              <a:t>3</a:t>
+            </a:r>
+          </a:p>
+        </p:txBody>
+      </p:sp>
+      <p:sp>
+        <p:nvSpPr>
+          <p:cNvPr id="32" name="TextBox 31">
+            <a:extLst>
+              <a:ext uri="{FF2B5EF4-FFF2-40B4-BE49-F238E27FC236}">
+                <a16:creationId xmlns:a16="http://schemas.microsoft.com/office/drawing/2014/main" id="{72169680-FD26-312D-EFB6-879FF45A4922}"/>
+              </a:ext>
+            </a:extLst>
+          </p:cNvPr>
+          <p:cNvSpPr txBox="1"/>
+          <p:nvPr/>
+        </p:nvSpPr>
+        <p:spPr>
+          <a:xfrm>
+            <a:off x="5197157" y="4422633"/>
+            <a:ext cx="301686" cy="369332"/>
+          </a:xfrm>
+          <a:prstGeom prst="rect">
+            <a:avLst/>
+          </a:prstGeom>
+          <a:noFill/>
+        </p:spPr>
+        <p:txBody>
+          <a:bodyPr wrap="none" rtlCol="0">
+            <a:spAutoFit/>
+          </a:bodyPr>
+          <a:lstStyle/>
+          <a:p>
+            <a:r>
+              <a:rPr lang="en-US" dirty="0"/>
+              <a:t>4</a:t>
+            </a:r>
+          </a:p>
+        </p:txBody>
+      </p:sp>
+      <p:sp>
+        <p:nvSpPr>
+          <p:cNvPr id="33" name="TextBox 32">
+            <a:extLst>
+              <a:ext uri="{FF2B5EF4-FFF2-40B4-BE49-F238E27FC236}">
+                <a16:creationId xmlns:a16="http://schemas.microsoft.com/office/drawing/2014/main" id="{1734D893-BCF7-37CB-37C9-D80A34C3FC84}"/>
+              </a:ext>
+            </a:extLst>
+          </p:cNvPr>
+          <p:cNvSpPr txBox="1"/>
+          <p:nvPr/>
+        </p:nvSpPr>
+        <p:spPr>
+          <a:xfrm>
+            <a:off x="5752321" y="4214488"/>
+            <a:ext cx="301686" cy="369332"/>
+          </a:xfrm>
+          <a:prstGeom prst="rect">
+            <a:avLst/>
+          </a:prstGeom>
+          <a:noFill/>
+        </p:spPr>
+        <p:txBody>
+          <a:bodyPr wrap="none" rtlCol="0">
+            <a:spAutoFit/>
+          </a:bodyPr>
+          <a:lstStyle/>
+          <a:p>
+            <a:r>
+              <a:rPr lang="en-US" dirty="0"/>
+              <a:t>5</a:t>
+            </a:r>
+          </a:p>
+        </p:txBody>
+      </p:sp>
+      <p:sp>
+        <p:nvSpPr>
+          <p:cNvPr id="36" name="TextBox 35">
+            <a:extLst>
+              <a:ext uri="{FF2B5EF4-FFF2-40B4-BE49-F238E27FC236}">
+                <a16:creationId xmlns:a16="http://schemas.microsoft.com/office/drawing/2014/main" id="{CB7E0448-E8A8-F262-4D13-ACCB7E54355A}"/>
+              </a:ext>
+            </a:extLst>
+          </p:cNvPr>
+          <p:cNvSpPr txBox="1"/>
+          <p:nvPr/>
+        </p:nvSpPr>
+        <p:spPr>
+          <a:xfrm>
+            <a:off x="4617097" y="2095116"/>
+            <a:ext cx="301686" cy="369332"/>
+          </a:xfrm>
+          <a:prstGeom prst="rect">
+            <a:avLst/>
+          </a:prstGeom>
+          <a:noFill/>
+        </p:spPr>
+        <p:txBody>
+          <a:bodyPr wrap="none" rtlCol="0">
+            <a:spAutoFit/>
+          </a:bodyPr>
+          <a:lstStyle/>
+          <a:p>
+            <a:r>
+              <a:rPr lang="en-US" dirty="0"/>
+              <a:t>6</a:t>
             </a:r>
           </a:p>
         </p:txBody>
@@ -3832,7 +4779,7 @@
     </p:spTree>
     <p:extLst>
       <p:ext uri="{BB962C8B-B14F-4D97-AF65-F5344CB8AC3E}">
-        <p14:creationId xmlns:p14="http://schemas.microsoft.com/office/powerpoint/2010/main" val="1583517284"/>
+        <p14:creationId xmlns:p14="http://schemas.microsoft.com/office/powerpoint/2010/main" val="4108966696"/>
       </p:ext>
     </p:extLst>
   </p:cSld>
@@ -3864,7 +4811,7 @@
           <p:cNvPr id="2" name="Title 1">
             <a:extLst>
               <a:ext uri="{FF2B5EF4-FFF2-40B4-BE49-F238E27FC236}">
-                <a16:creationId xmlns:a16="http://schemas.microsoft.com/office/drawing/2014/main" id="{95D1709A-ADC6-6A1D-F29C-CA82588292E2}"/>
+                <a16:creationId xmlns:a16="http://schemas.microsoft.com/office/drawing/2014/main" id="{0DB8C445-ECAD-6DE0-DE05-AD74E136F417}"/>
               </a:ext>
             </a:extLst>
           </p:cNvPr>
@@ -3875,118 +4822,1141 @@
             <p:ph type="title"/>
           </p:nvPr>
         </p:nvSpPr>
-        <p:spPr/>
+        <p:spPr>
+          <a:xfrm>
+            <a:off x="703295" y="133576"/>
+            <a:ext cx="7886700" cy="885176"/>
+          </a:xfrm>
+        </p:spPr>
         <p:txBody>
           <a:bodyPr/>
           <a:lstStyle/>
           <a:p>
             <a:r>
               <a:rPr lang="en-US" dirty="0"/>
-              <a:t>Our demo</a:t>
-            </a:r>
-          </a:p>
-        </p:txBody>
-      </p:sp>
-      <p:sp>
-        <p:nvSpPr>
-          <p:cNvPr id="3" name="Content Placeholder 2">
+              <a:t>Processes involved</a:t>
+            </a:r>
+          </a:p>
+        </p:txBody>
+      </p:sp>
+      <p:sp>
+        <p:nvSpPr>
+          <p:cNvPr id="5" name="Rectangle 4">
             <a:extLst>
               <a:ext uri="{FF2B5EF4-FFF2-40B4-BE49-F238E27FC236}">
-                <a16:creationId xmlns:a16="http://schemas.microsoft.com/office/drawing/2014/main" id="{4675A55F-7949-5136-E6FB-CBBD60C24685}"/>
+                <a16:creationId xmlns:a16="http://schemas.microsoft.com/office/drawing/2014/main" id="{05316CDF-D59E-A214-F2BE-10407F62C54E}"/>
               </a:ext>
             </a:extLst>
           </p:cNvPr>
-          <p:cNvSpPr>
-            <a:spLocks noGrp="1"/>
-          </p:cNvSpPr>
-          <p:nvPr>
-            <p:ph idx="1"/>
-          </p:nvPr>
-        </p:nvSpPr>
-        <p:spPr/>
-        <p:txBody>
-          <a:bodyPr/>
-          <a:lstStyle/>
-          <a:p>
-            <a:r>
-              <a:rPr lang="en-US" dirty="0"/>
-              <a:t>mockup of </a:t>
-            </a:r>
-            <a:r>
-              <a:rPr lang="en-US" dirty="0" err="1"/>
-              <a:t>backtester</a:t>
-            </a:r>
-            <a:r>
-              <a:rPr lang="en-US" dirty="0"/>
-              <a:t>.</a:t>
-            </a:r>
-          </a:p>
-          <a:p>
-            <a:pPr lvl="1"/>
-            <a:r>
-              <a:rPr lang="en-US" dirty="0"/>
-              <a:t>Load universe</a:t>
-            </a:r>
-          </a:p>
-          <a:p>
-            <a:pPr lvl="1"/>
-            <a:r>
-              <a:rPr lang="en-US" dirty="0"/>
-              <a:t>Load pricing data</a:t>
-            </a:r>
-          </a:p>
-          <a:p>
-            <a:pPr lvl="1"/>
-            <a:r>
-              <a:rPr lang="en-US" dirty="0"/>
-              <a:t>Compute returns</a:t>
-            </a:r>
-          </a:p>
-          <a:p>
-            <a:pPr lvl="1"/>
-            <a:r>
-              <a:rPr lang="en-US" dirty="0"/>
-              <a:t>Load risk matrix</a:t>
-            </a:r>
-          </a:p>
-          <a:p>
-            <a:pPr lvl="1"/>
-            <a:r>
-              <a:rPr lang="en-US" dirty="0"/>
-              <a:t>Run multiple flavors of </a:t>
-            </a:r>
-            <a:r>
-              <a:rPr lang="en-US" dirty="0" err="1"/>
-              <a:t>backtests</a:t>
-            </a:r>
-            <a:r>
-              <a:rPr lang="en-US" dirty="0"/>
-              <a:t> over multiple days</a:t>
-            </a:r>
-          </a:p>
-          <a:p>
-            <a:pPr lvl="1"/>
-            <a:r>
-              <a:rPr lang="en-US" dirty="0"/>
-              <a:t>Run multiple attribution reports on results.</a:t>
-            </a:r>
-          </a:p>
-          <a:p>
-            <a:r>
-              <a:rPr lang="en-US" dirty="0"/>
-              <a:t>Anyone can probably think of his processes in similar terms.</a:t>
-            </a:r>
-          </a:p>
-          <a:p>
-            <a:pPr lvl="1"/>
-            <a:endParaRPr lang="en-US" dirty="0"/>
-          </a:p>
-        </p:txBody>
-      </p:sp>
+          <p:cNvSpPr/>
+          <p:nvPr/>
+        </p:nvSpPr>
+        <p:spPr>
+          <a:xfrm>
+            <a:off x="1054360" y="3951513"/>
+            <a:ext cx="1840462" cy="1138336"/>
+          </a:xfrm>
+          <a:prstGeom prst="rect">
+            <a:avLst/>
+          </a:prstGeom>
+          <a:solidFill>
+            <a:schemeClr val="accent5">
+              <a:lumMod val="20000"/>
+              <a:lumOff val="80000"/>
+            </a:schemeClr>
+          </a:solidFill>
+        </p:spPr>
+        <p:style>
+          <a:lnRef idx="2">
+            <a:schemeClr val="accent1">
+              <a:shade val="15000"/>
+            </a:schemeClr>
+          </a:lnRef>
+          <a:fillRef idx="1">
+            <a:schemeClr val="accent1"/>
+          </a:fillRef>
+          <a:effectRef idx="0">
+            <a:schemeClr val="accent1"/>
+          </a:effectRef>
+          <a:fontRef idx="minor">
+            <a:schemeClr val="lt1"/>
+          </a:fontRef>
+        </p:style>
+        <p:txBody>
+          <a:bodyPr rtlCol="0" anchor="ctr"/>
+          <a:lstStyle/>
+          <a:p>
+            <a:pPr algn="ctr"/>
+            <a:r>
+              <a:rPr lang="en-US" sz="2400" dirty="0">
+                <a:solidFill>
+                  <a:schemeClr val="tx1"/>
+                </a:solidFill>
+              </a:rPr>
+              <a:t>Workflow1 </a:t>
+            </a:r>
+          </a:p>
+          <a:p>
+            <a:pPr algn="ctr"/>
+            <a:r>
+              <a:rPr lang="en-US" sz="2400" dirty="0">
+                <a:solidFill>
+                  <a:schemeClr val="tx1"/>
+                </a:solidFill>
+              </a:rPr>
+              <a:t>(</a:t>
+            </a:r>
+            <a:r>
+              <a:rPr lang="en-US" sz="2400" dirty="0" err="1">
+                <a:solidFill>
+                  <a:schemeClr val="tx1"/>
+                </a:solidFill>
+              </a:rPr>
+              <a:t>backtest</a:t>
+            </a:r>
+            <a:r>
+              <a:rPr lang="en-US" sz="2400" dirty="0">
+                <a:solidFill>
+                  <a:schemeClr val="tx1"/>
+                </a:solidFill>
+              </a:rPr>
+              <a:t>) Worker</a:t>
+            </a:r>
+          </a:p>
+        </p:txBody>
+      </p:sp>
+      <p:sp>
+        <p:nvSpPr>
+          <p:cNvPr id="8" name="Rectangle 7">
+            <a:extLst>
+              <a:ext uri="{FF2B5EF4-FFF2-40B4-BE49-F238E27FC236}">
+                <a16:creationId xmlns:a16="http://schemas.microsoft.com/office/drawing/2014/main" id="{73883DA8-6D86-7CF6-1135-D703293FA60F}"/>
+              </a:ext>
+            </a:extLst>
+          </p:cNvPr>
+          <p:cNvSpPr/>
+          <p:nvPr/>
+        </p:nvSpPr>
+        <p:spPr>
+          <a:xfrm>
+            <a:off x="2733872" y="5346442"/>
+            <a:ext cx="2400299" cy="1090448"/>
+          </a:xfrm>
+          <a:prstGeom prst="rect">
+            <a:avLst/>
+          </a:prstGeom>
+          <a:solidFill>
+            <a:schemeClr val="accent4">
+              <a:lumMod val="20000"/>
+              <a:lumOff val="80000"/>
+            </a:schemeClr>
+          </a:solidFill>
+        </p:spPr>
+        <p:style>
+          <a:lnRef idx="2">
+            <a:schemeClr val="accent1">
+              <a:shade val="15000"/>
+            </a:schemeClr>
+          </a:lnRef>
+          <a:fillRef idx="1">
+            <a:schemeClr val="accent1"/>
+          </a:fillRef>
+          <a:effectRef idx="0">
+            <a:schemeClr val="accent1"/>
+          </a:effectRef>
+          <a:fontRef idx="minor">
+            <a:schemeClr val="lt1"/>
+          </a:fontRef>
+        </p:style>
+        <p:txBody>
+          <a:bodyPr rtlCol="0" anchor="ctr"/>
+          <a:lstStyle/>
+          <a:p>
+            <a:pPr algn="ctr"/>
+            <a:r>
+              <a:rPr lang="en-US" sz="2400" dirty="0">
+                <a:solidFill>
+                  <a:schemeClr val="tx1"/>
+                </a:solidFill>
+              </a:rPr>
+              <a:t>Activity1</a:t>
+            </a:r>
+            <a:br>
+              <a:rPr lang="en-US" sz="2400" dirty="0">
+                <a:solidFill>
+                  <a:schemeClr val="tx1"/>
+                </a:solidFill>
+              </a:rPr>
+            </a:br>
+            <a:r>
+              <a:rPr lang="en-US" sz="2400" dirty="0">
+                <a:solidFill>
+                  <a:schemeClr val="tx1"/>
+                </a:solidFill>
+              </a:rPr>
+              <a:t>(return) </a:t>
+            </a:r>
+          </a:p>
+          <a:p>
+            <a:pPr algn="ctr"/>
+            <a:r>
+              <a:rPr lang="en-US" sz="2400" dirty="0">
+                <a:solidFill>
+                  <a:schemeClr val="tx1"/>
+                </a:solidFill>
+              </a:rPr>
+              <a:t>worker 1</a:t>
+            </a:r>
+          </a:p>
+        </p:txBody>
+      </p:sp>
+      <p:sp>
+        <p:nvSpPr>
+          <p:cNvPr id="9" name="Rectangle 8">
+            <a:extLst>
+              <a:ext uri="{FF2B5EF4-FFF2-40B4-BE49-F238E27FC236}">
+                <a16:creationId xmlns:a16="http://schemas.microsoft.com/office/drawing/2014/main" id="{C5B96672-50B9-9B16-9BA3-658FEE658BBB}"/>
+              </a:ext>
+            </a:extLst>
+          </p:cNvPr>
+          <p:cNvSpPr/>
+          <p:nvPr/>
+        </p:nvSpPr>
+        <p:spPr>
+          <a:xfrm>
+            <a:off x="5647644" y="5346442"/>
+            <a:ext cx="2400299" cy="1090448"/>
+          </a:xfrm>
+          <a:prstGeom prst="rect">
+            <a:avLst/>
+          </a:prstGeom>
+          <a:solidFill>
+            <a:schemeClr val="accent4">
+              <a:lumMod val="20000"/>
+              <a:lumOff val="80000"/>
+            </a:schemeClr>
+          </a:solidFill>
+        </p:spPr>
+        <p:style>
+          <a:lnRef idx="2">
+            <a:schemeClr val="accent1">
+              <a:shade val="15000"/>
+            </a:schemeClr>
+          </a:lnRef>
+          <a:fillRef idx="1">
+            <a:schemeClr val="accent1"/>
+          </a:fillRef>
+          <a:effectRef idx="0">
+            <a:schemeClr val="accent1"/>
+          </a:effectRef>
+          <a:fontRef idx="minor">
+            <a:schemeClr val="lt1"/>
+          </a:fontRef>
+        </p:style>
+        <p:txBody>
+          <a:bodyPr rtlCol="0" anchor="ctr"/>
+          <a:lstStyle/>
+          <a:p>
+            <a:pPr algn="ctr"/>
+            <a:r>
+              <a:rPr lang="en-US" sz="2400" dirty="0">
+                <a:solidFill>
+                  <a:schemeClr val="tx1"/>
+                </a:solidFill>
+              </a:rPr>
+              <a:t>Activity2</a:t>
+            </a:r>
+          </a:p>
+          <a:p>
+            <a:pPr algn="ctr"/>
+            <a:r>
+              <a:rPr lang="en-US" sz="2400" dirty="0">
+                <a:solidFill>
+                  <a:schemeClr val="tx1"/>
+                </a:solidFill>
+              </a:rPr>
+              <a:t>(universe)</a:t>
+            </a:r>
+            <a:br>
+              <a:rPr lang="en-US" sz="2400" dirty="0">
+                <a:solidFill>
+                  <a:schemeClr val="tx1"/>
+                </a:solidFill>
+              </a:rPr>
+            </a:br>
+            <a:r>
+              <a:rPr lang="en-US" sz="2400" dirty="0">
+                <a:solidFill>
+                  <a:schemeClr val="tx1"/>
+                </a:solidFill>
+              </a:rPr>
+              <a:t>worker</a:t>
+            </a:r>
+          </a:p>
+        </p:txBody>
+      </p:sp>
+      <p:sp>
+        <p:nvSpPr>
+          <p:cNvPr id="11" name="Rectangle 10">
+            <a:extLst>
+              <a:ext uri="{FF2B5EF4-FFF2-40B4-BE49-F238E27FC236}">
+                <a16:creationId xmlns:a16="http://schemas.microsoft.com/office/drawing/2014/main" id="{A0D89128-8412-8DD9-6990-D207DAD6CF5C}"/>
+              </a:ext>
+            </a:extLst>
+          </p:cNvPr>
+          <p:cNvSpPr/>
+          <p:nvPr/>
+        </p:nvSpPr>
+        <p:spPr>
+          <a:xfrm>
+            <a:off x="3564295" y="1092918"/>
+            <a:ext cx="1840462" cy="783772"/>
+          </a:xfrm>
+          <a:prstGeom prst="rect">
+            <a:avLst/>
+          </a:prstGeom>
+          <a:solidFill>
+            <a:schemeClr val="accent2">
+              <a:lumMod val="20000"/>
+              <a:lumOff val="80000"/>
+            </a:schemeClr>
+          </a:solidFill>
+        </p:spPr>
+        <p:style>
+          <a:lnRef idx="2">
+            <a:schemeClr val="accent1">
+              <a:shade val="15000"/>
+            </a:schemeClr>
+          </a:lnRef>
+          <a:fillRef idx="1">
+            <a:schemeClr val="accent1"/>
+          </a:fillRef>
+          <a:effectRef idx="0">
+            <a:schemeClr val="accent1"/>
+          </a:effectRef>
+          <a:fontRef idx="minor">
+            <a:schemeClr val="lt1"/>
+          </a:fontRef>
+        </p:style>
+        <p:txBody>
+          <a:bodyPr rtlCol="0" anchor="ctr"/>
+          <a:lstStyle/>
+          <a:p>
+            <a:pPr algn="ctr"/>
+            <a:r>
+              <a:rPr lang="en-US" sz="2400" dirty="0">
+                <a:solidFill>
+                  <a:schemeClr val="tx1"/>
+                </a:solidFill>
+              </a:rPr>
+              <a:t>Launcher1</a:t>
+            </a:r>
+          </a:p>
+          <a:p>
+            <a:pPr algn="ctr"/>
+            <a:r>
+              <a:rPr lang="en-US" sz="2400" dirty="0">
+                <a:solidFill>
+                  <a:schemeClr val="tx1"/>
+                </a:solidFill>
+              </a:rPr>
+              <a:t>(</a:t>
+            </a:r>
+            <a:r>
+              <a:rPr lang="en-US" sz="2400" dirty="0" err="1">
+                <a:solidFill>
+                  <a:schemeClr val="tx1"/>
+                </a:solidFill>
+              </a:rPr>
+              <a:t>backtest</a:t>
+            </a:r>
+            <a:r>
+              <a:rPr lang="en-US" sz="2400" dirty="0">
+                <a:solidFill>
+                  <a:schemeClr val="tx1"/>
+                </a:solidFill>
+              </a:rPr>
+              <a:t>)</a:t>
+            </a:r>
+          </a:p>
+        </p:txBody>
+      </p:sp>
+      <p:grpSp>
+        <p:nvGrpSpPr>
+          <p:cNvPr id="15" name="Group 14">
+            <a:extLst>
+              <a:ext uri="{FF2B5EF4-FFF2-40B4-BE49-F238E27FC236}">
+                <a16:creationId xmlns:a16="http://schemas.microsoft.com/office/drawing/2014/main" id="{7F7EFFD3-EFE6-E203-AE14-7C384728F9D0}"/>
+              </a:ext>
+            </a:extLst>
+          </p:cNvPr>
+          <p:cNvGrpSpPr/>
+          <p:nvPr/>
+        </p:nvGrpSpPr>
+        <p:grpSpPr>
+          <a:xfrm>
+            <a:off x="541178" y="2399203"/>
+            <a:ext cx="7886699" cy="1029797"/>
+            <a:chOff x="541176" y="2496555"/>
+            <a:chExt cx="7886699" cy="1090448"/>
+          </a:xfrm>
+        </p:grpSpPr>
+        <p:sp>
+          <p:nvSpPr>
+            <p:cNvPr id="4" name="Rectangle 3">
+              <a:extLst>
+                <a:ext uri="{FF2B5EF4-FFF2-40B4-BE49-F238E27FC236}">
+                  <a16:creationId xmlns:a16="http://schemas.microsoft.com/office/drawing/2014/main" id="{D5CD45C2-7277-5B55-1376-7ADC345FDB79}"/>
+                </a:ext>
+              </a:extLst>
+            </p:cNvPr>
+            <p:cNvSpPr/>
+            <p:nvPr/>
+          </p:nvSpPr>
+          <p:spPr>
+            <a:xfrm>
+              <a:off x="541176" y="2496555"/>
+              <a:ext cx="7886699" cy="1090448"/>
+            </a:xfrm>
+            <a:prstGeom prst="rect">
+              <a:avLst/>
+            </a:prstGeom>
+            <a:solidFill>
+              <a:schemeClr val="accent6">
+                <a:lumMod val="20000"/>
+                <a:lumOff val="80000"/>
+              </a:schemeClr>
+            </a:solidFill>
+          </p:spPr>
+          <p:style>
+            <a:lnRef idx="2">
+              <a:schemeClr val="accent1">
+                <a:shade val="15000"/>
+              </a:schemeClr>
+            </a:lnRef>
+            <a:fillRef idx="1">
+              <a:schemeClr val="accent1"/>
+            </a:fillRef>
+            <a:effectRef idx="0">
+              <a:schemeClr val="accent1"/>
+            </a:effectRef>
+            <a:fontRef idx="minor">
+              <a:schemeClr val="lt1"/>
+            </a:fontRef>
+          </p:style>
+          <p:txBody>
+            <a:bodyPr rtlCol="0" anchor="t" anchorCtr="0"/>
+            <a:lstStyle/>
+            <a:p>
+              <a:pPr algn="ctr"/>
+              <a:r>
+                <a:rPr lang="en-US" sz="2400" dirty="0">
+                  <a:solidFill>
+                    <a:schemeClr val="tx1"/>
+                  </a:solidFill>
+                </a:rPr>
+                <a:t>Temporal Server</a:t>
+              </a:r>
+            </a:p>
+          </p:txBody>
+        </p:sp>
+        <p:sp>
+          <p:nvSpPr>
+            <p:cNvPr id="13" name="Rectangle 12">
+              <a:extLst>
+                <a:ext uri="{FF2B5EF4-FFF2-40B4-BE49-F238E27FC236}">
+                  <a16:creationId xmlns:a16="http://schemas.microsoft.com/office/drawing/2014/main" id="{17AC7503-B2C5-E141-75ED-CA3200848BAE}"/>
+                </a:ext>
+              </a:extLst>
+            </p:cNvPr>
+            <p:cNvSpPr/>
+            <p:nvPr/>
+          </p:nvSpPr>
+          <p:spPr>
+            <a:xfrm>
+              <a:off x="869495" y="3051112"/>
+              <a:ext cx="2821343" cy="438537"/>
+            </a:xfrm>
+            <a:prstGeom prst="rect">
+              <a:avLst/>
+            </a:prstGeom>
+            <a:solidFill>
+              <a:schemeClr val="accent5">
+                <a:lumMod val="20000"/>
+                <a:lumOff val="80000"/>
+              </a:schemeClr>
+            </a:solidFill>
+          </p:spPr>
+          <p:style>
+            <a:lnRef idx="2">
+              <a:schemeClr val="accent1">
+                <a:shade val="15000"/>
+              </a:schemeClr>
+            </a:lnRef>
+            <a:fillRef idx="1">
+              <a:schemeClr val="accent1"/>
+            </a:fillRef>
+            <a:effectRef idx="0">
+              <a:schemeClr val="accent1"/>
+            </a:effectRef>
+            <a:fontRef idx="minor">
+              <a:schemeClr val="lt1"/>
+            </a:fontRef>
+          </p:style>
+          <p:txBody>
+            <a:bodyPr rtlCol="0" anchor="ctr"/>
+            <a:lstStyle/>
+            <a:p>
+              <a:pPr algn="ctr"/>
+              <a:r>
+                <a:rPr lang="en-US" sz="2400" dirty="0">
+                  <a:solidFill>
+                    <a:schemeClr val="tx1"/>
+                  </a:solidFill>
+                </a:rPr>
+                <a:t>Workflow Queue</a:t>
+              </a:r>
+            </a:p>
+          </p:txBody>
+        </p:sp>
+        <p:sp>
+          <p:nvSpPr>
+            <p:cNvPr id="14" name="Rectangle 13">
+              <a:extLst>
+                <a:ext uri="{FF2B5EF4-FFF2-40B4-BE49-F238E27FC236}">
+                  <a16:creationId xmlns:a16="http://schemas.microsoft.com/office/drawing/2014/main" id="{D16C38DE-562C-3144-962C-7A823E951152}"/>
+                </a:ext>
+              </a:extLst>
+            </p:cNvPr>
+            <p:cNvSpPr/>
+            <p:nvPr/>
+          </p:nvSpPr>
+          <p:spPr>
+            <a:xfrm>
+              <a:off x="5495728" y="3051112"/>
+              <a:ext cx="2704129" cy="377888"/>
+            </a:xfrm>
+            <a:prstGeom prst="rect">
+              <a:avLst/>
+            </a:prstGeom>
+            <a:solidFill>
+              <a:schemeClr val="accent4">
+                <a:lumMod val="20000"/>
+                <a:lumOff val="80000"/>
+              </a:schemeClr>
+            </a:solidFill>
+          </p:spPr>
+          <p:style>
+            <a:lnRef idx="2">
+              <a:schemeClr val="accent1">
+                <a:shade val="15000"/>
+              </a:schemeClr>
+            </a:lnRef>
+            <a:fillRef idx="1">
+              <a:schemeClr val="accent1"/>
+            </a:fillRef>
+            <a:effectRef idx="0">
+              <a:schemeClr val="accent1"/>
+            </a:effectRef>
+            <a:fontRef idx="minor">
+              <a:schemeClr val="lt1"/>
+            </a:fontRef>
+          </p:style>
+          <p:txBody>
+            <a:bodyPr rtlCol="0" anchor="ctr"/>
+            <a:lstStyle/>
+            <a:p>
+              <a:pPr algn="ctr"/>
+              <a:r>
+                <a:rPr lang="en-US" sz="2400" dirty="0">
+                  <a:solidFill>
+                    <a:schemeClr val="tx1"/>
+                  </a:solidFill>
+                </a:rPr>
+                <a:t>Activity Queue</a:t>
+              </a:r>
+            </a:p>
+          </p:txBody>
+        </p:sp>
+      </p:grpSp>
+      <p:cxnSp>
+        <p:nvCxnSpPr>
+          <p:cNvPr id="16" name="Straight Arrow Connector 15">
+            <a:extLst>
+              <a:ext uri="{FF2B5EF4-FFF2-40B4-BE49-F238E27FC236}">
+                <a16:creationId xmlns:a16="http://schemas.microsoft.com/office/drawing/2014/main" id="{53D5EE06-429C-01B6-EB08-320B8B021A72}"/>
+              </a:ext>
+            </a:extLst>
+          </p:cNvPr>
+          <p:cNvCxnSpPr>
+            <a:cxnSpLocks/>
+            <a:endCxn id="13" idx="0"/>
+          </p:cNvCxnSpPr>
+          <p:nvPr/>
+        </p:nvCxnSpPr>
+        <p:spPr>
+          <a:xfrm flipH="1">
+            <a:off x="2280169" y="1884780"/>
+            <a:ext cx="2179868" cy="1038135"/>
+          </a:xfrm>
+          <a:prstGeom prst="straightConnector1">
+            <a:avLst/>
+          </a:prstGeom>
+          <a:ln>
+            <a:tailEnd type="triangle"/>
+          </a:ln>
+        </p:spPr>
+        <p:style>
+          <a:lnRef idx="1">
+            <a:schemeClr val="accent1"/>
+          </a:lnRef>
+          <a:fillRef idx="0">
+            <a:schemeClr val="accent1"/>
+          </a:fillRef>
+          <a:effectRef idx="0">
+            <a:schemeClr val="accent1"/>
+          </a:effectRef>
+          <a:fontRef idx="minor">
+            <a:schemeClr val="tx1"/>
+          </a:fontRef>
+        </p:style>
+      </p:cxnSp>
+      <p:cxnSp>
+        <p:nvCxnSpPr>
+          <p:cNvPr id="17" name="Straight Arrow Connector 16">
+            <a:extLst>
+              <a:ext uri="{FF2B5EF4-FFF2-40B4-BE49-F238E27FC236}">
+                <a16:creationId xmlns:a16="http://schemas.microsoft.com/office/drawing/2014/main" id="{E16C96CD-E46E-F758-7201-5E1078C27AD7}"/>
+              </a:ext>
+            </a:extLst>
+          </p:cNvPr>
+          <p:cNvCxnSpPr>
+            <a:cxnSpLocks/>
+          </p:cNvCxnSpPr>
+          <p:nvPr/>
+        </p:nvCxnSpPr>
+        <p:spPr>
+          <a:xfrm flipV="1">
+            <a:off x="4654421" y="1886494"/>
+            <a:ext cx="0" cy="512709"/>
+          </a:xfrm>
+          <a:prstGeom prst="straightConnector1">
+            <a:avLst/>
+          </a:prstGeom>
+          <a:ln>
+            <a:tailEnd type="triangle"/>
+          </a:ln>
+        </p:spPr>
+        <p:style>
+          <a:lnRef idx="1">
+            <a:schemeClr val="accent1"/>
+          </a:lnRef>
+          <a:fillRef idx="0">
+            <a:schemeClr val="accent1"/>
+          </a:fillRef>
+          <a:effectRef idx="0">
+            <a:schemeClr val="accent1"/>
+          </a:effectRef>
+          <a:fontRef idx="minor">
+            <a:schemeClr val="tx1"/>
+          </a:fontRef>
+        </p:style>
+      </p:cxnSp>
+      <p:sp>
+        <p:nvSpPr>
+          <p:cNvPr id="18" name="TextBox 17">
+            <a:extLst>
+              <a:ext uri="{FF2B5EF4-FFF2-40B4-BE49-F238E27FC236}">
+                <a16:creationId xmlns:a16="http://schemas.microsoft.com/office/drawing/2014/main" id="{7C26BB54-FFFB-8FC8-5EFD-FB164387D5B0}"/>
+              </a:ext>
+            </a:extLst>
+          </p:cNvPr>
+          <p:cNvSpPr txBox="1"/>
+          <p:nvPr/>
+        </p:nvSpPr>
+        <p:spPr>
+          <a:xfrm>
+            <a:off x="4152127" y="1958263"/>
+            <a:ext cx="301686" cy="369332"/>
+          </a:xfrm>
+          <a:prstGeom prst="rect">
+            <a:avLst/>
+          </a:prstGeom>
+          <a:noFill/>
+        </p:spPr>
+        <p:txBody>
+          <a:bodyPr wrap="none" rtlCol="0">
+            <a:spAutoFit/>
+          </a:bodyPr>
+          <a:lstStyle/>
+          <a:p>
+            <a:r>
+              <a:rPr lang="en-US" dirty="0"/>
+              <a:t>1</a:t>
+            </a:r>
+          </a:p>
+        </p:txBody>
+      </p:sp>
+      <p:sp>
+        <p:nvSpPr>
+          <p:cNvPr id="19" name="TextBox 18">
+            <a:extLst>
+              <a:ext uri="{FF2B5EF4-FFF2-40B4-BE49-F238E27FC236}">
+                <a16:creationId xmlns:a16="http://schemas.microsoft.com/office/drawing/2014/main" id="{980354FC-9CFD-03FA-7203-3DE998278926}"/>
+              </a:ext>
+            </a:extLst>
+          </p:cNvPr>
+          <p:cNvSpPr txBox="1"/>
+          <p:nvPr/>
+        </p:nvSpPr>
+        <p:spPr>
+          <a:xfrm>
+            <a:off x="4617097" y="1955151"/>
+            <a:ext cx="844270" cy="369332"/>
+          </a:xfrm>
+          <a:prstGeom prst="rect">
+            <a:avLst/>
+          </a:prstGeom>
+          <a:noFill/>
+        </p:spPr>
+        <p:txBody>
+          <a:bodyPr wrap="none" rtlCol="0">
+            <a:spAutoFit/>
+          </a:bodyPr>
+          <a:lstStyle/>
+          <a:p>
+            <a:r>
+              <a:rPr lang="en-US" dirty="0"/>
+              <a:t>“done”</a:t>
+            </a:r>
+          </a:p>
+        </p:txBody>
+      </p:sp>
+      <p:cxnSp>
+        <p:nvCxnSpPr>
+          <p:cNvPr id="25" name="Straight Arrow Connector 24">
+            <a:extLst>
+              <a:ext uri="{FF2B5EF4-FFF2-40B4-BE49-F238E27FC236}">
+                <a16:creationId xmlns:a16="http://schemas.microsoft.com/office/drawing/2014/main" id="{704677C1-A4AA-A0E0-6120-52CE25D089DF}"/>
+              </a:ext>
+            </a:extLst>
+          </p:cNvPr>
+          <p:cNvCxnSpPr>
+            <a:cxnSpLocks/>
+          </p:cNvCxnSpPr>
+          <p:nvPr/>
+        </p:nvCxnSpPr>
+        <p:spPr>
+          <a:xfrm flipH="1">
+            <a:off x="1601367" y="3362568"/>
+            <a:ext cx="305577" cy="588945"/>
+          </a:xfrm>
+          <a:prstGeom prst="straightConnector1">
+            <a:avLst/>
+          </a:prstGeom>
+          <a:ln>
+            <a:tailEnd type="triangle"/>
+          </a:ln>
+        </p:spPr>
+        <p:style>
+          <a:lnRef idx="1">
+            <a:schemeClr val="accent1"/>
+          </a:lnRef>
+          <a:fillRef idx="0">
+            <a:schemeClr val="accent1"/>
+          </a:fillRef>
+          <a:effectRef idx="0">
+            <a:schemeClr val="accent1"/>
+          </a:effectRef>
+          <a:fontRef idx="minor">
+            <a:schemeClr val="tx1"/>
+          </a:fontRef>
+        </p:style>
+      </p:cxnSp>
+      <p:cxnSp>
+        <p:nvCxnSpPr>
+          <p:cNvPr id="27" name="Straight Arrow Connector 26">
+            <a:extLst>
+              <a:ext uri="{FF2B5EF4-FFF2-40B4-BE49-F238E27FC236}">
+                <a16:creationId xmlns:a16="http://schemas.microsoft.com/office/drawing/2014/main" id="{58DAFB46-BAFB-F252-8D6C-4459DBDFDF16}"/>
+              </a:ext>
+            </a:extLst>
+          </p:cNvPr>
+          <p:cNvCxnSpPr>
+            <a:cxnSpLocks/>
+          </p:cNvCxnSpPr>
+          <p:nvPr/>
+        </p:nvCxnSpPr>
+        <p:spPr>
+          <a:xfrm flipV="1">
+            <a:off x="1906944" y="3337060"/>
+            <a:ext cx="285750" cy="614453"/>
+          </a:xfrm>
+          <a:prstGeom prst="straightConnector1">
+            <a:avLst/>
+          </a:prstGeom>
+          <a:ln>
+            <a:tailEnd type="triangle"/>
+          </a:ln>
+        </p:spPr>
+        <p:style>
+          <a:lnRef idx="1">
+            <a:schemeClr val="accent1"/>
+          </a:lnRef>
+          <a:fillRef idx="0">
+            <a:schemeClr val="accent1"/>
+          </a:fillRef>
+          <a:effectRef idx="0">
+            <a:schemeClr val="accent1"/>
+          </a:effectRef>
+          <a:fontRef idx="minor">
+            <a:schemeClr val="tx1"/>
+          </a:fontRef>
+        </p:style>
+      </p:cxnSp>
+      <p:cxnSp>
+        <p:nvCxnSpPr>
+          <p:cNvPr id="30" name="Straight Arrow Connector 29">
+            <a:extLst>
+              <a:ext uri="{FF2B5EF4-FFF2-40B4-BE49-F238E27FC236}">
+                <a16:creationId xmlns:a16="http://schemas.microsoft.com/office/drawing/2014/main" id="{9AB08085-B65D-870A-950E-B19A2F61FBDC}"/>
+              </a:ext>
+            </a:extLst>
+          </p:cNvPr>
+          <p:cNvCxnSpPr>
+            <a:cxnSpLocks/>
+          </p:cNvCxnSpPr>
+          <p:nvPr/>
+        </p:nvCxnSpPr>
+        <p:spPr>
+          <a:xfrm>
+            <a:off x="3690840" y="3101845"/>
+            <a:ext cx="1804890" cy="0"/>
+          </a:xfrm>
+          <a:prstGeom prst="straightConnector1">
+            <a:avLst/>
+          </a:prstGeom>
+          <a:ln>
+            <a:tailEnd type="triangle"/>
+          </a:ln>
+        </p:spPr>
+        <p:style>
+          <a:lnRef idx="1">
+            <a:schemeClr val="accent1"/>
+          </a:lnRef>
+          <a:fillRef idx="0">
+            <a:schemeClr val="accent1"/>
+          </a:fillRef>
+          <a:effectRef idx="0">
+            <a:schemeClr val="accent1"/>
+          </a:effectRef>
+          <a:fontRef idx="minor">
+            <a:schemeClr val="tx1"/>
+          </a:fontRef>
+        </p:style>
+      </p:cxnSp>
+      <p:cxnSp>
+        <p:nvCxnSpPr>
+          <p:cNvPr id="32" name="Straight Arrow Connector 31">
+            <a:extLst>
+              <a:ext uri="{FF2B5EF4-FFF2-40B4-BE49-F238E27FC236}">
+                <a16:creationId xmlns:a16="http://schemas.microsoft.com/office/drawing/2014/main" id="{E4952A00-4377-B93B-334B-7EBD0B9662CB}"/>
+              </a:ext>
+            </a:extLst>
+          </p:cNvPr>
+          <p:cNvCxnSpPr>
+            <a:cxnSpLocks/>
+          </p:cNvCxnSpPr>
+          <p:nvPr/>
+        </p:nvCxnSpPr>
+        <p:spPr>
+          <a:xfrm flipH="1">
+            <a:off x="4152127" y="3296497"/>
+            <a:ext cx="2283082" cy="2049945"/>
+          </a:xfrm>
+          <a:prstGeom prst="straightConnector1">
+            <a:avLst/>
+          </a:prstGeom>
+          <a:ln>
+            <a:tailEnd type="triangle"/>
+          </a:ln>
+        </p:spPr>
+        <p:style>
+          <a:lnRef idx="1">
+            <a:schemeClr val="accent1"/>
+          </a:lnRef>
+          <a:fillRef idx="0">
+            <a:schemeClr val="accent1"/>
+          </a:fillRef>
+          <a:effectRef idx="0">
+            <a:schemeClr val="accent1"/>
+          </a:effectRef>
+          <a:fontRef idx="minor">
+            <a:schemeClr val="tx1"/>
+          </a:fontRef>
+        </p:style>
+      </p:cxnSp>
+      <p:cxnSp>
+        <p:nvCxnSpPr>
+          <p:cNvPr id="33" name="Straight Arrow Connector 32">
+            <a:extLst>
+              <a:ext uri="{FF2B5EF4-FFF2-40B4-BE49-F238E27FC236}">
+                <a16:creationId xmlns:a16="http://schemas.microsoft.com/office/drawing/2014/main" id="{AD093DA5-8077-8054-3FB1-220705ED8262}"/>
+              </a:ext>
+            </a:extLst>
+          </p:cNvPr>
+          <p:cNvCxnSpPr>
+            <a:cxnSpLocks/>
+          </p:cNvCxnSpPr>
+          <p:nvPr/>
+        </p:nvCxnSpPr>
+        <p:spPr>
+          <a:xfrm flipV="1">
+            <a:off x="3652146" y="3445428"/>
+            <a:ext cx="0" cy="1909104"/>
+          </a:xfrm>
+          <a:prstGeom prst="straightConnector1">
+            <a:avLst/>
+          </a:prstGeom>
+          <a:ln>
+            <a:tailEnd type="triangle"/>
+          </a:ln>
+        </p:spPr>
+        <p:style>
+          <a:lnRef idx="1">
+            <a:schemeClr val="accent1"/>
+          </a:lnRef>
+          <a:fillRef idx="0">
+            <a:schemeClr val="accent1"/>
+          </a:fillRef>
+          <a:effectRef idx="0">
+            <a:schemeClr val="accent1"/>
+          </a:effectRef>
+          <a:fontRef idx="minor">
+            <a:schemeClr val="tx1"/>
+          </a:fontRef>
+        </p:style>
+      </p:cxnSp>
+      <p:sp>
+        <p:nvSpPr>
+          <p:cNvPr id="44" name="TextBox 43">
+            <a:extLst>
+              <a:ext uri="{FF2B5EF4-FFF2-40B4-BE49-F238E27FC236}">
+                <a16:creationId xmlns:a16="http://schemas.microsoft.com/office/drawing/2014/main" id="{7D4DF373-7511-DC42-85B4-E7AC7038EE38}"/>
+              </a:ext>
+            </a:extLst>
+          </p:cNvPr>
+          <p:cNvSpPr txBox="1"/>
+          <p:nvPr/>
+        </p:nvSpPr>
+        <p:spPr>
+          <a:xfrm>
+            <a:off x="1494940" y="3472615"/>
+            <a:ext cx="301686" cy="369332"/>
+          </a:xfrm>
+          <a:prstGeom prst="rect">
+            <a:avLst/>
+          </a:prstGeom>
+          <a:noFill/>
+        </p:spPr>
+        <p:txBody>
+          <a:bodyPr wrap="none" rtlCol="0">
+            <a:spAutoFit/>
+          </a:bodyPr>
+          <a:lstStyle/>
+          <a:p>
+            <a:r>
+              <a:rPr lang="en-US" dirty="0"/>
+              <a:t>2</a:t>
+            </a:r>
+          </a:p>
+        </p:txBody>
+      </p:sp>
+      <p:sp>
+        <p:nvSpPr>
+          <p:cNvPr id="45" name="TextBox 44">
+            <a:extLst>
+              <a:ext uri="{FF2B5EF4-FFF2-40B4-BE49-F238E27FC236}">
+                <a16:creationId xmlns:a16="http://schemas.microsoft.com/office/drawing/2014/main" id="{0FFF62E5-511D-054E-92D1-66992045470D}"/>
+              </a:ext>
+            </a:extLst>
+          </p:cNvPr>
+          <p:cNvSpPr txBox="1"/>
+          <p:nvPr/>
+        </p:nvSpPr>
+        <p:spPr>
+          <a:xfrm>
+            <a:off x="2028246" y="3369974"/>
+            <a:ext cx="692818" cy="369332"/>
+          </a:xfrm>
+          <a:prstGeom prst="rect">
+            <a:avLst/>
+          </a:prstGeom>
+          <a:noFill/>
+        </p:spPr>
+        <p:txBody>
+          <a:bodyPr wrap="none" rtlCol="0">
+            <a:spAutoFit/>
+          </a:bodyPr>
+          <a:lstStyle/>
+          <a:p>
+            <a:r>
+              <a:rPr lang="en-US" dirty="0"/>
+              <a:t>3(A1)</a:t>
+            </a:r>
+          </a:p>
+        </p:txBody>
+      </p:sp>
+      <p:sp>
+        <p:nvSpPr>
+          <p:cNvPr id="46" name="TextBox 45">
+            <a:extLst>
+              <a:ext uri="{FF2B5EF4-FFF2-40B4-BE49-F238E27FC236}">
+                <a16:creationId xmlns:a16="http://schemas.microsoft.com/office/drawing/2014/main" id="{2FE77026-5A83-2A67-7433-077DE23AA3F5}"/>
+              </a:ext>
+            </a:extLst>
+          </p:cNvPr>
+          <p:cNvSpPr txBox="1"/>
+          <p:nvPr/>
+        </p:nvSpPr>
+        <p:spPr>
+          <a:xfrm>
+            <a:off x="4421155" y="2809854"/>
+            <a:ext cx="301686" cy="369332"/>
+          </a:xfrm>
+          <a:prstGeom prst="rect">
+            <a:avLst/>
+          </a:prstGeom>
+          <a:noFill/>
+        </p:spPr>
+        <p:txBody>
+          <a:bodyPr wrap="none" rtlCol="0">
+            <a:spAutoFit/>
+          </a:bodyPr>
+          <a:lstStyle/>
+          <a:p>
+            <a:r>
+              <a:rPr lang="en-US" dirty="0"/>
+              <a:t>4</a:t>
+            </a:r>
+          </a:p>
+        </p:txBody>
+      </p:sp>
+      <p:sp>
+        <p:nvSpPr>
+          <p:cNvPr id="47" name="TextBox 46">
+            <a:extLst>
+              <a:ext uri="{FF2B5EF4-FFF2-40B4-BE49-F238E27FC236}">
+                <a16:creationId xmlns:a16="http://schemas.microsoft.com/office/drawing/2014/main" id="{7CF8F33B-3CC5-7AEE-8524-0D93932E1F68}"/>
+              </a:ext>
+            </a:extLst>
+          </p:cNvPr>
+          <p:cNvSpPr txBox="1"/>
+          <p:nvPr/>
+        </p:nvSpPr>
+        <p:spPr>
+          <a:xfrm>
+            <a:off x="5020675" y="4071328"/>
+            <a:ext cx="301686" cy="369332"/>
+          </a:xfrm>
+          <a:prstGeom prst="rect">
+            <a:avLst/>
+          </a:prstGeom>
+          <a:noFill/>
+        </p:spPr>
+        <p:txBody>
+          <a:bodyPr wrap="square" rtlCol="0">
+            <a:spAutoFit/>
+          </a:bodyPr>
+          <a:lstStyle/>
+          <a:p>
+            <a:r>
+              <a:rPr lang="en-US" dirty="0"/>
+              <a:t>5</a:t>
+            </a:r>
+          </a:p>
+        </p:txBody>
+      </p:sp>
+      <p:sp>
+        <p:nvSpPr>
+          <p:cNvPr id="48" name="TextBox 47">
+            <a:extLst>
+              <a:ext uri="{FF2B5EF4-FFF2-40B4-BE49-F238E27FC236}">
+                <a16:creationId xmlns:a16="http://schemas.microsoft.com/office/drawing/2014/main" id="{2EBAC343-8D86-E57E-2348-11947E08A0CC}"/>
+              </a:ext>
+            </a:extLst>
+          </p:cNvPr>
+          <p:cNvSpPr txBox="1"/>
+          <p:nvPr/>
+        </p:nvSpPr>
+        <p:spPr>
+          <a:xfrm>
+            <a:off x="3355326" y="3491440"/>
+            <a:ext cx="301686" cy="369332"/>
+          </a:xfrm>
+          <a:prstGeom prst="rect">
+            <a:avLst/>
+          </a:prstGeom>
+          <a:noFill/>
+        </p:spPr>
+        <p:txBody>
+          <a:bodyPr wrap="square" rtlCol="0">
+            <a:spAutoFit/>
+          </a:bodyPr>
+          <a:lstStyle/>
+          <a:p>
+            <a:r>
+              <a:rPr lang="en-US" dirty="0"/>
+              <a:t>6</a:t>
+            </a:r>
+          </a:p>
+        </p:txBody>
+      </p:sp>
+      <p:cxnSp>
+        <p:nvCxnSpPr>
+          <p:cNvPr id="54" name="Straight Arrow Connector 53">
+            <a:extLst>
+              <a:ext uri="{FF2B5EF4-FFF2-40B4-BE49-F238E27FC236}">
+                <a16:creationId xmlns:a16="http://schemas.microsoft.com/office/drawing/2014/main" id="{66175692-A5A5-C113-200F-8F3207BE9E12}"/>
+              </a:ext>
+            </a:extLst>
+          </p:cNvPr>
+          <p:cNvCxnSpPr>
+            <a:cxnSpLocks/>
+          </p:cNvCxnSpPr>
+          <p:nvPr/>
+        </p:nvCxnSpPr>
+        <p:spPr>
+          <a:xfrm flipH="1">
+            <a:off x="2264235" y="3445428"/>
+            <a:ext cx="1371000" cy="506085"/>
+          </a:xfrm>
+          <a:prstGeom prst="straightConnector1">
+            <a:avLst/>
+          </a:prstGeom>
+          <a:ln>
+            <a:tailEnd type="triangle"/>
+          </a:ln>
+        </p:spPr>
+        <p:style>
+          <a:lnRef idx="1">
+            <a:schemeClr val="accent1"/>
+          </a:lnRef>
+          <a:fillRef idx="0">
+            <a:schemeClr val="accent1"/>
+          </a:fillRef>
+          <a:effectRef idx="0">
+            <a:schemeClr val="accent1"/>
+          </a:effectRef>
+          <a:fontRef idx="minor">
+            <a:schemeClr val="tx1"/>
+          </a:fontRef>
+        </p:style>
+      </p:cxnSp>
     </p:spTree>
     <p:extLst>
       <p:ext uri="{BB962C8B-B14F-4D97-AF65-F5344CB8AC3E}">
-        <p14:creationId xmlns:p14="http://schemas.microsoft.com/office/powerpoint/2010/main" val="2643189474"/>
+        <p14:creationId xmlns:p14="http://schemas.microsoft.com/office/powerpoint/2010/main" val="582006454"/>
       </p:ext>
     </p:extLst>
   </p:cSld>
@@ -4015,10 +5985,10 @@
       </p:grpSpPr>
       <p:sp>
         <p:nvSpPr>
-          <p:cNvPr id="5" name="Title 4">
+          <p:cNvPr id="2" name="Title 1">
             <a:extLst>
               <a:ext uri="{FF2B5EF4-FFF2-40B4-BE49-F238E27FC236}">
-                <a16:creationId xmlns:a16="http://schemas.microsoft.com/office/drawing/2014/main" id="{B5A58A4C-3743-869B-9289-4E2FF112EA00}"/>
+                <a16:creationId xmlns:a16="http://schemas.microsoft.com/office/drawing/2014/main" id="{0DB8C445-ECAD-6DE0-DE05-AD74E136F417}"/>
               </a:ext>
             </a:extLst>
           </p:cNvPr>
@@ -4029,19 +5999,1250 @@
             <p:ph type="title"/>
           </p:nvPr>
         </p:nvSpPr>
-        <p:spPr/>
+        <p:spPr>
+          <a:xfrm>
+            <a:off x="703295" y="133576"/>
+            <a:ext cx="7886700" cy="885176"/>
+          </a:xfrm>
+        </p:spPr>
         <p:txBody>
           <a:bodyPr/>
           <a:lstStyle/>
           <a:p>
-            <a:endParaRPr lang="en-US"/>
-          </a:p>
-        </p:txBody>
-      </p:sp>
+            <a:r>
+              <a:rPr lang="en-US" dirty="0"/>
+              <a:t>Processes involved</a:t>
+            </a:r>
+          </a:p>
+        </p:txBody>
+      </p:sp>
+      <p:sp>
+        <p:nvSpPr>
+          <p:cNvPr id="4" name="Rectangle 3">
+            <a:extLst>
+              <a:ext uri="{FF2B5EF4-FFF2-40B4-BE49-F238E27FC236}">
+                <a16:creationId xmlns:a16="http://schemas.microsoft.com/office/drawing/2014/main" id="{D5CD45C2-7277-5B55-1376-7ADC345FDB79}"/>
+              </a:ext>
+            </a:extLst>
+          </p:cNvPr>
+          <p:cNvSpPr/>
+          <p:nvPr/>
+        </p:nvSpPr>
+        <p:spPr>
+          <a:xfrm>
+            <a:off x="541176" y="2545542"/>
+            <a:ext cx="7886699" cy="1090448"/>
+          </a:xfrm>
+          <a:prstGeom prst="rect">
+            <a:avLst/>
+          </a:prstGeom>
+          <a:solidFill>
+            <a:schemeClr val="accent6">
+              <a:lumMod val="20000"/>
+              <a:lumOff val="80000"/>
+            </a:schemeClr>
+          </a:solidFill>
+        </p:spPr>
+        <p:style>
+          <a:lnRef idx="2">
+            <a:schemeClr val="accent1">
+              <a:shade val="15000"/>
+            </a:schemeClr>
+          </a:lnRef>
+          <a:fillRef idx="1">
+            <a:schemeClr val="accent1"/>
+          </a:fillRef>
+          <a:effectRef idx="0">
+            <a:schemeClr val="accent1"/>
+          </a:effectRef>
+          <a:fontRef idx="minor">
+            <a:schemeClr val="lt1"/>
+          </a:fontRef>
+        </p:style>
+        <p:txBody>
+          <a:bodyPr rtlCol="0" anchor="t" anchorCtr="0"/>
+          <a:lstStyle/>
+          <a:p>
+            <a:pPr algn="ctr"/>
+            <a:r>
+              <a:rPr lang="en-US" sz="2400" dirty="0">
+                <a:solidFill>
+                  <a:schemeClr val="tx1"/>
+                </a:solidFill>
+              </a:rPr>
+              <a:t>Temporal Server</a:t>
+            </a:r>
+          </a:p>
+        </p:txBody>
+      </p:sp>
+      <p:sp>
+        <p:nvSpPr>
+          <p:cNvPr id="5" name="Rectangle 4">
+            <a:extLst>
+              <a:ext uri="{FF2B5EF4-FFF2-40B4-BE49-F238E27FC236}">
+                <a16:creationId xmlns:a16="http://schemas.microsoft.com/office/drawing/2014/main" id="{05316CDF-D59E-A214-F2BE-10407F62C54E}"/>
+              </a:ext>
+            </a:extLst>
+          </p:cNvPr>
+          <p:cNvSpPr/>
+          <p:nvPr/>
+        </p:nvSpPr>
+        <p:spPr>
+          <a:xfrm>
+            <a:off x="547009" y="3876870"/>
+            <a:ext cx="1840462" cy="1138336"/>
+          </a:xfrm>
+          <a:prstGeom prst="rect">
+            <a:avLst/>
+          </a:prstGeom>
+          <a:solidFill>
+            <a:schemeClr val="accent5">
+              <a:lumMod val="20000"/>
+              <a:lumOff val="80000"/>
+            </a:schemeClr>
+          </a:solidFill>
+        </p:spPr>
+        <p:style>
+          <a:lnRef idx="2">
+            <a:schemeClr val="accent1">
+              <a:shade val="15000"/>
+            </a:schemeClr>
+          </a:lnRef>
+          <a:fillRef idx="1">
+            <a:schemeClr val="accent1"/>
+          </a:fillRef>
+          <a:effectRef idx="0">
+            <a:schemeClr val="accent1"/>
+          </a:effectRef>
+          <a:fontRef idx="minor">
+            <a:schemeClr val="lt1"/>
+          </a:fontRef>
+        </p:style>
+        <p:txBody>
+          <a:bodyPr rtlCol="0" anchor="ctr"/>
+          <a:lstStyle/>
+          <a:p>
+            <a:pPr algn="ctr"/>
+            <a:r>
+              <a:rPr lang="en-US" sz="2400" dirty="0">
+                <a:solidFill>
+                  <a:schemeClr val="tx1"/>
+                </a:solidFill>
+              </a:rPr>
+              <a:t>Workflow1 </a:t>
+            </a:r>
+          </a:p>
+          <a:p>
+            <a:pPr algn="ctr"/>
+            <a:r>
+              <a:rPr lang="en-US" sz="2400" dirty="0">
+                <a:solidFill>
+                  <a:schemeClr val="tx1"/>
+                </a:solidFill>
+              </a:rPr>
+              <a:t>(</a:t>
+            </a:r>
+            <a:r>
+              <a:rPr lang="en-US" sz="2400" dirty="0" err="1">
+                <a:solidFill>
+                  <a:schemeClr val="tx1"/>
+                </a:solidFill>
+              </a:rPr>
+              <a:t>backtest</a:t>
+            </a:r>
+            <a:r>
+              <a:rPr lang="en-US" sz="2400" dirty="0">
+                <a:solidFill>
+                  <a:schemeClr val="tx1"/>
+                </a:solidFill>
+              </a:rPr>
+              <a:t>) Worker</a:t>
+            </a:r>
+          </a:p>
+        </p:txBody>
+      </p:sp>
+      <p:sp>
+        <p:nvSpPr>
+          <p:cNvPr id="6" name="Rectangle 5">
+            <a:extLst>
+              <a:ext uri="{FF2B5EF4-FFF2-40B4-BE49-F238E27FC236}">
+                <a16:creationId xmlns:a16="http://schemas.microsoft.com/office/drawing/2014/main" id="{9694391D-BB1F-81CE-5627-49794ECDDA41}"/>
+              </a:ext>
+            </a:extLst>
+          </p:cNvPr>
+          <p:cNvSpPr/>
+          <p:nvPr/>
+        </p:nvSpPr>
+        <p:spPr>
+          <a:xfrm>
+            <a:off x="2512166" y="3876870"/>
+            <a:ext cx="1840462" cy="1138336"/>
+          </a:xfrm>
+          <a:prstGeom prst="rect">
+            <a:avLst/>
+          </a:prstGeom>
+          <a:solidFill>
+            <a:schemeClr val="accent5">
+              <a:lumMod val="20000"/>
+              <a:lumOff val="80000"/>
+            </a:schemeClr>
+          </a:solidFill>
+        </p:spPr>
+        <p:style>
+          <a:lnRef idx="2">
+            <a:schemeClr val="accent1">
+              <a:shade val="15000"/>
+            </a:schemeClr>
+          </a:lnRef>
+          <a:fillRef idx="1">
+            <a:schemeClr val="accent1"/>
+          </a:fillRef>
+          <a:effectRef idx="0">
+            <a:schemeClr val="accent1"/>
+          </a:effectRef>
+          <a:fontRef idx="minor">
+            <a:schemeClr val="lt1"/>
+          </a:fontRef>
+        </p:style>
+        <p:txBody>
+          <a:bodyPr rtlCol="0" anchor="ctr"/>
+          <a:lstStyle/>
+          <a:p>
+            <a:pPr algn="ctr"/>
+            <a:r>
+              <a:rPr lang="en-US" sz="2400" dirty="0">
+                <a:solidFill>
+                  <a:schemeClr val="tx1"/>
+                </a:solidFill>
+              </a:rPr>
+              <a:t>Workflow2</a:t>
+            </a:r>
+          </a:p>
+          <a:p>
+            <a:pPr algn="ctr"/>
+            <a:r>
+              <a:rPr lang="en-US" sz="2400" dirty="0">
+                <a:solidFill>
+                  <a:schemeClr val="tx1"/>
+                </a:solidFill>
+              </a:rPr>
+              <a:t>(Factor Gen)</a:t>
+            </a:r>
+          </a:p>
+          <a:p>
+            <a:pPr algn="ctr"/>
+            <a:r>
+              <a:rPr lang="en-US" sz="2400" dirty="0">
+                <a:solidFill>
+                  <a:schemeClr val="tx1"/>
+                </a:solidFill>
+              </a:rPr>
+              <a:t>worker</a:t>
+            </a:r>
+          </a:p>
+        </p:txBody>
+      </p:sp>
+      <p:sp>
+        <p:nvSpPr>
+          <p:cNvPr id="8" name="Rectangle 7">
+            <a:extLst>
+              <a:ext uri="{FF2B5EF4-FFF2-40B4-BE49-F238E27FC236}">
+                <a16:creationId xmlns:a16="http://schemas.microsoft.com/office/drawing/2014/main" id="{73883DA8-6D86-7CF6-1135-D703293FA60F}"/>
+              </a:ext>
+            </a:extLst>
+          </p:cNvPr>
+          <p:cNvSpPr/>
+          <p:nvPr/>
+        </p:nvSpPr>
+        <p:spPr>
+          <a:xfrm>
+            <a:off x="541178" y="5281127"/>
+            <a:ext cx="2400299" cy="1090448"/>
+          </a:xfrm>
+          <a:prstGeom prst="rect">
+            <a:avLst/>
+          </a:prstGeom>
+          <a:solidFill>
+            <a:schemeClr val="accent4">
+              <a:lumMod val="20000"/>
+              <a:lumOff val="80000"/>
+            </a:schemeClr>
+          </a:solidFill>
+        </p:spPr>
+        <p:style>
+          <a:lnRef idx="2">
+            <a:schemeClr val="accent1">
+              <a:shade val="15000"/>
+            </a:schemeClr>
+          </a:lnRef>
+          <a:fillRef idx="1">
+            <a:schemeClr val="accent1"/>
+          </a:fillRef>
+          <a:effectRef idx="0">
+            <a:schemeClr val="accent1"/>
+          </a:effectRef>
+          <a:fontRef idx="minor">
+            <a:schemeClr val="lt1"/>
+          </a:fontRef>
+        </p:style>
+        <p:txBody>
+          <a:bodyPr rtlCol="0" anchor="ctr"/>
+          <a:lstStyle/>
+          <a:p>
+            <a:pPr algn="ctr"/>
+            <a:r>
+              <a:rPr lang="en-US" sz="2400" dirty="0">
+                <a:solidFill>
+                  <a:schemeClr val="tx1"/>
+                </a:solidFill>
+              </a:rPr>
+              <a:t>Activity1</a:t>
+            </a:r>
+            <a:br>
+              <a:rPr lang="en-US" sz="2400" dirty="0">
+                <a:solidFill>
+                  <a:schemeClr val="tx1"/>
+                </a:solidFill>
+              </a:rPr>
+            </a:br>
+            <a:r>
+              <a:rPr lang="en-US" sz="2400" dirty="0">
+                <a:solidFill>
+                  <a:schemeClr val="tx1"/>
+                </a:solidFill>
+              </a:rPr>
+              <a:t>(return) </a:t>
+            </a:r>
+          </a:p>
+          <a:p>
+            <a:pPr algn="ctr"/>
+            <a:r>
+              <a:rPr lang="en-US" sz="2400" dirty="0">
+                <a:solidFill>
+                  <a:schemeClr val="tx1"/>
+                </a:solidFill>
+              </a:rPr>
+              <a:t>Worker 1</a:t>
+            </a:r>
+          </a:p>
+        </p:txBody>
+      </p:sp>
+      <p:sp>
+        <p:nvSpPr>
+          <p:cNvPr id="9" name="Rectangle 8">
+            <a:extLst>
+              <a:ext uri="{FF2B5EF4-FFF2-40B4-BE49-F238E27FC236}">
+                <a16:creationId xmlns:a16="http://schemas.microsoft.com/office/drawing/2014/main" id="{C5B96672-50B9-9B16-9BA3-658FEE658BBB}"/>
+              </a:ext>
+            </a:extLst>
+          </p:cNvPr>
+          <p:cNvSpPr/>
+          <p:nvPr/>
+        </p:nvSpPr>
+        <p:spPr>
+          <a:xfrm>
+            <a:off x="3284377" y="5281127"/>
+            <a:ext cx="2400299" cy="1090448"/>
+          </a:xfrm>
+          <a:prstGeom prst="rect">
+            <a:avLst/>
+          </a:prstGeom>
+          <a:solidFill>
+            <a:schemeClr val="accent4">
+              <a:lumMod val="20000"/>
+              <a:lumOff val="80000"/>
+            </a:schemeClr>
+          </a:solidFill>
+        </p:spPr>
+        <p:style>
+          <a:lnRef idx="2">
+            <a:schemeClr val="accent1">
+              <a:shade val="15000"/>
+            </a:schemeClr>
+          </a:lnRef>
+          <a:fillRef idx="1">
+            <a:schemeClr val="accent1"/>
+          </a:fillRef>
+          <a:effectRef idx="0">
+            <a:schemeClr val="accent1"/>
+          </a:effectRef>
+          <a:fontRef idx="minor">
+            <a:schemeClr val="lt1"/>
+          </a:fontRef>
+        </p:style>
+        <p:txBody>
+          <a:bodyPr rtlCol="0" anchor="ctr"/>
+          <a:lstStyle/>
+          <a:p>
+            <a:pPr algn="ctr"/>
+            <a:r>
+              <a:rPr lang="en-US" sz="2400" dirty="0">
+                <a:solidFill>
+                  <a:schemeClr val="tx1"/>
+                </a:solidFill>
+              </a:rPr>
+              <a:t>Activity2</a:t>
+            </a:r>
+          </a:p>
+          <a:p>
+            <a:pPr algn="ctr"/>
+            <a:r>
+              <a:rPr lang="en-US" sz="2400" dirty="0">
+                <a:solidFill>
+                  <a:schemeClr val="tx1"/>
+                </a:solidFill>
+              </a:rPr>
+              <a:t>(universe)</a:t>
+            </a:r>
+            <a:br>
+              <a:rPr lang="en-US" sz="2400" dirty="0">
+                <a:solidFill>
+                  <a:schemeClr val="tx1"/>
+                </a:solidFill>
+              </a:rPr>
+            </a:br>
+            <a:r>
+              <a:rPr lang="en-US" sz="2400" dirty="0">
+                <a:solidFill>
+                  <a:schemeClr val="tx1"/>
+                </a:solidFill>
+              </a:rPr>
+              <a:t>worker</a:t>
+            </a:r>
+          </a:p>
+        </p:txBody>
+      </p:sp>
+      <p:sp>
+        <p:nvSpPr>
+          <p:cNvPr id="10" name="Rectangle 9">
+            <a:extLst>
+              <a:ext uri="{FF2B5EF4-FFF2-40B4-BE49-F238E27FC236}">
+                <a16:creationId xmlns:a16="http://schemas.microsoft.com/office/drawing/2014/main" id="{4F1A0893-1DB4-92F2-3372-66C29AAF1C03}"/>
+              </a:ext>
+            </a:extLst>
+          </p:cNvPr>
+          <p:cNvSpPr/>
+          <p:nvPr/>
+        </p:nvSpPr>
+        <p:spPr>
+          <a:xfrm>
+            <a:off x="6027578" y="5281127"/>
+            <a:ext cx="2400299" cy="1090448"/>
+          </a:xfrm>
+          <a:prstGeom prst="rect">
+            <a:avLst/>
+          </a:prstGeom>
+          <a:solidFill>
+            <a:schemeClr val="accent4">
+              <a:lumMod val="20000"/>
+              <a:lumOff val="80000"/>
+            </a:schemeClr>
+          </a:solidFill>
+        </p:spPr>
+        <p:style>
+          <a:lnRef idx="2">
+            <a:schemeClr val="accent1">
+              <a:shade val="15000"/>
+            </a:schemeClr>
+          </a:lnRef>
+          <a:fillRef idx="1">
+            <a:schemeClr val="accent1"/>
+          </a:fillRef>
+          <a:effectRef idx="0">
+            <a:schemeClr val="accent1"/>
+          </a:effectRef>
+          <a:fontRef idx="minor">
+            <a:schemeClr val="lt1"/>
+          </a:fontRef>
+        </p:style>
+        <p:txBody>
+          <a:bodyPr rtlCol="0" anchor="ctr"/>
+          <a:lstStyle/>
+          <a:p>
+            <a:pPr algn="ctr"/>
+            <a:r>
+              <a:rPr lang="en-US" sz="2400" dirty="0">
+                <a:solidFill>
+                  <a:schemeClr val="tx1"/>
+                </a:solidFill>
+              </a:rPr>
+              <a:t>Activity3</a:t>
+            </a:r>
+          </a:p>
+          <a:p>
+            <a:pPr algn="ctr"/>
+            <a:r>
+              <a:rPr lang="en-US" sz="2400" dirty="0">
+                <a:solidFill>
+                  <a:schemeClr val="tx1"/>
+                </a:solidFill>
+              </a:rPr>
+              <a:t>(Factor loadings)</a:t>
+            </a:r>
+            <a:br>
+              <a:rPr lang="en-US" sz="2400" dirty="0">
+                <a:solidFill>
+                  <a:schemeClr val="tx1"/>
+                </a:solidFill>
+              </a:rPr>
+            </a:br>
+            <a:r>
+              <a:rPr lang="en-US" sz="2400" dirty="0">
+                <a:solidFill>
+                  <a:schemeClr val="tx1"/>
+                </a:solidFill>
+              </a:rPr>
+              <a:t>worker</a:t>
+            </a:r>
+          </a:p>
+        </p:txBody>
+      </p:sp>
+      <p:sp>
+        <p:nvSpPr>
+          <p:cNvPr id="11" name="Rectangle 10">
+            <a:extLst>
+              <a:ext uri="{FF2B5EF4-FFF2-40B4-BE49-F238E27FC236}">
+                <a16:creationId xmlns:a16="http://schemas.microsoft.com/office/drawing/2014/main" id="{A0D89128-8412-8DD9-6990-D207DAD6CF5C}"/>
+              </a:ext>
+            </a:extLst>
+          </p:cNvPr>
+          <p:cNvSpPr/>
+          <p:nvPr/>
+        </p:nvSpPr>
+        <p:spPr>
+          <a:xfrm>
+            <a:off x="1965262" y="1212979"/>
+            <a:ext cx="1840462" cy="783772"/>
+          </a:xfrm>
+          <a:prstGeom prst="rect">
+            <a:avLst/>
+          </a:prstGeom>
+          <a:solidFill>
+            <a:schemeClr val="accent2">
+              <a:lumMod val="20000"/>
+              <a:lumOff val="80000"/>
+            </a:schemeClr>
+          </a:solidFill>
+        </p:spPr>
+        <p:style>
+          <a:lnRef idx="2">
+            <a:schemeClr val="accent1">
+              <a:shade val="15000"/>
+            </a:schemeClr>
+          </a:lnRef>
+          <a:fillRef idx="1">
+            <a:schemeClr val="accent1"/>
+          </a:fillRef>
+          <a:effectRef idx="0">
+            <a:schemeClr val="accent1"/>
+          </a:effectRef>
+          <a:fontRef idx="minor">
+            <a:schemeClr val="lt1"/>
+          </a:fontRef>
+        </p:style>
+        <p:txBody>
+          <a:bodyPr rtlCol="0" anchor="ctr"/>
+          <a:lstStyle/>
+          <a:p>
+            <a:pPr algn="ctr"/>
+            <a:r>
+              <a:rPr lang="en-US" sz="2400" dirty="0">
+                <a:solidFill>
+                  <a:schemeClr val="tx1"/>
+                </a:solidFill>
+              </a:rPr>
+              <a:t>Launcher1</a:t>
+            </a:r>
+          </a:p>
+          <a:p>
+            <a:pPr algn="ctr"/>
+            <a:r>
+              <a:rPr lang="en-US" sz="2400" dirty="0">
+                <a:solidFill>
+                  <a:schemeClr val="tx1"/>
+                </a:solidFill>
+              </a:rPr>
+              <a:t>(</a:t>
+            </a:r>
+            <a:r>
+              <a:rPr lang="en-US" sz="2400" dirty="0" err="1">
+                <a:solidFill>
+                  <a:schemeClr val="tx1"/>
+                </a:solidFill>
+              </a:rPr>
+              <a:t>backtest</a:t>
+            </a:r>
+            <a:r>
+              <a:rPr lang="en-US" sz="2400" dirty="0">
+                <a:solidFill>
+                  <a:schemeClr val="tx1"/>
+                </a:solidFill>
+              </a:rPr>
+              <a:t>)</a:t>
+            </a:r>
+          </a:p>
+        </p:txBody>
+      </p:sp>
+      <p:sp>
+        <p:nvSpPr>
+          <p:cNvPr id="12" name="Rectangle 11">
+            <a:extLst>
+              <a:ext uri="{FF2B5EF4-FFF2-40B4-BE49-F238E27FC236}">
+                <a16:creationId xmlns:a16="http://schemas.microsoft.com/office/drawing/2014/main" id="{D95D38A3-796A-283A-1AC3-368A6BB754A2}"/>
+              </a:ext>
+            </a:extLst>
+          </p:cNvPr>
+          <p:cNvSpPr/>
+          <p:nvPr/>
+        </p:nvSpPr>
+        <p:spPr>
+          <a:xfrm>
+            <a:off x="4948727" y="1212979"/>
+            <a:ext cx="1840462" cy="783772"/>
+          </a:xfrm>
+          <a:prstGeom prst="rect">
+            <a:avLst/>
+          </a:prstGeom>
+          <a:solidFill>
+            <a:schemeClr val="accent2">
+              <a:lumMod val="20000"/>
+              <a:lumOff val="80000"/>
+            </a:schemeClr>
+          </a:solidFill>
+        </p:spPr>
+        <p:style>
+          <a:lnRef idx="2">
+            <a:schemeClr val="accent1">
+              <a:shade val="15000"/>
+            </a:schemeClr>
+          </a:lnRef>
+          <a:fillRef idx="1">
+            <a:schemeClr val="accent1"/>
+          </a:fillRef>
+          <a:effectRef idx="0">
+            <a:schemeClr val="accent1"/>
+          </a:effectRef>
+          <a:fontRef idx="minor">
+            <a:schemeClr val="lt1"/>
+          </a:fontRef>
+        </p:style>
+        <p:txBody>
+          <a:bodyPr rtlCol="0" anchor="ctr"/>
+          <a:lstStyle/>
+          <a:p>
+            <a:pPr algn="ctr"/>
+            <a:r>
+              <a:rPr lang="en-US" sz="2400" dirty="0">
+                <a:solidFill>
+                  <a:schemeClr val="tx1"/>
+                </a:solidFill>
+              </a:rPr>
+              <a:t>Launcher2</a:t>
+            </a:r>
+          </a:p>
+          <a:p>
+            <a:pPr algn="ctr"/>
+            <a:r>
+              <a:rPr lang="en-US" sz="2400" dirty="0">
+                <a:solidFill>
+                  <a:schemeClr val="tx1"/>
+                </a:solidFill>
+              </a:rPr>
+              <a:t>(Factor Gen)</a:t>
+            </a:r>
+          </a:p>
+        </p:txBody>
+      </p:sp>
+      <p:sp>
+        <p:nvSpPr>
+          <p:cNvPr id="13" name="Rectangle 12">
+            <a:extLst>
+              <a:ext uri="{FF2B5EF4-FFF2-40B4-BE49-F238E27FC236}">
+                <a16:creationId xmlns:a16="http://schemas.microsoft.com/office/drawing/2014/main" id="{17AC7503-B2C5-E141-75ED-CA3200848BAE}"/>
+              </a:ext>
+            </a:extLst>
+          </p:cNvPr>
+          <p:cNvSpPr/>
+          <p:nvPr/>
+        </p:nvSpPr>
+        <p:spPr>
+          <a:xfrm>
+            <a:off x="869495" y="3051112"/>
+            <a:ext cx="2821343" cy="438537"/>
+          </a:xfrm>
+          <a:prstGeom prst="rect">
+            <a:avLst/>
+          </a:prstGeom>
+          <a:solidFill>
+            <a:schemeClr val="accent5">
+              <a:lumMod val="20000"/>
+              <a:lumOff val="80000"/>
+            </a:schemeClr>
+          </a:solidFill>
+        </p:spPr>
+        <p:style>
+          <a:lnRef idx="2">
+            <a:schemeClr val="accent1">
+              <a:shade val="15000"/>
+            </a:schemeClr>
+          </a:lnRef>
+          <a:fillRef idx="1">
+            <a:schemeClr val="accent1"/>
+          </a:fillRef>
+          <a:effectRef idx="0">
+            <a:schemeClr val="accent1"/>
+          </a:effectRef>
+          <a:fontRef idx="minor">
+            <a:schemeClr val="lt1"/>
+          </a:fontRef>
+        </p:style>
+        <p:txBody>
+          <a:bodyPr rtlCol="0" anchor="ctr"/>
+          <a:lstStyle/>
+          <a:p>
+            <a:pPr algn="ctr"/>
+            <a:r>
+              <a:rPr lang="en-US" sz="2400" dirty="0">
+                <a:solidFill>
+                  <a:schemeClr val="tx1"/>
+                </a:solidFill>
+              </a:rPr>
+              <a:t>Workflow Queue</a:t>
+            </a:r>
+          </a:p>
+        </p:txBody>
+      </p:sp>
+      <p:sp>
+        <p:nvSpPr>
+          <p:cNvPr id="14" name="Rectangle 13">
+            <a:extLst>
+              <a:ext uri="{FF2B5EF4-FFF2-40B4-BE49-F238E27FC236}">
+                <a16:creationId xmlns:a16="http://schemas.microsoft.com/office/drawing/2014/main" id="{D16C38DE-562C-3144-962C-7A823E951152}"/>
+              </a:ext>
+            </a:extLst>
+          </p:cNvPr>
+          <p:cNvSpPr/>
+          <p:nvPr/>
+        </p:nvSpPr>
+        <p:spPr>
+          <a:xfrm>
+            <a:off x="5495728" y="3051112"/>
+            <a:ext cx="2704129" cy="377888"/>
+          </a:xfrm>
+          <a:prstGeom prst="rect">
+            <a:avLst/>
+          </a:prstGeom>
+          <a:solidFill>
+            <a:schemeClr val="accent4">
+              <a:lumMod val="20000"/>
+              <a:lumOff val="80000"/>
+            </a:schemeClr>
+          </a:solidFill>
+        </p:spPr>
+        <p:style>
+          <a:lnRef idx="2">
+            <a:schemeClr val="accent1">
+              <a:shade val="15000"/>
+            </a:schemeClr>
+          </a:lnRef>
+          <a:fillRef idx="1">
+            <a:schemeClr val="accent1"/>
+          </a:fillRef>
+          <a:effectRef idx="0">
+            <a:schemeClr val="accent1"/>
+          </a:effectRef>
+          <a:fontRef idx="minor">
+            <a:schemeClr val="lt1"/>
+          </a:fontRef>
+        </p:style>
+        <p:txBody>
+          <a:bodyPr rtlCol="0" anchor="ctr"/>
+          <a:lstStyle/>
+          <a:p>
+            <a:pPr algn="ctr"/>
+            <a:r>
+              <a:rPr lang="en-US" sz="2400" dirty="0">
+                <a:solidFill>
+                  <a:schemeClr val="tx1"/>
+                </a:solidFill>
+              </a:rPr>
+              <a:t>Activity Queue</a:t>
+            </a:r>
+          </a:p>
+        </p:txBody>
+      </p:sp>
+      <p:cxnSp>
+        <p:nvCxnSpPr>
+          <p:cNvPr id="7" name="Straight Arrow Connector 6">
+            <a:extLst>
+              <a:ext uri="{FF2B5EF4-FFF2-40B4-BE49-F238E27FC236}">
+                <a16:creationId xmlns:a16="http://schemas.microsoft.com/office/drawing/2014/main" id="{9D1E9EF7-ED4B-195E-E52E-EE3380B8CCC8}"/>
+              </a:ext>
+            </a:extLst>
+          </p:cNvPr>
+          <p:cNvCxnSpPr>
+            <a:cxnSpLocks/>
+            <a:stCxn id="11" idx="2"/>
+          </p:cNvCxnSpPr>
+          <p:nvPr/>
+        </p:nvCxnSpPr>
+        <p:spPr>
+          <a:xfrm flipH="1">
+            <a:off x="2864498" y="1996751"/>
+            <a:ext cx="20995" cy="548791"/>
+          </a:xfrm>
+          <a:prstGeom prst="straightConnector1">
+            <a:avLst/>
+          </a:prstGeom>
+          <a:ln>
+            <a:headEnd type="triangle"/>
+            <a:tailEnd type="triangle"/>
+          </a:ln>
+        </p:spPr>
+        <p:style>
+          <a:lnRef idx="1">
+            <a:schemeClr val="accent1"/>
+          </a:lnRef>
+          <a:fillRef idx="0">
+            <a:schemeClr val="accent1"/>
+          </a:fillRef>
+          <a:effectRef idx="0">
+            <a:schemeClr val="accent1"/>
+          </a:effectRef>
+          <a:fontRef idx="minor">
+            <a:schemeClr val="tx1"/>
+          </a:fontRef>
+        </p:style>
+      </p:cxnSp>
+      <p:cxnSp>
+        <p:nvCxnSpPr>
+          <p:cNvPr id="16" name="Straight Arrow Connector 15">
+            <a:extLst>
+              <a:ext uri="{FF2B5EF4-FFF2-40B4-BE49-F238E27FC236}">
+                <a16:creationId xmlns:a16="http://schemas.microsoft.com/office/drawing/2014/main" id="{2B24AE9A-856E-1BE2-EAD8-88063ABC119D}"/>
+              </a:ext>
+            </a:extLst>
+          </p:cNvPr>
+          <p:cNvCxnSpPr>
+            <a:cxnSpLocks/>
+          </p:cNvCxnSpPr>
+          <p:nvPr/>
+        </p:nvCxnSpPr>
+        <p:spPr>
+          <a:xfrm flipH="1">
+            <a:off x="5684676" y="1996751"/>
+            <a:ext cx="20995" cy="548791"/>
+          </a:xfrm>
+          <a:prstGeom prst="straightConnector1">
+            <a:avLst/>
+          </a:prstGeom>
+          <a:ln>
+            <a:headEnd type="triangle"/>
+            <a:tailEnd type="triangle"/>
+          </a:ln>
+        </p:spPr>
+        <p:style>
+          <a:lnRef idx="1">
+            <a:schemeClr val="accent1"/>
+          </a:lnRef>
+          <a:fillRef idx="0">
+            <a:schemeClr val="accent1"/>
+          </a:fillRef>
+          <a:effectRef idx="0">
+            <a:schemeClr val="accent1"/>
+          </a:effectRef>
+          <a:fontRef idx="minor">
+            <a:schemeClr val="tx1"/>
+          </a:fontRef>
+        </p:style>
+      </p:cxnSp>
+      <p:cxnSp>
+        <p:nvCxnSpPr>
+          <p:cNvPr id="17" name="Straight Arrow Connector 16">
+            <a:extLst>
+              <a:ext uri="{FF2B5EF4-FFF2-40B4-BE49-F238E27FC236}">
+                <a16:creationId xmlns:a16="http://schemas.microsoft.com/office/drawing/2014/main" id="{7A241834-C593-B733-FFEE-EB3630C7AB19}"/>
+              </a:ext>
+            </a:extLst>
+          </p:cNvPr>
+          <p:cNvCxnSpPr>
+            <a:cxnSpLocks/>
+            <a:endCxn id="5" idx="0"/>
+          </p:cNvCxnSpPr>
+          <p:nvPr/>
+        </p:nvCxnSpPr>
+        <p:spPr>
+          <a:xfrm flipH="1">
+            <a:off x="1467240" y="3489649"/>
+            <a:ext cx="812926" cy="387221"/>
+          </a:xfrm>
+          <a:prstGeom prst="straightConnector1">
+            <a:avLst/>
+          </a:prstGeom>
+          <a:ln>
+            <a:headEnd type="triangle"/>
+            <a:tailEnd type="triangle"/>
+          </a:ln>
+        </p:spPr>
+        <p:style>
+          <a:lnRef idx="1">
+            <a:schemeClr val="accent1"/>
+          </a:lnRef>
+          <a:fillRef idx="0">
+            <a:schemeClr val="accent1"/>
+          </a:fillRef>
+          <a:effectRef idx="0">
+            <a:schemeClr val="accent1"/>
+          </a:effectRef>
+          <a:fontRef idx="minor">
+            <a:schemeClr val="tx1"/>
+          </a:fontRef>
+        </p:style>
+      </p:cxnSp>
+      <p:cxnSp>
+        <p:nvCxnSpPr>
+          <p:cNvPr id="19" name="Straight Arrow Connector 18">
+            <a:extLst>
+              <a:ext uri="{FF2B5EF4-FFF2-40B4-BE49-F238E27FC236}">
+                <a16:creationId xmlns:a16="http://schemas.microsoft.com/office/drawing/2014/main" id="{AF5B479F-043A-8F74-AAB8-07939160CA0F}"/>
+              </a:ext>
+            </a:extLst>
+          </p:cNvPr>
+          <p:cNvCxnSpPr>
+            <a:cxnSpLocks/>
+            <a:stCxn id="14" idx="2"/>
+            <a:endCxn id="10" idx="0"/>
+          </p:cNvCxnSpPr>
+          <p:nvPr/>
+        </p:nvCxnSpPr>
+        <p:spPr>
+          <a:xfrm>
+            <a:off x="6847793" y="3429000"/>
+            <a:ext cx="379935" cy="1852127"/>
+          </a:xfrm>
+          <a:prstGeom prst="straightConnector1">
+            <a:avLst/>
+          </a:prstGeom>
+          <a:ln>
+            <a:headEnd type="triangle"/>
+            <a:tailEnd type="triangle"/>
+          </a:ln>
+        </p:spPr>
+        <p:style>
+          <a:lnRef idx="1">
+            <a:schemeClr val="accent1"/>
+          </a:lnRef>
+          <a:fillRef idx="0">
+            <a:schemeClr val="accent1"/>
+          </a:fillRef>
+          <a:effectRef idx="0">
+            <a:schemeClr val="accent1"/>
+          </a:effectRef>
+          <a:fontRef idx="minor">
+            <a:schemeClr val="tx1"/>
+          </a:fontRef>
+        </p:style>
+      </p:cxnSp>
+      <p:cxnSp>
+        <p:nvCxnSpPr>
+          <p:cNvPr id="24" name="Straight Arrow Connector 23">
+            <a:extLst>
+              <a:ext uri="{FF2B5EF4-FFF2-40B4-BE49-F238E27FC236}">
+                <a16:creationId xmlns:a16="http://schemas.microsoft.com/office/drawing/2014/main" id="{3E951C19-862A-F07D-051E-AE6483CB6D16}"/>
+              </a:ext>
+            </a:extLst>
+          </p:cNvPr>
+          <p:cNvCxnSpPr>
+            <a:cxnSpLocks/>
+            <a:stCxn id="13" idx="2"/>
+            <a:endCxn id="6" idx="0"/>
+          </p:cNvCxnSpPr>
+          <p:nvPr/>
+        </p:nvCxnSpPr>
+        <p:spPr>
+          <a:xfrm>
+            <a:off x="2280167" y="3489649"/>
+            <a:ext cx="1152230" cy="387221"/>
+          </a:xfrm>
+          <a:prstGeom prst="straightConnector1">
+            <a:avLst/>
+          </a:prstGeom>
+          <a:ln>
+            <a:headEnd type="triangle"/>
+            <a:tailEnd type="triangle"/>
+          </a:ln>
+        </p:spPr>
+        <p:style>
+          <a:lnRef idx="1">
+            <a:schemeClr val="accent1"/>
+          </a:lnRef>
+          <a:fillRef idx="0">
+            <a:schemeClr val="accent1"/>
+          </a:fillRef>
+          <a:effectRef idx="0">
+            <a:schemeClr val="accent1"/>
+          </a:effectRef>
+          <a:fontRef idx="minor">
+            <a:schemeClr val="tx1"/>
+          </a:fontRef>
+        </p:style>
+      </p:cxnSp>
+      <p:cxnSp>
+        <p:nvCxnSpPr>
+          <p:cNvPr id="27" name="Straight Arrow Connector 26">
+            <a:extLst>
+              <a:ext uri="{FF2B5EF4-FFF2-40B4-BE49-F238E27FC236}">
+                <a16:creationId xmlns:a16="http://schemas.microsoft.com/office/drawing/2014/main" id="{549EFD5E-D765-AFA6-B38D-A6FAF2218EBA}"/>
+              </a:ext>
+            </a:extLst>
+          </p:cNvPr>
+          <p:cNvCxnSpPr>
+            <a:cxnSpLocks/>
+            <a:stCxn id="9" idx="0"/>
+            <a:endCxn id="14" idx="2"/>
+          </p:cNvCxnSpPr>
+          <p:nvPr/>
+        </p:nvCxnSpPr>
+        <p:spPr>
+          <a:xfrm flipV="1">
+            <a:off x="4484527" y="3429000"/>
+            <a:ext cx="2363266" cy="1852127"/>
+          </a:xfrm>
+          <a:prstGeom prst="straightConnector1">
+            <a:avLst/>
+          </a:prstGeom>
+          <a:ln>
+            <a:headEnd type="triangle"/>
+            <a:tailEnd type="triangle"/>
+          </a:ln>
+        </p:spPr>
+        <p:style>
+          <a:lnRef idx="1">
+            <a:schemeClr val="accent1"/>
+          </a:lnRef>
+          <a:fillRef idx="0">
+            <a:schemeClr val="accent1"/>
+          </a:fillRef>
+          <a:effectRef idx="0">
+            <a:schemeClr val="accent1"/>
+          </a:effectRef>
+          <a:fontRef idx="minor">
+            <a:schemeClr val="tx1"/>
+          </a:fontRef>
+        </p:style>
+      </p:cxnSp>
+      <p:cxnSp>
+        <p:nvCxnSpPr>
+          <p:cNvPr id="29" name="Straight Arrow Connector 28">
+            <a:extLst>
+              <a:ext uri="{FF2B5EF4-FFF2-40B4-BE49-F238E27FC236}">
+                <a16:creationId xmlns:a16="http://schemas.microsoft.com/office/drawing/2014/main" id="{413B5B7C-4ACE-B940-1CE2-E7778E2CB3D3}"/>
+              </a:ext>
+            </a:extLst>
+          </p:cNvPr>
+          <p:cNvCxnSpPr>
+            <a:cxnSpLocks/>
+            <a:stCxn id="14" idx="2"/>
+            <a:endCxn id="8" idx="0"/>
+          </p:cNvCxnSpPr>
+          <p:nvPr/>
+        </p:nvCxnSpPr>
+        <p:spPr>
+          <a:xfrm flipH="1">
+            <a:off x="1741328" y="3429000"/>
+            <a:ext cx="5106465" cy="1852127"/>
+          </a:xfrm>
+          <a:prstGeom prst="straightConnector1">
+            <a:avLst/>
+          </a:prstGeom>
+          <a:ln>
+            <a:headEnd type="triangle"/>
+            <a:tailEnd type="triangle"/>
+          </a:ln>
+        </p:spPr>
+        <p:style>
+          <a:lnRef idx="1">
+            <a:schemeClr val="accent1"/>
+          </a:lnRef>
+          <a:fillRef idx="0">
+            <a:schemeClr val="accent1"/>
+          </a:fillRef>
+          <a:effectRef idx="0">
+            <a:schemeClr val="accent1"/>
+          </a:effectRef>
+          <a:fontRef idx="minor">
+            <a:schemeClr val="tx1"/>
+          </a:fontRef>
+        </p:style>
+      </p:cxnSp>
     </p:spTree>
     <p:extLst>
       <p:ext uri="{BB962C8B-B14F-4D97-AF65-F5344CB8AC3E}">
-        <p14:creationId xmlns:p14="http://schemas.microsoft.com/office/powerpoint/2010/main" val="2158445793"/>
+        <p14:creationId xmlns:p14="http://schemas.microsoft.com/office/powerpoint/2010/main" val="3508756802"/>
+      </p:ext>
+    </p:extLst>
+  </p:cSld>
+  <p:clrMapOvr>
+    <a:masterClrMapping/>
+  </p:clrMapOvr>
+</p:sld>
+</file>
+
+<file path=ppt/slides/slide9.xml><?xml version="1.0" encoding="utf-8"?>
+<p:sld xmlns:a="http://schemas.openxmlformats.org/drawingml/2006/main" xmlns:r="http://schemas.openxmlformats.org/officeDocument/2006/relationships" xmlns:p="http://schemas.openxmlformats.org/presentationml/2006/main">
+  <p:cSld>
+    <p:spTree>
+      <p:nvGrpSpPr>
+        <p:cNvPr id="1" name=""/>
+        <p:cNvGrpSpPr/>
+        <p:nvPr/>
+      </p:nvGrpSpPr>
+      <p:grpSpPr>
+        <a:xfrm>
+          <a:off x="0" y="0"/>
+          <a:ext cx="0" cy="0"/>
+          <a:chOff x="0" y="0"/>
+          <a:chExt cx="0" cy="0"/>
+        </a:xfrm>
+      </p:grpSpPr>
+      <p:sp>
+        <p:nvSpPr>
+          <p:cNvPr id="2" name="Title 1">
+            <a:extLst>
+              <a:ext uri="{FF2B5EF4-FFF2-40B4-BE49-F238E27FC236}">
+                <a16:creationId xmlns:a16="http://schemas.microsoft.com/office/drawing/2014/main" id="{9DB620B6-64EC-EBBB-62A6-B5E0DB94EDCB}"/>
+              </a:ext>
+            </a:extLst>
+          </p:cNvPr>
+          <p:cNvSpPr>
+            <a:spLocks noGrp="1"/>
+          </p:cNvSpPr>
+          <p:nvPr>
+            <p:ph type="title"/>
+          </p:nvPr>
+        </p:nvSpPr>
+        <p:spPr>
+          <a:xfrm>
+            <a:off x="470030" y="159852"/>
+            <a:ext cx="7886700" cy="1325563"/>
+          </a:xfrm>
+        </p:spPr>
+        <p:txBody>
+          <a:bodyPr/>
+          <a:lstStyle/>
+          <a:p>
+            <a:r>
+              <a:rPr lang="en-US" dirty="0"/>
+              <a:t>Roles and players</a:t>
+            </a:r>
+          </a:p>
+        </p:txBody>
+      </p:sp>
+      <p:pic>
+        <p:nvPicPr>
+          <p:cNvPr id="7" name="Picture 6">
+            <a:extLst>
+              <a:ext uri="{FF2B5EF4-FFF2-40B4-BE49-F238E27FC236}">
+                <a16:creationId xmlns:a16="http://schemas.microsoft.com/office/drawing/2014/main" id="{E494799B-6EA4-B52C-D555-727E74FD022B}"/>
+              </a:ext>
+            </a:extLst>
+          </p:cNvPr>
+          <p:cNvPicPr>
+            <a:picLocks noChangeAspect="1"/>
+          </p:cNvPicPr>
+          <p:nvPr/>
+        </p:nvPicPr>
+        <p:blipFill>
+          <a:blip r:embed="rId2"/>
+          <a:stretch>
+            <a:fillRect/>
+          </a:stretch>
+        </p:blipFill>
+        <p:spPr>
+          <a:xfrm>
+            <a:off x="343969" y="1608461"/>
+            <a:ext cx="6067425" cy="4219575"/>
+          </a:xfrm>
+          <a:prstGeom prst="rect">
+            <a:avLst/>
+          </a:prstGeom>
+        </p:spPr>
+      </p:pic>
+      <p:sp>
+        <p:nvSpPr>
+          <p:cNvPr id="8" name="TextBox 7">
+            <a:extLst>
+              <a:ext uri="{FF2B5EF4-FFF2-40B4-BE49-F238E27FC236}">
+                <a16:creationId xmlns:a16="http://schemas.microsoft.com/office/drawing/2014/main" id="{4D2D65F2-9F48-CADF-E2CE-05ACCD322907}"/>
+              </a:ext>
+            </a:extLst>
+          </p:cNvPr>
+          <p:cNvSpPr txBox="1"/>
+          <p:nvPr/>
+        </p:nvSpPr>
+        <p:spPr>
+          <a:xfrm>
+            <a:off x="6811347" y="1315616"/>
+            <a:ext cx="2080726" cy="2308324"/>
+          </a:xfrm>
+          <a:prstGeom prst="rect">
+            <a:avLst/>
+          </a:prstGeom>
+          <a:noFill/>
+        </p:spPr>
+        <p:txBody>
+          <a:bodyPr wrap="square" rtlCol="0">
+            <a:spAutoFit/>
+          </a:bodyPr>
+          <a:lstStyle/>
+          <a:p>
+            <a:r>
+              <a:rPr lang="en-US" dirty="0"/>
+              <a:t>Worklow.py</a:t>
+            </a:r>
+          </a:p>
+          <a:p>
+            <a:endParaRPr lang="en-US" dirty="0"/>
+          </a:p>
+          <a:p>
+            <a:r>
+              <a:rPr lang="en-US" dirty="0"/>
+              <a:t>import temporal</a:t>
+            </a:r>
+          </a:p>
+          <a:p>
+            <a:endParaRPr lang="en-US" dirty="0"/>
+          </a:p>
+          <a:p>
+            <a:r>
+              <a:rPr lang="en-US" dirty="0"/>
+              <a:t>@workflow</a:t>
+            </a:r>
+          </a:p>
+          <a:p>
+            <a:r>
+              <a:rPr lang="en-US" dirty="0"/>
+              <a:t>def LCx2(filename):</a:t>
+            </a:r>
+          </a:p>
+          <a:p>
+            <a:r>
+              <a:rPr lang="en-US" dirty="0"/>
+              <a:t>	@activity</a:t>
+            </a:r>
+          </a:p>
+          <a:p>
+            <a:r>
+              <a:rPr lang="en-US" dirty="0"/>
+              <a:t>	 </a:t>
+            </a:r>
+          </a:p>
+        </p:txBody>
+      </p:sp>
+    </p:spTree>
+    <p:extLst>
+      <p:ext uri="{BB962C8B-B14F-4D97-AF65-F5344CB8AC3E}">
+        <p14:creationId xmlns:p14="http://schemas.microsoft.com/office/powerpoint/2010/main" val="1583517284"/>
       </p:ext>
     </p:extLst>
   </p:cSld>

--- a/Temporal.pptx
+++ b/Temporal.pptx
@@ -10,12 +10,13 @@
     <p:sldId id="258" r:id="rId4"/>
     <p:sldId id="259" r:id="rId5"/>
     <p:sldId id="260" r:id="rId6"/>
-    <p:sldId id="266" r:id="rId7"/>
-    <p:sldId id="264" r:id="rId8"/>
-    <p:sldId id="265" r:id="rId9"/>
-    <p:sldId id="263" r:id="rId10"/>
-    <p:sldId id="261" r:id="rId11"/>
-    <p:sldId id="262" r:id="rId12"/>
+    <p:sldId id="267" r:id="rId7"/>
+    <p:sldId id="266" r:id="rId8"/>
+    <p:sldId id="264" r:id="rId9"/>
+    <p:sldId id="265" r:id="rId10"/>
+    <p:sldId id="263" r:id="rId11"/>
+    <p:sldId id="261" r:id="rId12"/>
+    <p:sldId id="268" r:id="rId13"/>
   </p:sldIdLst>
   <p:sldSz cx="9144000" cy="6858000" type="screen4x3"/>
   <p:notesSz cx="6858000" cy="9144000"/>
@@ -3066,7 +3067,7 @@
           <p:cNvPr id="2" name="Title 1">
             <a:extLst>
               <a:ext uri="{FF2B5EF4-FFF2-40B4-BE49-F238E27FC236}">
-                <a16:creationId xmlns:a16="http://schemas.microsoft.com/office/drawing/2014/main" id="{95D1709A-ADC6-6A1D-F29C-CA82588292E2}"/>
+                <a16:creationId xmlns:a16="http://schemas.microsoft.com/office/drawing/2014/main" id="{9DB620B6-64EC-EBBB-62A6-B5E0DB94EDCB}"/>
               </a:ext>
             </a:extLst>
           </p:cNvPr>
@@ -3077,118 +3078,128 @@
             <p:ph type="title"/>
           </p:nvPr>
         </p:nvSpPr>
-        <p:spPr/>
+        <p:spPr>
+          <a:xfrm>
+            <a:off x="470030" y="159852"/>
+            <a:ext cx="7886700" cy="1325563"/>
+          </a:xfrm>
+        </p:spPr>
         <p:txBody>
           <a:bodyPr/>
           <a:lstStyle/>
           <a:p>
             <a:r>
               <a:rPr lang="en-US" dirty="0"/>
-              <a:t>Our demo</a:t>
-            </a:r>
-          </a:p>
-        </p:txBody>
-      </p:sp>
-      <p:sp>
-        <p:nvSpPr>
-          <p:cNvPr id="3" name="Content Placeholder 2">
+              <a:t>Roles and players</a:t>
+            </a:r>
+          </a:p>
+        </p:txBody>
+      </p:sp>
+      <p:pic>
+        <p:nvPicPr>
+          <p:cNvPr id="7" name="Picture 6">
             <a:extLst>
               <a:ext uri="{FF2B5EF4-FFF2-40B4-BE49-F238E27FC236}">
-                <a16:creationId xmlns:a16="http://schemas.microsoft.com/office/drawing/2014/main" id="{4675A55F-7949-5136-E6FB-CBBD60C24685}"/>
+                <a16:creationId xmlns:a16="http://schemas.microsoft.com/office/drawing/2014/main" id="{E494799B-6EA4-B52C-D555-727E74FD022B}"/>
               </a:ext>
             </a:extLst>
           </p:cNvPr>
-          <p:cNvSpPr>
-            <a:spLocks noGrp="1"/>
-          </p:cNvSpPr>
-          <p:nvPr>
-            <p:ph idx="1"/>
-          </p:nvPr>
-        </p:nvSpPr>
-        <p:spPr/>
-        <p:txBody>
-          <a:bodyPr/>
-          <a:lstStyle/>
-          <a:p>
-            <a:r>
-              <a:rPr lang="en-US" dirty="0"/>
-              <a:t>mockup of </a:t>
-            </a:r>
-            <a:r>
-              <a:rPr lang="en-US" dirty="0" err="1"/>
-              <a:t>backtester</a:t>
-            </a:r>
-            <a:r>
-              <a:rPr lang="en-US" dirty="0"/>
-              <a:t>.</a:t>
-            </a:r>
-          </a:p>
-          <a:p>
-            <a:pPr lvl="1"/>
-            <a:r>
-              <a:rPr lang="en-US" dirty="0"/>
-              <a:t>Load universe</a:t>
-            </a:r>
-          </a:p>
-          <a:p>
-            <a:pPr lvl="1"/>
-            <a:r>
-              <a:rPr lang="en-US" dirty="0"/>
-              <a:t>Load pricing data</a:t>
-            </a:r>
-          </a:p>
-          <a:p>
-            <a:pPr lvl="1"/>
-            <a:r>
-              <a:rPr lang="en-US" dirty="0"/>
-              <a:t>Compute returns</a:t>
-            </a:r>
-          </a:p>
-          <a:p>
-            <a:pPr lvl="1"/>
-            <a:r>
-              <a:rPr lang="en-US" dirty="0"/>
-              <a:t>Load risk matrix</a:t>
-            </a:r>
-          </a:p>
-          <a:p>
-            <a:pPr lvl="1"/>
-            <a:r>
-              <a:rPr lang="en-US" dirty="0"/>
-              <a:t>Run multiple flavors of </a:t>
-            </a:r>
-            <a:r>
-              <a:rPr lang="en-US" dirty="0" err="1"/>
-              <a:t>backtests</a:t>
-            </a:r>
-            <a:r>
-              <a:rPr lang="en-US" dirty="0"/>
-              <a:t> over multiple days</a:t>
-            </a:r>
-          </a:p>
-          <a:p>
-            <a:pPr lvl="1"/>
-            <a:r>
-              <a:rPr lang="en-US" dirty="0"/>
-              <a:t>Run multiple attribution reports on results.</a:t>
-            </a:r>
-          </a:p>
-          <a:p>
-            <a:r>
-              <a:rPr lang="en-US" dirty="0"/>
-              <a:t>Anyone can probably think of his processes in similar terms.</a:t>
-            </a:r>
-          </a:p>
-          <a:p>
-            <a:pPr lvl="1"/>
+          <p:cNvPicPr>
+            <a:picLocks noChangeAspect="1"/>
+          </p:cNvPicPr>
+          <p:nvPr/>
+        </p:nvPicPr>
+        <p:blipFill>
+          <a:blip r:embed="rId2"/>
+          <a:stretch>
+            <a:fillRect/>
+          </a:stretch>
+        </p:blipFill>
+        <p:spPr>
+          <a:xfrm>
+            <a:off x="343969" y="1608461"/>
+            <a:ext cx="6067425" cy="4219575"/>
+          </a:xfrm>
+          <a:prstGeom prst="rect">
+            <a:avLst/>
+          </a:prstGeom>
+        </p:spPr>
+      </p:pic>
+      <p:sp>
+        <p:nvSpPr>
+          <p:cNvPr id="8" name="TextBox 7">
+            <a:extLst>
+              <a:ext uri="{FF2B5EF4-FFF2-40B4-BE49-F238E27FC236}">
+                <a16:creationId xmlns:a16="http://schemas.microsoft.com/office/drawing/2014/main" id="{4D2D65F2-9F48-CADF-E2CE-05ACCD322907}"/>
+              </a:ext>
+            </a:extLst>
+          </p:cNvPr>
+          <p:cNvSpPr txBox="1"/>
+          <p:nvPr/>
+        </p:nvSpPr>
+        <p:spPr>
+          <a:xfrm>
+            <a:off x="6811347" y="1315616"/>
+            <a:ext cx="2080726" cy="2308324"/>
+          </a:xfrm>
+          <a:prstGeom prst="rect">
+            <a:avLst/>
+          </a:prstGeom>
+          <a:noFill/>
+        </p:spPr>
+        <p:txBody>
+          <a:bodyPr wrap="square" rtlCol="0">
+            <a:spAutoFit/>
+          </a:bodyPr>
+          <a:lstStyle/>
+          <a:p>
+            <a:r>
+              <a:rPr lang="en-US" dirty="0"/>
+              <a:t>Worklow.py</a:t>
+            </a:r>
+          </a:p>
+          <a:p>
             <a:endParaRPr lang="en-US" dirty="0"/>
+          </a:p>
+          <a:p>
+            <a:r>
+              <a:rPr lang="en-US" dirty="0"/>
+              <a:t>import temporal</a:t>
+            </a:r>
+          </a:p>
+          <a:p>
+            <a:endParaRPr lang="en-US" dirty="0"/>
+          </a:p>
+          <a:p>
+            <a:r>
+              <a:rPr lang="en-US" dirty="0"/>
+              <a:t>@workflow</a:t>
+            </a:r>
+          </a:p>
+          <a:p>
+            <a:r>
+              <a:rPr lang="en-US" dirty="0"/>
+              <a:t>def LCx2(filename):</a:t>
+            </a:r>
+          </a:p>
+          <a:p>
+            <a:r>
+              <a:rPr lang="en-US" dirty="0"/>
+              <a:t>	@activity</a:t>
+            </a:r>
+          </a:p>
+          <a:p>
+            <a:r>
+              <a:rPr lang="en-US" dirty="0"/>
+              <a:t>	 </a:t>
+            </a:r>
           </a:p>
         </p:txBody>
       </p:sp>
     </p:spTree>
     <p:extLst>
       <p:ext uri="{BB962C8B-B14F-4D97-AF65-F5344CB8AC3E}">
-        <p14:creationId xmlns:p14="http://schemas.microsoft.com/office/powerpoint/2010/main" val="2643189474"/>
+        <p14:creationId xmlns:p14="http://schemas.microsoft.com/office/powerpoint/2010/main" val="1583517284"/>
       </p:ext>
     </p:extLst>
   </p:cSld>
@@ -3217,10 +3228,10 @@
       </p:grpSpPr>
       <p:sp>
         <p:nvSpPr>
-          <p:cNvPr id="5" name="Title 4">
+          <p:cNvPr id="2" name="Title 1">
             <a:extLst>
               <a:ext uri="{FF2B5EF4-FFF2-40B4-BE49-F238E27FC236}">
-                <a16:creationId xmlns:a16="http://schemas.microsoft.com/office/drawing/2014/main" id="{B5A58A4C-3743-869B-9289-4E2FF112EA00}"/>
+                <a16:creationId xmlns:a16="http://schemas.microsoft.com/office/drawing/2014/main" id="{95D1709A-ADC6-6A1D-F29C-CA82588292E2}"/>
               </a:ext>
             </a:extLst>
           </p:cNvPr>
@@ -3236,14 +3247,219 @@
           <a:bodyPr/>
           <a:lstStyle/>
           <a:p>
-            <a:endParaRPr lang="en-US"/>
+            <a:r>
+              <a:rPr lang="en-US" dirty="0"/>
+              <a:t>Our demo</a:t>
+            </a:r>
+          </a:p>
+        </p:txBody>
+      </p:sp>
+      <p:sp>
+        <p:nvSpPr>
+          <p:cNvPr id="3" name="Content Placeholder 2">
+            <a:extLst>
+              <a:ext uri="{FF2B5EF4-FFF2-40B4-BE49-F238E27FC236}">
+                <a16:creationId xmlns:a16="http://schemas.microsoft.com/office/drawing/2014/main" id="{4675A55F-7949-5136-E6FB-CBBD60C24685}"/>
+              </a:ext>
+            </a:extLst>
+          </p:cNvPr>
+          <p:cNvSpPr>
+            <a:spLocks noGrp="1"/>
+          </p:cNvSpPr>
+          <p:nvPr>
+            <p:ph idx="1"/>
+          </p:nvPr>
+        </p:nvSpPr>
+        <p:spPr/>
+        <p:txBody>
+          <a:bodyPr/>
+          <a:lstStyle/>
+          <a:p>
+            <a:r>
+              <a:rPr lang="en-US" dirty="0"/>
+              <a:t>mockup of </a:t>
+            </a:r>
+            <a:r>
+              <a:rPr lang="en-US" dirty="0" err="1"/>
+              <a:t>backtester</a:t>
+            </a:r>
+            <a:r>
+              <a:rPr lang="en-US" dirty="0"/>
+              <a:t>.</a:t>
+            </a:r>
+          </a:p>
+          <a:p>
+            <a:pPr lvl="1"/>
+            <a:r>
+              <a:rPr lang="en-US" dirty="0"/>
+              <a:t>Load universe</a:t>
+            </a:r>
+          </a:p>
+          <a:p>
+            <a:pPr lvl="1"/>
+            <a:r>
+              <a:rPr lang="en-US" dirty="0"/>
+              <a:t>Load pricing data</a:t>
+            </a:r>
+          </a:p>
+          <a:p>
+            <a:pPr lvl="1"/>
+            <a:r>
+              <a:rPr lang="en-US" dirty="0"/>
+              <a:t>Compute returns</a:t>
+            </a:r>
+          </a:p>
+          <a:p>
+            <a:pPr lvl="1"/>
+            <a:r>
+              <a:rPr lang="en-US" dirty="0"/>
+              <a:t>Load risk matrix</a:t>
+            </a:r>
+          </a:p>
+          <a:p>
+            <a:pPr lvl="1"/>
+            <a:r>
+              <a:rPr lang="en-US" dirty="0"/>
+              <a:t>Run multiple flavors of </a:t>
+            </a:r>
+            <a:r>
+              <a:rPr lang="en-US" dirty="0" err="1"/>
+              <a:t>backtests</a:t>
+            </a:r>
+            <a:r>
+              <a:rPr lang="en-US" dirty="0"/>
+              <a:t> over multiple days</a:t>
+            </a:r>
+          </a:p>
+          <a:p>
+            <a:pPr lvl="1"/>
+            <a:r>
+              <a:rPr lang="en-US" dirty="0"/>
+              <a:t>Run multiple attribution reports on results.</a:t>
+            </a:r>
+          </a:p>
+          <a:p>
+            <a:r>
+              <a:rPr lang="en-US" dirty="0"/>
+              <a:t>Anyone can probably think of his processes in similar terms.</a:t>
+            </a:r>
+          </a:p>
+          <a:p>
+            <a:pPr lvl="1"/>
+            <a:endParaRPr lang="en-US" dirty="0"/>
           </a:p>
         </p:txBody>
       </p:sp>
     </p:spTree>
     <p:extLst>
       <p:ext uri="{BB962C8B-B14F-4D97-AF65-F5344CB8AC3E}">
-        <p14:creationId xmlns:p14="http://schemas.microsoft.com/office/powerpoint/2010/main" val="2158445793"/>
+        <p14:creationId xmlns:p14="http://schemas.microsoft.com/office/powerpoint/2010/main" val="2643189474"/>
+      </p:ext>
+    </p:extLst>
+  </p:cSld>
+  <p:clrMapOvr>
+    <a:masterClrMapping/>
+  </p:clrMapOvr>
+</p:sld>
+</file>
+
+<file path=ppt/slides/slide12.xml><?xml version="1.0" encoding="utf-8"?>
+<p:sld xmlns:a="http://schemas.openxmlformats.org/drawingml/2006/main" xmlns:r="http://schemas.openxmlformats.org/officeDocument/2006/relationships" xmlns:p="http://schemas.openxmlformats.org/presentationml/2006/main">
+  <p:cSld>
+    <p:spTree>
+      <p:nvGrpSpPr>
+        <p:cNvPr id="1" name=""/>
+        <p:cNvGrpSpPr/>
+        <p:nvPr/>
+      </p:nvGrpSpPr>
+      <p:grpSpPr>
+        <a:xfrm>
+          <a:off x="0" y="0"/>
+          <a:ext cx="0" cy="0"/>
+          <a:chOff x="0" y="0"/>
+          <a:chExt cx="0" cy="0"/>
+        </a:xfrm>
+      </p:grpSpPr>
+      <p:sp>
+        <p:nvSpPr>
+          <p:cNvPr id="2" name="Title 1">
+            <a:extLst>
+              <a:ext uri="{FF2B5EF4-FFF2-40B4-BE49-F238E27FC236}">
+                <a16:creationId xmlns:a16="http://schemas.microsoft.com/office/drawing/2014/main" id="{95D1709A-ADC6-6A1D-F29C-CA82588292E2}"/>
+              </a:ext>
+            </a:extLst>
+          </p:cNvPr>
+          <p:cNvSpPr>
+            <a:spLocks noGrp="1"/>
+          </p:cNvSpPr>
+          <p:nvPr>
+            <p:ph type="title"/>
+          </p:nvPr>
+        </p:nvSpPr>
+        <p:spPr/>
+        <p:txBody>
+          <a:bodyPr/>
+          <a:lstStyle/>
+          <a:p>
+            <a:r>
+              <a:rPr lang="en-US" dirty="0"/>
+              <a:t>Use cases</a:t>
+            </a:r>
+          </a:p>
+        </p:txBody>
+      </p:sp>
+      <p:sp>
+        <p:nvSpPr>
+          <p:cNvPr id="3" name="Content Placeholder 2">
+            <a:extLst>
+              <a:ext uri="{FF2B5EF4-FFF2-40B4-BE49-F238E27FC236}">
+                <a16:creationId xmlns:a16="http://schemas.microsoft.com/office/drawing/2014/main" id="{4675A55F-7949-5136-E6FB-CBBD60C24685}"/>
+              </a:ext>
+            </a:extLst>
+          </p:cNvPr>
+          <p:cNvSpPr>
+            <a:spLocks noGrp="1"/>
+          </p:cNvSpPr>
+          <p:nvPr>
+            <p:ph idx="1"/>
+          </p:nvPr>
+        </p:nvSpPr>
+        <p:spPr/>
+        <p:txBody>
+          <a:bodyPr>
+            <a:normAutofit/>
+          </a:bodyPr>
+          <a:lstStyle/>
+          <a:p>
+            <a:r>
+              <a:rPr lang="en-US" dirty="0"/>
+              <a:t>Returns loader</a:t>
+            </a:r>
+          </a:p>
+          <a:p>
+            <a:r>
+              <a:rPr lang="en-US" dirty="0" err="1"/>
+              <a:t>Backtesting</a:t>
+            </a:r>
+            <a:endParaRPr lang="en-US" dirty="0"/>
+          </a:p>
+          <a:p>
+            <a:r>
+              <a:rPr lang="en-US" dirty="0" err="1"/>
+              <a:t>Optmization</a:t>
+            </a:r>
+            <a:r>
+              <a:rPr lang="en-US"/>
+              <a:t>-as-a-service</a:t>
+            </a:r>
+            <a:endParaRPr lang="en-US" dirty="0"/>
+          </a:p>
+        </p:txBody>
+      </p:sp>
+    </p:spTree>
+    <p:extLst>
+      <p:ext uri="{BB962C8B-B14F-4D97-AF65-F5344CB8AC3E}">
+        <p14:creationId xmlns:p14="http://schemas.microsoft.com/office/powerpoint/2010/main" val="3964087621"/>
       </p:ext>
     </p:extLst>
   </p:cSld>
@@ -3485,7 +3701,7 @@
           <a:p>
             <a:r>
               <a:rPr lang="en-US" dirty="0"/>
-              <a:t>What our orchestrator is not</a:t>
+              <a:t>What the orchestrator is not</a:t>
             </a:r>
           </a:p>
         </p:txBody>
@@ -3506,7 +3722,12 @@
             <p:ph idx="1"/>
           </p:nvPr>
         </p:nvSpPr>
-        <p:spPr/>
+        <p:spPr>
+          <a:xfrm>
+            <a:off x="628650" y="1573699"/>
+            <a:ext cx="7886700" cy="1234815"/>
+          </a:xfrm>
+        </p:spPr>
         <p:txBody>
           <a:bodyPr/>
           <a:lstStyle/>
@@ -3528,6 +3749,259 @@
             <a:r>
               <a:rPr lang="en-US" dirty="0"/>
               <a:t>Replacement to Kubernetes (complements it)</a:t>
+            </a:r>
+          </a:p>
+        </p:txBody>
+      </p:sp>
+      <p:sp>
+        <p:nvSpPr>
+          <p:cNvPr id="4" name="Title 1">
+            <a:extLst>
+              <a:ext uri="{FF2B5EF4-FFF2-40B4-BE49-F238E27FC236}">
+                <a16:creationId xmlns:a16="http://schemas.microsoft.com/office/drawing/2014/main" id="{A48696C2-CC84-67C3-9B5F-FD4ABF170BFD}"/>
+              </a:ext>
+            </a:extLst>
+          </p:cNvPr>
+          <p:cNvSpPr txBox="1">
+            <a:spLocks/>
+          </p:cNvSpPr>
+          <p:nvPr/>
+        </p:nvSpPr>
+        <p:spPr>
+          <a:xfrm>
+            <a:off x="628650" y="3294938"/>
+            <a:ext cx="7886700" cy="1325563"/>
+          </a:xfrm>
+          <a:prstGeom prst="rect">
+            <a:avLst/>
+          </a:prstGeom>
+        </p:spPr>
+        <p:txBody>
+          <a:bodyPr vert="horz" lIns="91440" tIns="45720" rIns="91440" bIns="45720" rtlCol="0" anchor="ctr">
+            <a:normAutofit/>
+          </a:bodyPr>
+          <a:lstStyle>
+            <a:lvl1pPr algn="l" defTabSz="914400" rtl="0" eaLnBrk="1" latinLnBrk="0" hangingPunct="1">
+              <a:lnSpc>
+                <a:spcPct val="90000"/>
+              </a:lnSpc>
+              <a:spcBef>
+                <a:spcPct val="0"/>
+              </a:spcBef>
+              <a:buNone/>
+              <a:defRPr sz="4400" kern="1200">
+                <a:solidFill>
+                  <a:schemeClr val="tx1"/>
+                </a:solidFill>
+                <a:latin typeface="+mj-lt"/>
+                <a:ea typeface="+mj-ea"/>
+                <a:cs typeface="+mj-cs"/>
+              </a:defRPr>
+            </a:lvl1pPr>
+          </a:lstStyle>
+          <a:p>
+            <a:r>
+              <a:rPr lang="en-US" dirty="0"/>
+              <a:t>What the demo purpose is not </a:t>
+            </a:r>
+          </a:p>
+        </p:txBody>
+      </p:sp>
+      <p:sp>
+        <p:nvSpPr>
+          <p:cNvPr id="5" name="Content Placeholder 2">
+            <a:extLst>
+              <a:ext uri="{FF2B5EF4-FFF2-40B4-BE49-F238E27FC236}">
+                <a16:creationId xmlns:a16="http://schemas.microsoft.com/office/drawing/2014/main" id="{A5BA713D-A874-910F-3EDA-A8D167A65D73}"/>
+              </a:ext>
+            </a:extLst>
+          </p:cNvPr>
+          <p:cNvSpPr txBox="1">
+            <a:spLocks/>
+          </p:cNvSpPr>
+          <p:nvPr/>
+        </p:nvSpPr>
+        <p:spPr>
+          <a:xfrm>
+            <a:off x="628650" y="4503511"/>
+            <a:ext cx="7886700" cy="1234815"/>
+          </a:xfrm>
+          <a:prstGeom prst="rect">
+            <a:avLst/>
+          </a:prstGeom>
+        </p:spPr>
+        <p:txBody>
+          <a:bodyPr vert="horz" lIns="91440" tIns="45720" rIns="91440" bIns="45720" rtlCol="0">
+            <a:normAutofit/>
+          </a:bodyPr>
+          <a:lstStyle>
+            <a:lvl1pPr marL="228600" indent="-228600" algn="l" defTabSz="914400" rtl="0" eaLnBrk="1" latinLnBrk="0" hangingPunct="1">
+              <a:lnSpc>
+                <a:spcPct val="90000"/>
+              </a:lnSpc>
+              <a:spcBef>
+                <a:spcPts val="1000"/>
+              </a:spcBef>
+              <a:buFont typeface="Arial" panose="020B0604020202020204" pitchFamily="34" charset="0"/>
+              <a:buChar char="•"/>
+              <a:defRPr sz="2800" kern="1200">
+                <a:solidFill>
+                  <a:schemeClr val="tx1"/>
+                </a:solidFill>
+                <a:latin typeface="+mn-lt"/>
+                <a:ea typeface="+mn-ea"/>
+                <a:cs typeface="+mn-cs"/>
+              </a:defRPr>
+            </a:lvl1pPr>
+            <a:lvl2pPr marL="685800" indent="-228600" algn="l" defTabSz="914400" rtl="0" eaLnBrk="1" latinLnBrk="0" hangingPunct="1">
+              <a:lnSpc>
+                <a:spcPct val="90000"/>
+              </a:lnSpc>
+              <a:spcBef>
+                <a:spcPts val="500"/>
+              </a:spcBef>
+              <a:buFont typeface="Arial" panose="020B0604020202020204" pitchFamily="34" charset="0"/>
+              <a:buChar char="•"/>
+              <a:defRPr sz="2400" kern="1200">
+                <a:solidFill>
+                  <a:schemeClr val="tx1"/>
+                </a:solidFill>
+                <a:latin typeface="+mn-lt"/>
+                <a:ea typeface="+mn-ea"/>
+                <a:cs typeface="+mn-cs"/>
+              </a:defRPr>
+            </a:lvl2pPr>
+            <a:lvl3pPr marL="1143000" indent="-228600" algn="l" defTabSz="914400" rtl="0" eaLnBrk="1" latinLnBrk="0" hangingPunct="1">
+              <a:lnSpc>
+                <a:spcPct val="90000"/>
+              </a:lnSpc>
+              <a:spcBef>
+                <a:spcPts val="500"/>
+              </a:spcBef>
+              <a:buFont typeface="Arial" panose="020B0604020202020204" pitchFamily="34" charset="0"/>
+              <a:buChar char="•"/>
+              <a:defRPr sz="2000" kern="1200">
+                <a:solidFill>
+                  <a:schemeClr val="tx1"/>
+                </a:solidFill>
+                <a:latin typeface="+mn-lt"/>
+                <a:ea typeface="+mn-ea"/>
+                <a:cs typeface="+mn-cs"/>
+              </a:defRPr>
+            </a:lvl3pPr>
+            <a:lvl4pPr marL="1600200" indent="-228600" algn="l" defTabSz="914400" rtl="0" eaLnBrk="1" latinLnBrk="0" hangingPunct="1">
+              <a:lnSpc>
+                <a:spcPct val="90000"/>
+              </a:lnSpc>
+              <a:spcBef>
+                <a:spcPts val="500"/>
+              </a:spcBef>
+              <a:buFont typeface="Arial" panose="020B0604020202020204" pitchFamily="34" charset="0"/>
+              <a:buChar char="•"/>
+              <a:defRPr sz="1800" kern="1200">
+                <a:solidFill>
+                  <a:schemeClr val="tx1"/>
+                </a:solidFill>
+                <a:latin typeface="+mn-lt"/>
+                <a:ea typeface="+mn-ea"/>
+                <a:cs typeface="+mn-cs"/>
+              </a:defRPr>
+            </a:lvl4pPr>
+            <a:lvl5pPr marL="2057400" indent="-228600" algn="l" defTabSz="914400" rtl="0" eaLnBrk="1" latinLnBrk="0" hangingPunct="1">
+              <a:lnSpc>
+                <a:spcPct val="90000"/>
+              </a:lnSpc>
+              <a:spcBef>
+                <a:spcPts val="500"/>
+              </a:spcBef>
+              <a:buFont typeface="Arial" panose="020B0604020202020204" pitchFamily="34" charset="0"/>
+              <a:buChar char="•"/>
+              <a:defRPr sz="1800" kern="1200">
+                <a:solidFill>
+                  <a:schemeClr val="tx1"/>
+                </a:solidFill>
+                <a:latin typeface="+mn-lt"/>
+                <a:ea typeface="+mn-ea"/>
+                <a:cs typeface="+mn-cs"/>
+              </a:defRPr>
+            </a:lvl5pPr>
+            <a:lvl6pPr marL="2514600" indent="-228600" algn="l" defTabSz="914400" rtl="0" eaLnBrk="1" latinLnBrk="0" hangingPunct="1">
+              <a:lnSpc>
+                <a:spcPct val="90000"/>
+              </a:lnSpc>
+              <a:spcBef>
+                <a:spcPts val="500"/>
+              </a:spcBef>
+              <a:buFont typeface="Arial" panose="020B0604020202020204" pitchFamily="34" charset="0"/>
+              <a:buChar char="•"/>
+              <a:defRPr sz="1800" kern="1200">
+                <a:solidFill>
+                  <a:schemeClr val="tx1"/>
+                </a:solidFill>
+                <a:latin typeface="+mn-lt"/>
+                <a:ea typeface="+mn-ea"/>
+                <a:cs typeface="+mn-cs"/>
+              </a:defRPr>
+            </a:lvl6pPr>
+            <a:lvl7pPr marL="2971800" indent="-228600" algn="l" defTabSz="914400" rtl="0" eaLnBrk="1" latinLnBrk="0" hangingPunct="1">
+              <a:lnSpc>
+                <a:spcPct val="90000"/>
+              </a:lnSpc>
+              <a:spcBef>
+                <a:spcPts val="500"/>
+              </a:spcBef>
+              <a:buFont typeface="Arial" panose="020B0604020202020204" pitchFamily="34" charset="0"/>
+              <a:buChar char="•"/>
+              <a:defRPr sz="1800" kern="1200">
+                <a:solidFill>
+                  <a:schemeClr val="tx1"/>
+                </a:solidFill>
+                <a:latin typeface="+mn-lt"/>
+                <a:ea typeface="+mn-ea"/>
+                <a:cs typeface="+mn-cs"/>
+              </a:defRPr>
+            </a:lvl7pPr>
+            <a:lvl8pPr marL="3429000" indent="-228600" algn="l" defTabSz="914400" rtl="0" eaLnBrk="1" latinLnBrk="0" hangingPunct="1">
+              <a:lnSpc>
+                <a:spcPct val="90000"/>
+              </a:lnSpc>
+              <a:spcBef>
+                <a:spcPts val="500"/>
+              </a:spcBef>
+              <a:buFont typeface="Arial" panose="020B0604020202020204" pitchFamily="34" charset="0"/>
+              <a:buChar char="•"/>
+              <a:defRPr sz="1800" kern="1200">
+                <a:solidFill>
+                  <a:schemeClr val="tx1"/>
+                </a:solidFill>
+                <a:latin typeface="+mn-lt"/>
+                <a:ea typeface="+mn-ea"/>
+                <a:cs typeface="+mn-cs"/>
+              </a:defRPr>
+            </a:lvl8pPr>
+            <a:lvl9pPr marL="3886200" indent="-228600" algn="l" defTabSz="914400" rtl="0" eaLnBrk="1" latinLnBrk="0" hangingPunct="1">
+              <a:lnSpc>
+                <a:spcPct val="90000"/>
+              </a:lnSpc>
+              <a:spcBef>
+                <a:spcPts val="500"/>
+              </a:spcBef>
+              <a:buFont typeface="Arial" panose="020B0604020202020204" pitchFamily="34" charset="0"/>
+              <a:buChar char="•"/>
+              <a:defRPr sz="1800" kern="1200">
+                <a:solidFill>
+                  <a:schemeClr val="tx1"/>
+                </a:solidFill>
+                <a:latin typeface="+mn-lt"/>
+                <a:ea typeface="+mn-ea"/>
+                <a:cs typeface="+mn-cs"/>
+              </a:defRPr>
+            </a:lvl9pPr>
+          </a:lstStyle>
+          <a:p>
+            <a:r>
+              <a:rPr lang="en-US" dirty="0"/>
+              <a:t>Sales pitch for temporal.ai specifically</a:t>
             </a:r>
           </a:p>
         </p:txBody>
@@ -3614,7 +4088,7 @@
         <p:spPr>
           <a:xfrm>
             <a:off x="628650" y="1436914"/>
-            <a:ext cx="7886700" cy="4740049"/>
+            <a:ext cx="7886700" cy="5055960"/>
           </a:xfrm>
         </p:spPr>
         <p:txBody>
@@ -3625,40 +4099,46 @@
           <a:p>
             <a:r>
               <a:rPr lang="en-US" dirty="0"/>
+              <a:t>Durable execution ™</a:t>
+            </a:r>
+          </a:p>
+          <a:p>
+            <a:pPr lvl="1"/>
+            <a:r>
+              <a:rPr lang="en-US" dirty="0"/>
+              <a:t>Recovery from resource failure</a:t>
+            </a:r>
+          </a:p>
+          <a:p>
+            <a:pPr lvl="1"/>
+            <a:r>
+              <a:rPr lang="en-US" dirty="0"/>
+              <a:t>“Checkpoints” of calculation for fast reruns</a:t>
+            </a:r>
+          </a:p>
+          <a:p>
+            <a:pPr lvl="1"/>
+            <a:r>
+              <a:rPr lang="en-US" dirty="0"/>
+              <a:t>Transactional maintenance of the state of execution</a:t>
+            </a:r>
+          </a:p>
+          <a:p>
+            <a:r>
+              <a:rPr lang="en-US" dirty="0"/>
+              <a:t>Inter-process data exchange (by value or “reference”)</a:t>
+            </a:r>
+          </a:p>
+          <a:p>
+            <a:r>
+              <a:rPr lang="en-US" dirty="0"/>
               <a:t>Defining dependency structure as code</a:t>
             </a:r>
           </a:p>
           <a:p>
             <a:r>
               <a:rPr lang="en-US" dirty="0"/>
-              <a:t>Durable execution ™</a:t>
-            </a:r>
-          </a:p>
-          <a:p>
-            <a:pPr lvl="1"/>
-            <a:r>
-              <a:rPr lang="en-US" dirty="0"/>
-              <a:t>Recovery from resource failure</a:t>
-            </a:r>
-          </a:p>
-          <a:p>
-            <a:pPr lvl="1"/>
-            <a:r>
-              <a:rPr lang="en-US" dirty="0"/>
-              <a:t>“Checkpoints” of calculation for fast reruns</a:t>
-            </a:r>
-          </a:p>
-          <a:p>
-            <a:pPr lvl="1"/>
-            <a:r>
-              <a:rPr lang="en-US" dirty="0"/>
-              <a:t>Transactional maintenance of the state of execution</a:t>
-            </a:r>
-          </a:p>
-          <a:p>
-            <a:r>
-              <a:rPr lang="en-US" dirty="0"/>
-              <a:t>Inter-process data exchange (by value or “reference”)</a:t>
+              <a:t>Framework for remote function calls </a:t>
             </a:r>
           </a:p>
           <a:p>
@@ -3670,7 +4150,7 @@
           <a:p>
             <a:r>
               <a:rPr lang="en-US" dirty="0"/>
-              <a:t>Heartbeats and signaling</a:t>
+              <a:t>Heartbeats and signaling (not covered today)</a:t>
             </a:r>
           </a:p>
           <a:p>
@@ -3946,6 +4426,326 @@
           <a:chExt cx="0" cy="0"/>
         </a:xfrm>
       </p:grpSpPr>
+      <p:pic>
+        <p:nvPicPr>
+          <p:cNvPr id="6" name="Picture 5">
+            <a:extLst>
+              <a:ext uri="{FF2B5EF4-FFF2-40B4-BE49-F238E27FC236}">
+                <a16:creationId xmlns:a16="http://schemas.microsoft.com/office/drawing/2014/main" id="{14FEBD1A-FDF5-D2FE-3010-4B196707ABE9}"/>
+              </a:ext>
+            </a:extLst>
+          </p:cNvPr>
+          <p:cNvPicPr>
+            <a:picLocks noChangeAspect="1"/>
+          </p:cNvPicPr>
+          <p:nvPr/>
+        </p:nvPicPr>
+        <p:blipFill>
+          <a:blip r:embed="rId2"/>
+          <a:stretch>
+            <a:fillRect/>
+          </a:stretch>
+        </p:blipFill>
+        <p:spPr>
+          <a:xfrm>
+            <a:off x="523437" y="506437"/>
+            <a:ext cx="7652521" cy="5791725"/>
+          </a:xfrm>
+          <a:prstGeom prst="rect">
+            <a:avLst/>
+          </a:prstGeom>
+        </p:spPr>
+      </p:pic>
+      <p:sp>
+        <p:nvSpPr>
+          <p:cNvPr id="7" name="Rectangle 6">
+            <a:extLst>
+              <a:ext uri="{FF2B5EF4-FFF2-40B4-BE49-F238E27FC236}">
+                <a16:creationId xmlns:a16="http://schemas.microsoft.com/office/drawing/2014/main" id="{01FE6D4F-9527-AB80-882F-B110CB4ED647}"/>
+              </a:ext>
+            </a:extLst>
+          </p:cNvPr>
+          <p:cNvSpPr/>
+          <p:nvPr/>
+        </p:nvSpPr>
+        <p:spPr>
+          <a:xfrm>
+            <a:off x="1054359" y="503853"/>
+            <a:ext cx="1558212" cy="186612"/>
+          </a:xfrm>
+          <a:prstGeom prst="rect">
+            <a:avLst/>
+          </a:prstGeom>
+          <a:noFill/>
+          <a:ln w="25400">
+            <a:solidFill>
+              <a:srgbClr val="C00000"/>
+            </a:solidFill>
+          </a:ln>
+        </p:spPr>
+        <p:style>
+          <a:lnRef idx="2">
+            <a:schemeClr val="accent1">
+              <a:shade val="15000"/>
+            </a:schemeClr>
+          </a:lnRef>
+          <a:fillRef idx="1">
+            <a:schemeClr val="accent1"/>
+          </a:fillRef>
+          <a:effectRef idx="0">
+            <a:schemeClr val="accent1"/>
+          </a:effectRef>
+          <a:fontRef idx="minor">
+            <a:schemeClr val="lt1"/>
+          </a:fontRef>
+        </p:style>
+        <p:txBody>
+          <a:bodyPr rtlCol="0" anchor="ctr"/>
+          <a:lstStyle/>
+          <a:p>
+            <a:pPr algn="ctr"/>
+            <a:endParaRPr lang="en-US"/>
+          </a:p>
+        </p:txBody>
+      </p:sp>
+      <p:sp>
+        <p:nvSpPr>
+          <p:cNvPr id="8" name="Rectangle 7">
+            <a:extLst>
+              <a:ext uri="{FF2B5EF4-FFF2-40B4-BE49-F238E27FC236}">
+                <a16:creationId xmlns:a16="http://schemas.microsoft.com/office/drawing/2014/main" id="{E5016EDA-BBA0-7B4D-E954-B9B391A1BDE6}"/>
+              </a:ext>
+            </a:extLst>
+          </p:cNvPr>
+          <p:cNvSpPr/>
+          <p:nvPr/>
+        </p:nvSpPr>
+        <p:spPr>
+          <a:xfrm>
+            <a:off x="1054358" y="852196"/>
+            <a:ext cx="3517641" cy="678024"/>
+          </a:xfrm>
+          <a:prstGeom prst="rect">
+            <a:avLst/>
+          </a:prstGeom>
+          <a:noFill/>
+          <a:ln w="25400">
+            <a:solidFill>
+              <a:srgbClr val="C00000"/>
+            </a:solidFill>
+          </a:ln>
+        </p:spPr>
+        <p:style>
+          <a:lnRef idx="2">
+            <a:schemeClr val="accent1">
+              <a:shade val="15000"/>
+            </a:schemeClr>
+          </a:lnRef>
+          <a:fillRef idx="1">
+            <a:schemeClr val="accent1"/>
+          </a:fillRef>
+          <a:effectRef idx="0">
+            <a:schemeClr val="accent1"/>
+          </a:effectRef>
+          <a:fontRef idx="minor">
+            <a:schemeClr val="lt1"/>
+          </a:fontRef>
+        </p:style>
+        <p:txBody>
+          <a:bodyPr rtlCol="0" anchor="ctr"/>
+          <a:lstStyle/>
+          <a:p>
+            <a:pPr algn="ctr"/>
+            <a:endParaRPr lang="en-US"/>
+          </a:p>
+        </p:txBody>
+      </p:sp>
+      <p:sp>
+        <p:nvSpPr>
+          <p:cNvPr id="9" name="Rectangle 8">
+            <a:extLst>
+              <a:ext uri="{FF2B5EF4-FFF2-40B4-BE49-F238E27FC236}">
+                <a16:creationId xmlns:a16="http://schemas.microsoft.com/office/drawing/2014/main" id="{DDBB3E51-BE65-FAA2-F97C-87BE44984717}"/>
+              </a:ext>
+            </a:extLst>
+          </p:cNvPr>
+          <p:cNvSpPr/>
+          <p:nvPr/>
+        </p:nvSpPr>
+        <p:spPr>
+          <a:xfrm>
+            <a:off x="1054358" y="2015412"/>
+            <a:ext cx="3517641" cy="242596"/>
+          </a:xfrm>
+          <a:prstGeom prst="rect">
+            <a:avLst/>
+          </a:prstGeom>
+          <a:noFill/>
+          <a:ln w="25400">
+            <a:solidFill>
+              <a:srgbClr val="C00000"/>
+            </a:solidFill>
+          </a:ln>
+        </p:spPr>
+        <p:style>
+          <a:lnRef idx="2">
+            <a:schemeClr val="accent1">
+              <a:shade val="15000"/>
+            </a:schemeClr>
+          </a:lnRef>
+          <a:fillRef idx="1">
+            <a:schemeClr val="accent1"/>
+          </a:fillRef>
+          <a:effectRef idx="0">
+            <a:schemeClr val="accent1"/>
+          </a:effectRef>
+          <a:fontRef idx="minor">
+            <a:schemeClr val="lt1"/>
+          </a:fontRef>
+        </p:style>
+        <p:txBody>
+          <a:bodyPr rtlCol="0" anchor="ctr"/>
+          <a:lstStyle/>
+          <a:p>
+            <a:pPr algn="ctr"/>
+            <a:endParaRPr lang="en-US"/>
+          </a:p>
+        </p:txBody>
+      </p:sp>
+      <p:sp>
+        <p:nvSpPr>
+          <p:cNvPr id="10" name="Rectangle 9">
+            <a:extLst>
+              <a:ext uri="{FF2B5EF4-FFF2-40B4-BE49-F238E27FC236}">
+                <a16:creationId xmlns:a16="http://schemas.microsoft.com/office/drawing/2014/main" id="{C18F6BC7-85D9-5F47-4495-17C92D7D2D52}"/>
+              </a:ext>
+            </a:extLst>
+          </p:cNvPr>
+          <p:cNvSpPr/>
+          <p:nvPr/>
+        </p:nvSpPr>
+        <p:spPr>
+          <a:xfrm>
+            <a:off x="1054358" y="2258008"/>
+            <a:ext cx="4534679" cy="242596"/>
+          </a:xfrm>
+          <a:prstGeom prst="rect">
+            <a:avLst/>
+          </a:prstGeom>
+          <a:noFill/>
+          <a:ln w="25400">
+            <a:solidFill>
+              <a:srgbClr val="C00000"/>
+            </a:solidFill>
+          </a:ln>
+        </p:spPr>
+        <p:style>
+          <a:lnRef idx="2">
+            <a:schemeClr val="accent1">
+              <a:shade val="15000"/>
+            </a:schemeClr>
+          </a:lnRef>
+          <a:fillRef idx="1">
+            <a:schemeClr val="accent1"/>
+          </a:fillRef>
+          <a:effectRef idx="0">
+            <a:schemeClr val="accent1"/>
+          </a:effectRef>
+          <a:fontRef idx="minor">
+            <a:schemeClr val="lt1"/>
+          </a:fontRef>
+        </p:style>
+        <p:txBody>
+          <a:bodyPr rtlCol="0" anchor="ctr"/>
+          <a:lstStyle/>
+          <a:p>
+            <a:pPr algn="ctr"/>
+            <a:endParaRPr lang="en-US"/>
+          </a:p>
+        </p:txBody>
+      </p:sp>
+      <p:sp>
+        <p:nvSpPr>
+          <p:cNvPr id="11" name="Rectangle 10">
+            <a:extLst>
+              <a:ext uri="{FF2B5EF4-FFF2-40B4-BE49-F238E27FC236}">
+                <a16:creationId xmlns:a16="http://schemas.microsoft.com/office/drawing/2014/main" id="{472EB178-FD26-7832-16F3-F405137377E5}"/>
+              </a:ext>
+            </a:extLst>
+          </p:cNvPr>
+          <p:cNvSpPr/>
+          <p:nvPr/>
+        </p:nvSpPr>
+        <p:spPr>
+          <a:xfrm>
+            <a:off x="1054357" y="5993363"/>
+            <a:ext cx="2957805" cy="242596"/>
+          </a:xfrm>
+          <a:prstGeom prst="rect">
+            <a:avLst/>
+          </a:prstGeom>
+          <a:noFill/>
+          <a:ln w="25400">
+            <a:solidFill>
+              <a:srgbClr val="C00000"/>
+            </a:solidFill>
+          </a:ln>
+        </p:spPr>
+        <p:style>
+          <a:lnRef idx="2">
+            <a:schemeClr val="accent1">
+              <a:shade val="15000"/>
+            </a:schemeClr>
+          </a:lnRef>
+          <a:fillRef idx="1">
+            <a:schemeClr val="accent1"/>
+          </a:fillRef>
+          <a:effectRef idx="0">
+            <a:schemeClr val="accent1"/>
+          </a:effectRef>
+          <a:fontRef idx="minor">
+            <a:schemeClr val="lt1"/>
+          </a:fontRef>
+        </p:style>
+        <p:txBody>
+          <a:bodyPr rtlCol="0" anchor="ctr"/>
+          <a:lstStyle/>
+          <a:p>
+            <a:pPr algn="ctr"/>
+            <a:endParaRPr lang="en-US"/>
+          </a:p>
+        </p:txBody>
+      </p:sp>
+    </p:spTree>
+    <p:extLst>
+      <p:ext uri="{BB962C8B-B14F-4D97-AF65-F5344CB8AC3E}">
+        <p14:creationId xmlns:p14="http://schemas.microsoft.com/office/powerpoint/2010/main" val="1173248039"/>
+      </p:ext>
+    </p:extLst>
+  </p:cSld>
+  <p:clrMapOvr>
+    <a:masterClrMapping/>
+  </p:clrMapOvr>
+</p:sld>
+</file>
+
+<file path=ppt/slides/slide7.xml><?xml version="1.0" encoding="utf-8"?>
+<p:sld xmlns:a="http://schemas.openxmlformats.org/drawingml/2006/main" xmlns:r="http://schemas.openxmlformats.org/officeDocument/2006/relationships" xmlns:p="http://schemas.openxmlformats.org/presentationml/2006/main">
+  <p:cSld>
+    <p:spTree>
+      <p:nvGrpSpPr>
+        <p:cNvPr id="1" name=""/>
+        <p:cNvGrpSpPr/>
+        <p:nvPr/>
+      </p:nvGrpSpPr>
+      <p:grpSpPr>
+        <a:xfrm>
+          <a:off x="0" y="0"/>
+          <a:ext cx="0" cy="0"/>
+          <a:chOff x="0" y="0"/>
+          <a:chExt cx="0" cy="0"/>
+        </a:xfrm>
+      </p:grpSpPr>
       <p:sp>
         <p:nvSpPr>
           <p:cNvPr id="2" name="Title 1">
@@ -4789,7 +5589,7 @@
 </p:sld>
 </file>
 
-<file path=ppt/slides/slide7.xml><?xml version="1.0" encoding="utf-8"?>
+<file path=ppt/slides/slide8.xml><?xml version="1.0" encoding="utf-8"?>
 <p:sld xmlns:a="http://schemas.openxmlformats.org/drawingml/2006/main" xmlns:r="http://schemas.openxmlformats.org/officeDocument/2006/relationships" xmlns:p="http://schemas.openxmlformats.org/presentationml/2006/main">
   <p:cSld>
     <p:spTree>
@@ -5966,7 +6766,7 @@
 </p:sld>
 </file>
 
-<file path=ppt/slides/slide8.xml><?xml version="1.0" encoding="utf-8"?>
+<file path=ppt/slides/slide9.xml><?xml version="1.0" encoding="utf-8"?>
 <p:sld xmlns:a="http://schemas.openxmlformats.org/drawingml/2006/main" xmlns:r="http://schemas.openxmlformats.org/officeDocument/2006/relationships" xmlns:p="http://schemas.openxmlformats.org/presentationml/2006/main">
   <p:cSld>
     <p:spTree>
@@ -7079,170 +7879,6 @@
     <p:extLst>
       <p:ext uri="{BB962C8B-B14F-4D97-AF65-F5344CB8AC3E}">
         <p14:creationId xmlns:p14="http://schemas.microsoft.com/office/powerpoint/2010/main" val="3508756802"/>
-      </p:ext>
-    </p:extLst>
-  </p:cSld>
-  <p:clrMapOvr>
-    <a:masterClrMapping/>
-  </p:clrMapOvr>
-</p:sld>
-</file>
-
-<file path=ppt/slides/slide9.xml><?xml version="1.0" encoding="utf-8"?>
-<p:sld xmlns:a="http://schemas.openxmlformats.org/drawingml/2006/main" xmlns:r="http://schemas.openxmlformats.org/officeDocument/2006/relationships" xmlns:p="http://schemas.openxmlformats.org/presentationml/2006/main">
-  <p:cSld>
-    <p:spTree>
-      <p:nvGrpSpPr>
-        <p:cNvPr id="1" name=""/>
-        <p:cNvGrpSpPr/>
-        <p:nvPr/>
-      </p:nvGrpSpPr>
-      <p:grpSpPr>
-        <a:xfrm>
-          <a:off x="0" y="0"/>
-          <a:ext cx="0" cy="0"/>
-          <a:chOff x="0" y="0"/>
-          <a:chExt cx="0" cy="0"/>
-        </a:xfrm>
-      </p:grpSpPr>
-      <p:sp>
-        <p:nvSpPr>
-          <p:cNvPr id="2" name="Title 1">
-            <a:extLst>
-              <a:ext uri="{FF2B5EF4-FFF2-40B4-BE49-F238E27FC236}">
-                <a16:creationId xmlns:a16="http://schemas.microsoft.com/office/drawing/2014/main" id="{9DB620B6-64EC-EBBB-62A6-B5E0DB94EDCB}"/>
-              </a:ext>
-            </a:extLst>
-          </p:cNvPr>
-          <p:cNvSpPr>
-            <a:spLocks noGrp="1"/>
-          </p:cNvSpPr>
-          <p:nvPr>
-            <p:ph type="title"/>
-          </p:nvPr>
-        </p:nvSpPr>
-        <p:spPr>
-          <a:xfrm>
-            <a:off x="470030" y="159852"/>
-            <a:ext cx="7886700" cy="1325563"/>
-          </a:xfrm>
-        </p:spPr>
-        <p:txBody>
-          <a:bodyPr/>
-          <a:lstStyle/>
-          <a:p>
-            <a:r>
-              <a:rPr lang="en-US" dirty="0"/>
-              <a:t>Roles and players</a:t>
-            </a:r>
-          </a:p>
-        </p:txBody>
-      </p:sp>
-      <p:pic>
-        <p:nvPicPr>
-          <p:cNvPr id="7" name="Picture 6">
-            <a:extLst>
-              <a:ext uri="{FF2B5EF4-FFF2-40B4-BE49-F238E27FC236}">
-                <a16:creationId xmlns:a16="http://schemas.microsoft.com/office/drawing/2014/main" id="{E494799B-6EA4-B52C-D555-727E74FD022B}"/>
-              </a:ext>
-            </a:extLst>
-          </p:cNvPr>
-          <p:cNvPicPr>
-            <a:picLocks noChangeAspect="1"/>
-          </p:cNvPicPr>
-          <p:nvPr/>
-        </p:nvPicPr>
-        <p:blipFill>
-          <a:blip r:embed="rId2"/>
-          <a:stretch>
-            <a:fillRect/>
-          </a:stretch>
-        </p:blipFill>
-        <p:spPr>
-          <a:xfrm>
-            <a:off x="343969" y="1608461"/>
-            <a:ext cx="6067425" cy="4219575"/>
-          </a:xfrm>
-          <a:prstGeom prst="rect">
-            <a:avLst/>
-          </a:prstGeom>
-        </p:spPr>
-      </p:pic>
-      <p:sp>
-        <p:nvSpPr>
-          <p:cNvPr id="8" name="TextBox 7">
-            <a:extLst>
-              <a:ext uri="{FF2B5EF4-FFF2-40B4-BE49-F238E27FC236}">
-                <a16:creationId xmlns:a16="http://schemas.microsoft.com/office/drawing/2014/main" id="{4D2D65F2-9F48-CADF-E2CE-05ACCD322907}"/>
-              </a:ext>
-            </a:extLst>
-          </p:cNvPr>
-          <p:cNvSpPr txBox="1"/>
-          <p:nvPr/>
-        </p:nvSpPr>
-        <p:spPr>
-          <a:xfrm>
-            <a:off x="6811347" y="1315616"/>
-            <a:ext cx="2080726" cy="2308324"/>
-          </a:xfrm>
-          <a:prstGeom prst="rect">
-            <a:avLst/>
-          </a:prstGeom>
-          <a:noFill/>
-        </p:spPr>
-        <p:txBody>
-          <a:bodyPr wrap="square" rtlCol="0">
-            <a:spAutoFit/>
-          </a:bodyPr>
-          <a:lstStyle/>
-          <a:p>
-            <a:r>
-              <a:rPr lang="en-US" dirty="0"/>
-              <a:t>Worklow.py</a:t>
-            </a:r>
-          </a:p>
-          <a:p>
-            <a:endParaRPr lang="en-US" dirty="0"/>
-          </a:p>
-          <a:p>
-            <a:r>
-              <a:rPr lang="en-US" dirty="0"/>
-              <a:t>import temporal</a:t>
-            </a:r>
-          </a:p>
-          <a:p>
-            <a:endParaRPr lang="en-US" dirty="0"/>
-          </a:p>
-          <a:p>
-            <a:r>
-              <a:rPr lang="en-US" dirty="0"/>
-              <a:t>@workflow</a:t>
-            </a:r>
-          </a:p>
-          <a:p>
-            <a:r>
-              <a:rPr lang="en-US" dirty="0"/>
-              <a:t>def LCx2(filename):</a:t>
-            </a:r>
-          </a:p>
-          <a:p>
-            <a:r>
-              <a:rPr lang="en-US" dirty="0"/>
-              <a:t>	@activity</a:t>
-            </a:r>
-          </a:p>
-          <a:p>
-            <a:r>
-              <a:rPr lang="en-US" dirty="0"/>
-              <a:t>	 </a:t>
-            </a:r>
-          </a:p>
-        </p:txBody>
-      </p:sp>
-    </p:spTree>
-    <p:extLst>
-      <p:ext uri="{BB962C8B-B14F-4D97-AF65-F5344CB8AC3E}">
-        <p14:creationId xmlns:p14="http://schemas.microsoft.com/office/powerpoint/2010/main" val="1583517284"/>
       </p:ext>
     </p:extLst>
   </p:cSld>
